--- a/format-encodings/slide_presentations/.hidden/bitwise-operations.pptx
+++ b/format-encodings/slide_presentations/.hidden/bitwise-operations.pptx
@@ -8,15 +8,15 @@
     <p:notesMasterId r:id="rId11"/>
   </p:notesMasterIdLst>
   <p:sldIdLst>
-    <p:sldId id="256" r:id="rId2"/>
+    <p:sldId id="264" r:id="rId2"/>
     <p:sldId id="257" r:id="rId3"/>
     <p:sldId id="258" r:id="rId4"/>
     <p:sldId id="259" r:id="rId5"/>
-    <p:sldId id="263" r:id="rId6"/>
-    <p:sldId id="260" r:id="rId7"/>
-    <p:sldId id="261" r:id="rId8"/>
-    <p:sldId id="262" r:id="rId9"/>
-    <p:sldId id="264" r:id="rId10"/>
+    <p:sldId id="256" r:id="rId6"/>
+    <p:sldId id="263" r:id="rId7"/>
+    <p:sldId id="260" r:id="rId8"/>
+    <p:sldId id="261" r:id="rId9"/>
+    <p:sldId id="262" r:id="rId10"/>
   </p:sldIdLst>
   <p:sldSz cx="9144000" cy="5143500" type="screen16x9"/>
   <p:notesSz cx="6858000" cy="9144000"/>
@@ -723,110 +723,6 @@
   <p:cSld>
     <p:spTree>
       <p:nvGrpSpPr>
-        <p:cNvPr id="1" name="Shape 50"/>
-        <p:cNvGrpSpPr/>
-        <p:nvPr/>
-      </p:nvGrpSpPr>
-      <p:grpSpPr>
-        <a:xfrm>
-          <a:off x="0" y="0"/>
-          <a:ext cx="0" cy="0"/>
-          <a:chOff x="0" y="0"/>
-          <a:chExt cx="0" cy="0"/>
-        </a:xfrm>
-      </p:grpSpPr>
-      <p:sp>
-        <p:nvSpPr>
-          <p:cNvPr id="51" name="Google Shape;51;g10e6aad98fb_0_254:notes"/>
-          <p:cNvSpPr>
-            <a:spLocks noGrp="1" noRot="1" noChangeAspect="1"/>
-          </p:cNvSpPr>
-          <p:nvPr>
-            <p:ph type="sldImg" idx="2"/>
-          </p:nvPr>
-        </p:nvSpPr>
-        <p:spPr>
-          <a:xfrm>
-            <a:off x="381000" y="685800"/>
-            <a:ext cx="6096000" cy="3429000"/>
-          </a:xfrm>
-          <a:custGeom>
-            <a:avLst/>
-            <a:gdLst/>
-            <a:ahLst/>
-            <a:cxnLst/>
-            <a:rect l="l" t="t" r="r" b="b"/>
-            <a:pathLst>
-              <a:path w="120000" h="120000" extrusionOk="0">
-                <a:moveTo>
-                  <a:pt x="0" y="0"/>
-                </a:moveTo>
-                <a:lnTo>
-                  <a:pt x="120000" y="0"/>
-                </a:lnTo>
-                <a:lnTo>
-                  <a:pt x="120000" y="120000"/>
-                </a:lnTo>
-                <a:lnTo>
-                  <a:pt x="0" y="120000"/>
-                </a:lnTo>
-                <a:close/>
-              </a:path>
-            </a:pathLst>
-          </a:custGeom>
-        </p:spPr>
-      </p:sp>
-      <p:sp>
-        <p:nvSpPr>
-          <p:cNvPr id="52" name="Google Shape;52;g10e6aad98fb_0_254:notes"/>
-          <p:cNvSpPr txBox="1">
-            <a:spLocks noGrp="1"/>
-          </p:cNvSpPr>
-          <p:nvPr>
-            <p:ph type="body" idx="1"/>
-          </p:nvPr>
-        </p:nvSpPr>
-        <p:spPr>
-          <a:xfrm>
-            <a:off x="685800" y="4343400"/>
-            <a:ext cx="5486400" cy="4114800"/>
-          </a:xfrm>
-          <a:prstGeom prst="rect">
-            <a:avLst/>
-          </a:prstGeom>
-        </p:spPr>
-        <p:txBody>
-          <a:bodyPr spcFirstLastPara="1" wrap="square" lIns="91425" tIns="91425" rIns="91425" bIns="91425" anchor="t" anchorCtr="0">
-            <a:noAutofit/>
-          </a:bodyPr>
-          <a:lstStyle/>
-          <a:p>
-            <a:pPr marL="0" lvl="0" indent="0" algn="l" rtl="0">
-              <a:spcBef>
-                <a:spcPts val="0"/>
-              </a:spcBef>
-              <a:spcAft>
-                <a:spcPts val="0"/>
-              </a:spcAft>
-              <a:buNone/>
-            </a:pPr>
-            <a:endParaRPr dirty="0"/>
-          </a:p>
-        </p:txBody>
-      </p:sp>
-    </p:spTree>
-  </p:cSld>
-  <p:clrMapOvr>
-    <a:masterClrMapping/>
-  </p:clrMapOvr>
-</p:notes>
-</file>
-
-<file path=ppt/notesSlides/notesSlide2.xml><?xml version="1.0" encoding="utf-8"?>
-<p:notes xmlns:a="http://schemas.openxmlformats.org/drawingml/2006/main" xmlns:r="http://schemas.openxmlformats.org/officeDocument/2006/relationships" xmlns:p="http://schemas.openxmlformats.org/presentationml/2006/main" showMasterSp="0" showMasterPhAnim="0">
-  <p:cSld>
-    <p:spTree>
-      <p:nvGrpSpPr>
         <p:cNvPr id="1" name="Shape 57"/>
         <p:cNvGrpSpPr/>
         <p:nvPr/>
@@ -926,7 +822,7 @@
 </p:notes>
 </file>
 
-<file path=ppt/notesSlides/notesSlide3.xml><?xml version="1.0" encoding="utf-8"?>
+<file path=ppt/notesSlides/notesSlide2.xml><?xml version="1.0" encoding="utf-8"?>
 <p:notes xmlns:a="http://schemas.openxmlformats.org/drawingml/2006/main" xmlns:r="http://schemas.openxmlformats.org/officeDocument/2006/relationships" xmlns:p="http://schemas.openxmlformats.org/presentationml/2006/main" showMasterSp="0" showMasterPhAnim="0">
   <p:cSld>
     <p:spTree>
@@ -1030,7 +926,7 @@
 </p:notes>
 </file>
 
-<file path=ppt/notesSlides/notesSlide4.xml><?xml version="1.0" encoding="utf-8"?>
+<file path=ppt/notesSlides/notesSlide3.xml><?xml version="1.0" encoding="utf-8"?>
 <p:notes xmlns:a="http://schemas.openxmlformats.org/drawingml/2006/main" xmlns:r="http://schemas.openxmlformats.org/officeDocument/2006/relationships" xmlns:p="http://schemas.openxmlformats.org/presentationml/2006/main" showMasterSp="0" showMasterPhAnim="0">
   <p:cSld>
     <p:spTree>
@@ -1123,6 +1019,110 @@
               <a:buNone/>
             </a:pPr>
             <a:endParaRPr/>
+          </a:p>
+        </p:txBody>
+      </p:sp>
+    </p:spTree>
+  </p:cSld>
+  <p:clrMapOvr>
+    <a:masterClrMapping/>
+  </p:clrMapOvr>
+</p:notes>
+</file>
+
+<file path=ppt/notesSlides/notesSlide4.xml><?xml version="1.0" encoding="utf-8"?>
+<p:notes xmlns:a="http://schemas.openxmlformats.org/drawingml/2006/main" xmlns:r="http://schemas.openxmlformats.org/officeDocument/2006/relationships" xmlns:p="http://schemas.openxmlformats.org/presentationml/2006/main" showMasterSp="0" showMasterPhAnim="0">
+  <p:cSld>
+    <p:spTree>
+      <p:nvGrpSpPr>
+        <p:cNvPr id="1" name="Shape 50"/>
+        <p:cNvGrpSpPr/>
+        <p:nvPr/>
+      </p:nvGrpSpPr>
+      <p:grpSpPr>
+        <a:xfrm>
+          <a:off x="0" y="0"/>
+          <a:ext cx="0" cy="0"/>
+          <a:chOff x="0" y="0"/>
+          <a:chExt cx="0" cy="0"/>
+        </a:xfrm>
+      </p:grpSpPr>
+      <p:sp>
+        <p:nvSpPr>
+          <p:cNvPr id="51" name="Google Shape;51;g10e6aad98fb_0_254:notes"/>
+          <p:cNvSpPr>
+            <a:spLocks noGrp="1" noRot="1" noChangeAspect="1"/>
+          </p:cNvSpPr>
+          <p:nvPr>
+            <p:ph type="sldImg" idx="2"/>
+          </p:nvPr>
+        </p:nvSpPr>
+        <p:spPr>
+          <a:xfrm>
+            <a:off x="381000" y="685800"/>
+            <a:ext cx="6096000" cy="3429000"/>
+          </a:xfrm>
+          <a:custGeom>
+            <a:avLst/>
+            <a:gdLst/>
+            <a:ahLst/>
+            <a:cxnLst/>
+            <a:rect l="l" t="t" r="r" b="b"/>
+            <a:pathLst>
+              <a:path w="120000" h="120000" extrusionOk="0">
+                <a:moveTo>
+                  <a:pt x="0" y="0"/>
+                </a:moveTo>
+                <a:lnTo>
+                  <a:pt x="120000" y="0"/>
+                </a:lnTo>
+                <a:lnTo>
+                  <a:pt x="120000" y="120000"/>
+                </a:lnTo>
+                <a:lnTo>
+                  <a:pt x="0" y="120000"/>
+                </a:lnTo>
+                <a:close/>
+              </a:path>
+            </a:pathLst>
+          </a:custGeom>
+        </p:spPr>
+      </p:sp>
+      <p:sp>
+        <p:nvSpPr>
+          <p:cNvPr id="52" name="Google Shape;52;g10e6aad98fb_0_254:notes"/>
+          <p:cNvSpPr txBox="1">
+            <a:spLocks noGrp="1"/>
+          </p:cNvSpPr>
+          <p:nvPr>
+            <p:ph type="body" idx="1"/>
+          </p:nvPr>
+        </p:nvSpPr>
+        <p:spPr>
+          <a:xfrm>
+            <a:off x="685800" y="4343400"/>
+            <a:ext cx="5486400" cy="4114800"/>
+          </a:xfrm>
+          <a:prstGeom prst="rect">
+            <a:avLst/>
+          </a:prstGeom>
+        </p:spPr>
+        <p:txBody>
+          <a:bodyPr spcFirstLastPara="1" wrap="square" lIns="91425" tIns="91425" rIns="91425" bIns="91425" anchor="t" anchorCtr="0">
+            <a:noAutofit/>
+          </a:bodyPr>
+          <a:lstStyle/>
+          <a:p>
+            <a:pPr marL="0" lvl="0" indent="0" algn="l" rtl="0">
+              <a:spcBef>
+                <a:spcPts val="0"/>
+              </a:spcBef>
+              <a:spcAft>
+                <a:spcPts val="0"/>
+              </a:spcAft>
+              <a:buNone/>
+            </a:pPr>
+            <a:endParaRPr dirty="0"/>
           </a:p>
         </p:txBody>
       </p:sp>
@@ -1507,110 +1507,6 @@
       <p:sp>
         <p:nvSpPr>
           <p:cNvPr id="448" name="Google Shape;448;g10e6aad98fb_0_824:notes"/>
-          <p:cNvSpPr txBox="1">
-            <a:spLocks noGrp="1"/>
-          </p:cNvSpPr>
-          <p:nvPr>
-            <p:ph type="body" idx="1"/>
-          </p:nvPr>
-        </p:nvSpPr>
-        <p:spPr>
-          <a:xfrm>
-            <a:off x="685800" y="4343400"/>
-            <a:ext cx="5486400" cy="4114800"/>
-          </a:xfrm>
-          <a:prstGeom prst="rect">
-            <a:avLst/>
-          </a:prstGeom>
-        </p:spPr>
-        <p:txBody>
-          <a:bodyPr spcFirstLastPara="1" wrap="square" lIns="91425" tIns="91425" rIns="91425" bIns="91425" anchor="t" anchorCtr="0">
-            <a:noAutofit/>
-          </a:bodyPr>
-          <a:lstStyle/>
-          <a:p>
-            <a:pPr marL="0" lvl="0" indent="0" algn="l" rtl="0">
-              <a:spcBef>
-                <a:spcPts val="0"/>
-              </a:spcBef>
-              <a:spcAft>
-                <a:spcPts val="0"/>
-              </a:spcAft>
-              <a:buNone/>
-            </a:pPr>
-            <a:endParaRPr/>
-          </a:p>
-        </p:txBody>
-      </p:sp>
-    </p:spTree>
-  </p:cSld>
-  <p:clrMapOvr>
-    <a:masterClrMapping/>
-  </p:clrMapOvr>
-</p:notes>
-</file>
-
-<file path=ppt/notesSlides/notesSlide9.xml><?xml version="1.0" encoding="utf-8"?>
-<p:notes xmlns:a="http://schemas.openxmlformats.org/drawingml/2006/main" xmlns:r="http://schemas.openxmlformats.org/officeDocument/2006/relationships" xmlns:p="http://schemas.openxmlformats.org/presentationml/2006/main" showMasterSp="0" showMasterPhAnim="0">
-  <p:cSld>
-    <p:spTree>
-      <p:nvGrpSpPr>
-        <p:cNvPr id="1" name="Shape 533"/>
-        <p:cNvGrpSpPr/>
-        <p:nvPr/>
-      </p:nvGrpSpPr>
-      <p:grpSpPr>
-        <a:xfrm>
-          <a:off x="0" y="0"/>
-          <a:ext cx="0" cy="0"/>
-          <a:chOff x="0" y="0"/>
-          <a:chExt cx="0" cy="0"/>
-        </a:xfrm>
-      </p:grpSpPr>
-      <p:sp>
-        <p:nvSpPr>
-          <p:cNvPr id="534" name="Google Shape;534;gc097ce2df9_0_557:notes"/>
-          <p:cNvSpPr>
-            <a:spLocks noGrp="1" noRot="1" noChangeAspect="1"/>
-          </p:cNvSpPr>
-          <p:nvPr>
-            <p:ph type="sldImg" idx="2"/>
-          </p:nvPr>
-        </p:nvSpPr>
-        <p:spPr>
-          <a:xfrm>
-            <a:off x="381300" y="685800"/>
-            <a:ext cx="6096000" cy="3429000"/>
-          </a:xfrm>
-          <a:custGeom>
-            <a:avLst/>
-            <a:gdLst/>
-            <a:ahLst/>
-            <a:cxnLst/>
-            <a:rect l="l" t="t" r="r" b="b"/>
-            <a:pathLst>
-              <a:path w="120000" h="120000" extrusionOk="0">
-                <a:moveTo>
-                  <a:pt x="0" y="0"/>
-                </a:moveTo>
-                <a:lnTo>
-                  <a:pt x="120000" y="0"/>
-                </a:lnTo>
-                <a:lnTo>
-                  <a:pt x="120000" y="120000"/>
-                </a:lnTo>
-                <a:lnTo>
-                  <a:pt x="0" y="120000"/>
-                </a:lnTo>
-                <a:close/>
-              </a:path>
-            </a:pathLst>
-          </a:custGeom>
-        </p:spPr>
-      </p:sp>
-      <p:sp>
-        <p:nvSpPr>
-          <p:cNvPr id="535" name="Google Shape;535;gc097ce2df9_0_557:notes"/>
           <p:cNvSpPr txBox="1">
             <a:spLocks noGrp="1"/>
           </p:cNvSpPr>
@@ -6408,7 +6304,7 @@
   <p:cSld>
     <p:spTree>
       <p:nvGrpSpPr>
-        <p:cNvPr id="1" name="Shape 53"/>
+        <p:cNvPr id="1" name=""/>
         <p:cNvGrpSpPr/>
         <p:nvPr/>
       </p:nvGrpSpPr>
@@ -6422,50 +6318,79 @@
       </p:grpSpPr>
       <p:sp>
         <p:nvSpPr>
-          <p:cNvPr id="54" name="Google Shape;54;p13"/>
-          <p:cNvSpPr txBox="1">
+          <p:cNvPr id="2" name="Title 1">
+            <a:extLst>
+              <a:ext uri="{FF2B5EF4-FFF2-40B4-BE49-F238E27FC236}">
+                <a16:creationId xmlns:a16="http://schemas.microsoft.com/office/drawing/2014/main" id="{DB4A1163-CB45-4D52-1B05-762E3965A2C0}"/>
+              </a:ext>
+            </a:extLst>
+          </p:cNvPr>
+          <p:cNvSpPr>
             <a:spLocks noGrp="1"/>
           </p:cNvSpPr>
           <p:nvPr>
             <p:ph type="title"/>
           </p:nvPr>
         </p:nvSpPr>
-        <p:spPr>
-          <a:xfrm>
-            <a:off x="311700" y="445025"/>
-            <a:ext cx="8520600" cy="572700"/>
-          </a:xfrm>
-          <a:prstGeom prst="rect">
-            <a:avLst/>
-          </a:prstGeom>
-        </p:spPr>
+        <p:spPr/>
         <p:txBody>
-          <a:bodyPr spcFirstLastPara="1" wrap="square" lIns="91425" tIns="91425" rIns="91425" bIns="91425" anchor="t" anchorCtr="0">
+          <a:bodyPr>
             <a:normAutofit fontScale="90000"/>
           </a:bodyPr>
           <a:lstStyle/>
           <a:p>
-            <a:pPr marL="0" lvl="0" indent="0" algn="l" rtl="0">
-              <a:spcBef>
-                <a:spcPts val="0"/>
-              </a:spcBef>
-              <a:spcAft>
-                <a:spcPts val="0"/>
-              </a:spcAft>
-              <a:buNone/>
-            </a:pPr>
             <a:r>
-              <a:rPr lang="en"/>
-              <a:t>Bitwise Operations</a:t>
+              <a:rPr lang="en-US" dirty="0">
+                <a:solidFill>
+                  <a:srgbClr val="000000"/>
+                </a:solidFill>
+                <a:effectLst/>
+                <a:latin typeface="Menlo" panose="020B0609030804020204" pitchFamily="49" charset="0"/>
+              </a:rPr>
+              <a:t>Good </a:t>
             </a:r>
-            <a:endParaRPr/>
+            <a:r>
+              <a:rPr lang="en-US" dirty="0" err="1">
+                <a:solidFill>
+                  <a:srgbClr val="000000"/>
+                </a:solidFill>
+                <a:effectLst/>
+                <a:latin typeface="Menlo" panose="020B0609030804020204" pitchFamily="49" charset="0"/>
+              </a:rPr>
+              <a:t>Minnrog</a:t>
+            </a:r>
+            <a:br>
+              <a:rPr lang="en-US" dirty="0">
+                <a:solidFill>
+                  <a:srgbClr val="000000"/>
+                </a:solidFill>
+                <a:latin typeface="Menlo" panose="020B0609030804020204" pitchFamily="49" charset="0"/>
+              </a:rPr>
+            </a:br>
+            <a:r>
+              <a:rPr lang="en-US" dirty="0">
+                <a:solidFill>
+                  <a:srgbClr val="000000"/>
+                </a:solidFill>
+                <a:effectLst/>
+                <a:latin typeface="Menlo" panose="020B0609030804020204" pitchFamily="49" charset="0"/>
+              </a:rPr>
+              <a:t>Cmp21o2</a:t>
+            </a:r>
+            <a:endParaRPr lang="en-US" dirty="0"/>
           </a:p>
         </p:txBody>
       </p:sp>
       <p:sp>
         <p:nvSpPr>
-          <p:cNvPr id="55" name="Google Shape;55;p13"/>
-          <p:cNvSpPr txBox="1">
+          <p:cNvPr id="3" name="Text Placeholder 2">
+            <a:extLst>
+              <a:ext uri="{FF2B5EF4-FFF2-40B4-BE49-F238E27FC236}">
+                <a16:creationId xmlns:a16="http://schemas.microsoft.com/office/drawing/2014/main" id="{68EAE658-1158-4D45-37CF-84CE85AE90EB}"/>
+              </a:ext>
+            </a:extLst>
+          </p:cNvPr>
+          <p:cNvSpPr>
             <a:spLocks noGrp="1"/>
           </p:cNvSpPr>
           <p:nvPr>
@@ -6474,603 +6399,299 @@
         </p:nvSpPr>
         <p:spPr>
           <a:xfrm>
-            <a:off x="311700" y="1152475"/>
-            <a:ext cx="8832300" cy="3416400"/>
+            <a:off x="311700" y="3348668"/>
+            <a:ext cx="8520600" cy="3416400"/>
+          </a:xfrm>
+        </p:spPr>
+        <p:txBody>
+          <a:bodyPr/>
+          <a:lstStyle/>
+          <a:p>
+            <a:pPr marL="114300" indent="0">
+              <a:buNone/>
+            </a:pPr>
+            <a:r>
+              <a:rPr lang="en-US" dirty="0" err="1">
+                <a:solidFill>
+                  <a:srgbClr val="000000"/>
+                </a:solidFill>
+                <a:effectLst/>
+                <a:latin typeface="Menlo" panose="020B0609030804020204" pitchFamily="49" charset="0"/>
+              </a:rPr>
+              <a:t>Tod'ays</a:t>
+            </a:r>
+            <a:r>
+              <a:rPr lang="en-US" dirty="0">
+                <a:solidFill>
+                  <a:srgbClr val="000000"/>
+                </a:solidFill>
+                <a:effectLst/>
+                <a:latin typeface="Menlo" panose="020B0609030804020204" pitchFamily="49" charset="0"/>
+              </a:rPr>
+              <a:t> </a:t>
+            </a:r>
+            <a:r>
+              <a:rPr lang="en-US" dirty="0" err="1">
+                <a:solidFill>
+                  <a:srgbClr val="000000"/>
+                </a:solidFill>
+                <a:effectLst/>
+                <a:latin typeface="Menlo" panose="020B0609030804020204" pitchFamily="49" charset="0"/>
+              </a:rPr>
+              <a:t>lurctee</a:t>
+            </a:r>
+            <a:r>
+              <a:rPr lang="en-US" dirty="0">
+                <a:solidFill>
+                  <a:srgbClr val="000000"/>
+                </a:solidFill>
+                <a:effectLst/>
+                <a:latin typeface="Menlo" panose="020B0609030804020204" pitchFamily="49" charset="0"/>
+              </a:rPr>
+              <a:t> is all </a:t>
+            </a:r>
+            <a:r>
+              <a:rPr lang="en-US" dirty="0" err="1">
+                <a:solidFill>
+                  <a:srgbClr val="000000"/>
+                </a:solidFill>
+                <a:effectLst/>
+                <a:latin typeface="Menlo" panose="020B0609030804020204" pitchFamily="49" charset="0"/>
+              </a:rPr>
+              <a:t>aoubt</a:t>
+            </a:r>
+            <a:r>
+              <a:rPr lang="en-US" dirty="0">
+                <a:solidFill>
+                  <a:srgbClr val="000000"/>
+                </a:solidFill>
+                <a:effectLst/>
+                <a:latin typeface="Menlo" panose="020B0609030804020204" pitchFamily="49" charset="0"/>
+              </a:rPr>
+              <a:t> </a:t>
+            </a:r>
+            <a:r>
+              <a:rPr lang="en-US" dirty="0" err="1">
+                <a:solidFill>
+                  <a:srgbClr val="000000"/>
+                </a:solidFill>
+                <a:effectLst/>
+                <a:latin typeface="Menlo" panose="020B0609030804020204" pitchFamily="49" charset="0"/>
+              </a:rPr>
+              <a:t>bwiitse</a:t>
+            </a:r>
+            <a:r>
+              <a:rPr lang="en-US" dirty="0">
+                <a:solidFill>
+                  <a:srgbClr val="000000"/>
+                </a:solidFill>
+                <a:effectLst/>
+                <a:latin typeface="Menlo" panose="020B0609030804020204" pitchFamily="49" charset="0"/>
+              </a:rPr>
+              <a:t> </a:t>
+            </a:r>
+            <a:r>
+              <a:rPr lang="en-US" dirty="0" err="1">
+                <a:solidFill>
+                  <a:srgbClr val="000000"/>
+                </a:solidFill>
+                <a:effectLst/>
+                <a:latin typeface="Menlo" panose="020B0609030804020204" pitchFamily="49" charset="0"/>
+              </a:rPr>
+              <a:t>oaoirpetns</a:t>
+            </a:r>
+            <a:r>
+              <a:rPr lang="en-US" dirty="0">
+                <a:solidFill>
+                  <a:srgbClr val="000000"/>
+                </a:solidFill>
+                <a:effectLst/>
+                <a:latin typeface="Menlo" panose="020B0609030804020204" pitchFamily="49" charset="0"/>
+              </a:rPr>
+              <a:t>. But borfee we start this </a:t>
+            </a:r>
+            <a:r>
+              <a:rPr lang="en-US" dirty="0" err="1">
+                <a:solidFill>
+                  <a:srgbClr val="000000"/>
+                </a:solidFill>
+                <a:effectLst/>
+                <a:latin typeface="Menlo" panose="020B0609030804020204" pitchFamily="49" charset="0"/>
+              </a:rPr>
+              <a:t>ltecrue</a:t>
+            </a:r>
+            <a:r>
+              <a:rPr lang="en-US" dirty="0">
+                <a:solidFill>
+                  <a:srgbClr val="000000"/>
+                </a:solidFill>
+                <a:effectLst/>
+                <a:latin typeface="Menlo" panose="020B0609030804020204" pitchFamily="49" charset="0"/>
+              </a:rPr>
+              <a:t> </a:t>
+            </a:r>
+            <a:r>
+              <a:rPr lang="en-US" dirty="0" err="1">
+                <a:solidFill>
+                  <a:srgbClr val="000000"/>
+                </a:solidFill>
+                <a:effectLst/>
+                <a:latin typeface="Menlo" panose="020B0609030804020204" pitchFamily="49" charset="0"/>
+              </a:rPr>
+              <a:t>cdsieonr</a:t>
+            </a:r>
+            <a:r>
+              <a:rPr lang="en-US" dirty="0">
+                <a:solidFill>
+                  <a:srgbClr val="000000"/>
+                </a:solidFill>
+                <a:effectLst/>
+                <a:latin typeface="Menlo" panose="020B0609030804020204" pitchFamily="49" charset="0"/>
+              </a:rPr>
+              <a:t> the </a:t>
+            </a:r>
+            <a:r>
+              <a:rPr lang="en-US" dirty="0" err="1">
+                <a:solidFill>
+                  <a:srgbClr val="000000"/>
+                </a:solidFill>
+                <a:effectLst/>
+                <a:latin typeface="Menlo" panose="020B0609030804020204" pitchFamily="49" charset="0"/>
+              </a:rPr>
+              <a:t>flnoowlig</a:t>
+            </a:r>
+            <a:r>
+              <a:rPr lang="en-US" dirty="0">
+                <a:solidFill>
+                  <a:srgbClr val="000000"/>
+                </a:solidFill>
+                <a:effectLst/>
+                <a:latin typeface="Menlo" panose="020B0609030804020204" pitchFamily="49" charset="0"/>
+              </a:rPr>
+              <a:t> </a:t>
+            </a:r>
+            <a:r>
+              <a:rPr lang="en-US" dirty="0" err="1">
+                <a:solidFill>
+                  <a:srgbClr val="000000"/>
+                </a:solidFill>
+                <a:effectLst/>
+                <a:latin typeface="Menlo" panose="020B0609030804020204" pitchFamily="49" charset="0"/>
+              </a:rPr>
+              <a:t>craoton</a:t>
+            </a:r>
+            <a:r>
+              <a:rPr lang="en-US" dirty="0">
+                <a:solidFill>
+                  <a:srgbClr val="000000"/>
+                </a:solidFill>
+                <a:effectLst/>
+                <a:latin typeface="Menlo" panose="020B0609030804020204" pitchFamily="49" charset="0"/>
+              </a:rPr>
+              <a:t>. </a:t>
+            </a:r>
+            <a:r>
+              <a:rPr lang="en-US" dirty="0" err="1">
+                <a:solidFill>
+                  <a:srgbClr val="000000"/>
+                </a:solidFill>
+                <a:effectLst/>
+                <a:latin typeface="Menlo" panose="020B0609030804020204" pitchFamily="49" charset="0"/>
+              </a:rPr>
+              <a:t>Waht</a:t>
+            </a:r>
+            <a:r>
+              <a:rPr lang="en-US" dirty="0">
+                <a:solidFill>
+                  <a:srgbClr val="000000"/>
+                </a:solidFill>
+                <a:effectLst/>
+                <a:latin typeface="Menlo" panose="020B0609030804020204" pitchFamily="49" charset="0"/>
+              </a:rPr>
+              <a:t> </a:t>
+            </a:r>
+            <a:r>
+              <a:rPr lang="en-US" dirty="0" err="1">
+                <a:solidFill>
+                  <a:srgbClr val="000000"/>
+                </a:solidFill>
+                <a:effectLst/>
+                <a:latin typeface="Menlo" panose="020B0609030804020204" pitchFamily="49" charset="0"/>
+              </a:rPr>
+              <a:t>mesgase</a:t>
+            </a:r>
+            <a:r>
+              <a:rPr lang="en-US" dirty="0">
+                <a:solidFill>
+                  <a:srgbClr val="000000"/>
+                </a:solidFill>
+                <a:effectLst/>
+                <a:latin typeface="Menlo" panose="020B0609030804020204" pitchFamily="49" charset="0"/>
+              </a:rPr>
+              <a:t> do you </a:t>
+            </a:r>
+            <a:r>
+              <a:rPr lang="en-US" dirty="0" err="1">
+                <a:solidFill>
+                  <a:srgbClr val="000000"/>
+                </a:solidFill>
+                <a:effectLst/>
+                <a:latin typeface="Menlo" panose="020B0609030804020204" pitchFamily="49" charset="0"/>
+              </a:rPr>
+              <a:t>recveie</a:t>
+            </a:r>
+            <a:r>
+              <a:rPr lang="en-US" dirty="0">
+                <a:solidFill>
+                  <a:srgbClr val="000000"/>
+                </a:solidFill>
+                <a:effectLst/>
+                <a:latin typeface="Menlo" panose="020B0609030804020204" pitchFamily="49" charset="0"/>
+              </a:rPr>
+              <a:t> form it? </a:t>
+            </a:r>
+          </a:p>
+          <a:p>
+            <a:endParaRPr lang="en-US" dirty="0"/>
+          </a:p>
+        </p:txBody>
+      </p:sp>
+      <p:pic>
+        <p:nvPicPr>
+          <p:cNvPr id="4" name="Picture 3">
+            <a:extLst>
+              <a:ext uri="{FF2B5EF4-FFF2-40B4-BE49-F238E27FC236}">
+                <a16:creationId xmlns:a16="http://schemas.microsoft.com/office/drawing/2014/main" id="{D2B3673C-3C9E-17C5-1E45-D3809AFC348D}"/>
+              </a:ext>
+            </a:extLst>
+          </p:cNvPr>
+          <p:cNvPicPr>
+            <a:picLocks noChangeAspect="1"/>
+          </p:cNvPicPr>
+          <p:nvPr/>
+        </p:nvPicPr>
+        <p:blipFill>
+          <a:blip r:embed="rId2"/>
+          <a:stretch>
+            <a:fillRect/>
+          </a:stretch>
+        </p:blipFill>
+        <p:spPr>
+          <a:xfrm>
+            <a:off x="4278086" y="219529"/>
+            <a:ext cx="4865914" cy="3036691"/>
           </a:xfrm>
           <a:prstGeom prst="rect">
             <a:avLst/>
           </a:prstGeom>
         </p:spPr>
-        <p:txBody>
-          <a:bodyPr spcFirstLastPara="1" wrap="square" lIns="91425" tIns="91425" rIns="91425" bIns="91425" anchor="t" anchorCtr="0">
-            <a:normAutofit fontScale="85000" lnSpcReduction="20000"/>
-          </a:bodyPr>
-          <a:lstStyle/>
-          <a:p>
-            <a:pPr marL="457200" lvl="0" indent="-325755" algn="l" rtl="0">
-              <a:spcBef>
-                <a:spcPts val="0"/>
-              </a:spcBef>
-              <a:spcAft>
-                <a:spcPts val="0"/>
-              </a:spcAft>
-              <a:buSzPct val="100000"/>
-              <a:buChar char="●"/>
-            </a:pPr>
-            <a:r>
-              <a:rPr lang="en" dirty="0"/>
-              <a:t>Bitwise operations in high-level languages are applied to integers</a:t>
-            </a:r>
-            <a:endParaRPr dirty="0"/>
-          </a:p>
-          <a:p>
-            <a:pPr marL="457200" lvl="0" indent="-325755" algn="l" rtl="0">
-              <a:spcBef>
-                <a:spcPts val="0"/>
-              </a:spcBef>
-              <a:spcAft>
-                <a:spcPts val="0"/>
-              </a:spcAft>
-              <a:buSzPct val="100000"/>
-              <a:buChar char="●"/>
-            </a:pPr>
-            <a:r>
-              <a:rPr lang="en" dirty="0"/>
-              <a:t>Java has three primary sizes for signed integers</a:t>
-            </a:r>
-            <a:endParaRPr dirty="0"/>
-          </a:p>
-          <a:p>
-            <a:pPr marL="457200" lvl="0" indent="-325755" algn="l" rtl="0">
-              <a:spcBef>
-                <a:spcPts val="0"/>
-              </a:spcBef>
-              <a:spcAft>
-                <a:spcPts val="0"/>
-              </a:spcAft>
-              <a:buSzPct val="100000"/>
-              <a:buChar char="●"/>
-            </a:pPr>
-            <a:r>
-              <a:rPr lang="en" dirty="0"/>
-              <a:t>Two types of Bitwise Operations</a:t>
-            </a:r>
-            <a:endParaRPr dirty="0"/>
-          </a:p>
-          <a:p>
-            <a:pPr marL="914400" lvl="1" indent="-304165" algn="l" rtl="0">
-              <a:spcBef>
-                <a:spcPts val="0"/>
-              </a:spcBef>
-              <a:spcAft>
-                <a:spcPts val="0"/>
-              </a:spcAft>
-              <a:buSzPct val="100000"/>
-              <a:buChar char="○"/>
-            </a:pPr>
-            <a:r>
-              <a:rPr lang="en" dirty="0"/>
-              <a:t>Boolean based operations</a:t>
-            </a:r>
-            <a:endParaRPr dirty="0"/>
-          </a:p>
-          <a:p>
-            <a:pPr marL="914400" lvl="1" indent="-304165" algn="l" rtl="0">
-              <a:spcBef>
-                <a:spcPts val="0"/>
-              </a:spcBef>
-              <a:spcAft>
-                <a:spcPts val="0"/>
-              </a:spcAft>
-              <a:buSzPct val="100000"/>
-              <a:buChar char="○"/>
-            </a:pPr>
-            <a:r>
-              <a:rPr lang="en" dirty="0"/>
-              <a:t>Shift-based operations</a:t>
-            </a:r>
-            <a:endParaRPr dirty="0"/>
-          </a:p>
-          <a:p>
-            <a:pPr marL="457200" lvl="0" indent="-325755" algn="l" rtl="0">
-              <a:spcBef>
-                <a:spcPts val="0"/>
-              </a:spcBef>
-              <a:spcAft>
-                <a:spcPts val="0"/>
-              </a:spcAft>
-              <a:buSzPct val="100000"/>
-              <a:buChar char="●"/>
-            </a:pPr>
-            <a:r>
-              <a:rPr lang="en" dirty="0"/>
-              <a:t>Boolean-based Operations:</a:t>
-            </a:r>
-            <a:endParaRPr dirty="0"/>
-          </a:p>
-          <a:p>
-            <a:pPr marL="914400" lvl="1" indent="-304165" algn="l" rtl="0">
-              <a:spcBef>
-                <a:spcPts val="0"/>
-              </a:spcBef>
-              <a:spcAft>
-                <a:spcPts val="0"/>
-              </a:spcAft>
-              <a:buSzPct val="100000"/>
-              <a:buChar char="○"/>
-            </a:pPr>
-            <a:r>
-              <a:rPr lang="en" dirty="0"/>
-              <a:t>Complement: 	</a:t>
-            </a:r>
-            <a:r>
-              <a:rPr lang="en" dirty="0">
-                <a:latin typeface="Source Code Pro"/>
-                <a:ea typeface="Source Code Pro"/>
-                <a:cs typeface="Source Code Pro"/>
-                <a:sym typeface="Source Code Pro"/>
-              </a:rPr>
-              <a:t>s1 = ~ t1;	nor $s1, $t1, $zero	# s1 = ~ ( t1 | 0 )</a:t>
-            </a:r>
-            <a:r>
-              <a:rPr lang="en" dirty="0"/>
-              <a:t>	</a:t>
-            </a:r>
-            <a:endParaRPr dirty="0"/>
-          </a:p>
-          <a:p>
-            <a:pPr marL="914400" lvl="1" indent="-304165" algn="l" rtl="0">
-              <a:spcBef>
-                <a:spcPts val="0"/>
-              </a:spcBef>
-              <a:spcAft>
-                <a:spcPts val="0"/>
-              </a:spcAft>
-              <a:buSzPct val="100000"/>
-              <a:buChar char="○"/>
-            </a:pPr>
-            <a:r>
-              <a:rPr lang="en" dirty="0"/>
-              <a:t>And: 		</a:t>
-            </a:r>
-            <a:r>
-              <a:rPr lang="en" dirty="0">
-                <a:latin typeface="Source Code Pro"/>
-                <a:ea typeface="Source Code Pro"/>
-                <a:cs typeface="Source Code Pro"/>
-                <a:sym typeface="Source Code Pro"/>
-              </a:rPr>
-              <a:t>s1 = t1 &amp; t2;	and $s1, $t1, $t2</a:t>
-            </a:r>
-            <a:endParaRPr dirty="0">
-              <a:latin typeface="Source Code Pro"/>
-              <a:ea typeface="Source Code Pro"/>
-              <a:cs typeface="Source Code Pro"/>
-              <a:sym typeface="Source Code Pro"/>
-            </a:endParaRPr>
-          </a:p>
-          <a:p>
-            <a:pPr marL="914400" lvl="1" indent="-304165" algn="l" rtl="0">
-              <a:spcBef>
-                <a:spcPts val="0"/>
-              </a:spcBef>
-              <a:spcAft>
-                <a:spcPts val="0"/>
-              </a:spcAft>
-              <a:buSzPct val="100000"/>
-              <a:buChar char="○"/>
-            </a:pPr>
-            <a:r>
-              <a:rPr lang="en" dirty="0"/>
-              <a:t>Or: 		</a:t>
-            </a:r>
-            <a:r>
-              <a:rPr lang="en" dirty="0">
-                <a:latin typeface="Source Code Pro"/>
-                <a:ea typeface="Source Code Pro"/>
-                <a:cs typeface="Source Code Pro"/>
-                <a:sym typeface="Source Code Pro"/>
-              </a:rPr>
-              <a:t>s1 = t1 | t2;	or $s1, $t1, $t2</a:t>
-            </a:r>
-            <a:endParaRPr dirty="0">
-              <a:latin typeface="Source Code Pro"/>
-              <a:ea typeface="Source Code Pro"/>
-              <a:cs typeface="Source Code Pro"/>
-              <a:sym typeface="Source Code Pro"/>
-            </a:endParaRPr>
-          </a:p>
-          <a:p>
-            <a:pPr marL="914400" lvl="1" indent="-304165" algn="l" rtl="0">
-              <a:spcBef>
-                <a:spcPts val="0"/>
-              </a:spcBef>
-              <a:spcAft>
-                <a:spcPts val="0"/>
-              </a:spcAft>
-              <a:buSzPct val="100000"/>
-              <a:buChar char="○"/>
-            </a:pPr>
-            <a:r>
-              <a:rPr lang="en" dirty="0" err="1"/>
-              <a:t>Xor</a:t>
-            </a:r>
-            <a:r>
-              <a:rPr lang="en" dirty="0"/>
-              <a:t>: 		</a:t>
-            </a:r>
-            <a:r>
-              <a:rPr lang="en" dirty="0">
-                <a:latin typeface="Source Code Pro"/>
-                <a:ea typeface="Source Code Pro"/>
-                <a:cs typeface="Source Code Pro"/>
-                <a:sym typeface="Source Code Pro"/>
-              </a:rPr>
-              <a:t>s1 = t1 ^ t2;	</a:t>
-            </a:r>
-            <a:r>
-              <a:rPr lang="en" dirty="0" err="1">
-                <a:latin typeface="Source Code Pro"/>
-                <a:ea typeface="Source Code Pro"/>
-                <a:cs typeface="Source Code Pro"/>
-                <a:sym typeface="Source Code Pro"/>
-              </a:rPr>
-              <a:t>xor</a:t>
-            </a:r>
-            <a:r>
-              <a:rPr lang="en" dirty="0">
-                <a:latin typeface="Source Code Pro"/>
-                <a:ea typeface="Source Code Pro"/>
-                <a:cs typeface="Source Code Pro"/>
-                <a:sym typeface="Source Code Pro"/>
-              </a:rPr>
-              <a:t> $s1, $t1, $t2</a:t>
-            </a:r>
-            <a:br>
-              <a:rPr lang="en" dirty="0">
-                <a:latin typeface="Source Code Pro"/>
-                <a:ea typeface="Source Code Pro"/>
-                <a:cs typeface="Source Code Pro"/>
-                <a:sym typeface="Source Code Pro"/>
-              </a:rPr>
-            </a:br>
-            <a:endParaRPr dirty="0">
-              <a:latin typeface="Source Code Pro"/>
-              <a:ea typeface="Source Code Pro"/>
-              <a:cs typeface="Source Code Pro"/>
-              <a:sym typeface="Source Code Pro"/>
-            </a:endParaRPr>
-          </a:p>
-          <a:p>
-            <a:pPr marL="457200" lvl="0" indent="-325755" algn="l" rtl="0">
-              <a:spcBef>
-                <a:spcPts val="0"/>
-              </a:spcBef>
-              <a:spcAft>
-                <a:spcPts val="0"/>
-              </a:spcAft>
-              <a:buSzPct val="100000"/>
-              <a:buChar char="●"/>
-            </a:pPr>
-            <a:r>
-              <a:rPr lang="en" dirty="0"/>
-              <a:t>Shift-based Operations:</a:t>
-            </a:r>
-            <a:endParaRPr dirty="0"/>
-          </a:p>
-          <a:p>
-            <a:pPr marL="914400" lvl="1" indent="-304165" algn="l" rtl="0">
-              <a:spcBef>
-                <a:spcPts val="0"/>
-              </a:spcBef>
-              <a:spcAft>
-                <a:spcPts val="0"/>
-              </a:spcAft>
-              <a:buSzPct val="100000"/>
-              <a:buChar char="○"/>
-            </a:pPr>
-            <a:r>
-              <a:rPr lang="en" strike="sngStrike" dirty="0"/>
-              <a:t>Un/Signed</a:t>
-            </a:r>
-            <a:r>
-              <a:rPr lang="en" dirty="0"/>
-              <a:t> Left Shift	</a:t>
-            </a:r>
-            <a:r>
-              <a:rPr lang="en" dirty="0">
-                <a:latin typeface="Source Code Pro"/>
-                <a:ea typeface="Source Code Pro"/>
-                <a:cs typeface="Source Code Pro"/>
-                <a:sym typeface="Source Code Pro"/>
-              </a:rPr>
-              <a:t>s1 = t1 &lt;&lt; 2;	</a:t>
-            </a:r>
-            <a:r>
-              <a:rPr lang="en" dirty="0" err="1">
-                <a:latin typeface="Source Code Pro"/>
-                <a:ea typeface="Source Code Pro"/>
-                <a:cs typeface="Source Code Pro"/>
-                <a:sym typeface="Source Code Pro"/>
-              </a:rPr>
-              <a:t>sll</a:t>
-            </a:r>
-            <a:r>
-              <a:rPr lang="en" dirty="0">
-                <a:latin typeface="Source Code Pro"/>
-                <a:ea typeface="Source Code Pro"/>
-                <a:cs typeface="Source Code Pro"/>
-                <a:sym typeface="Source Code Pro"/>
-              </a:rPr>
-              <a:t> $s1, $t1, 2	# Shift Left Logical</a:t>
-            </a:r>
-          </a:p>
-          <a:p>
-            <a:pPr lvl="1" indent="-304165">
-              <a:buSzPct val="100000"/>
-            </a:pPr>
-            <a:r>
-              <a:rPr lang="en-US" dirty="0"/>
-              <a:t>Unsigned Right Shift	</a:t>
-            </a:r>
-            <a:r>
-              <a:rPr lang="en-US" dirty="0">
-                <a:latin typeface="Source Code Pro"/>
-                <a:ea typeface="Source Code Pro"/>
-                <a:cs typeface="Source Code Pro"/>
-                <a:sym typeface="Source Code Pro"/>
-              </a:rPr>
-              <a:t>s1 = t1 &gt;&gt;&gt; 2;	</a:t>
-            </a:r>
-            <a:r>
-              <a:rPr lang="en-US" dirty="0" err="1">
-                <a:latin typeface="Source Code Pro"/>
-                <a:ea typeface="Source Code Pro"/>
-                <a:cs typeface="Source Code Pro"/>
-                <a:sym typeface="Source Code Pro"/>
-              </a:rPr>
-              <a:t>srl</a:t>
-            </a:r>
-            <a:r>
-              <a:rPr lang="en-US" dirty="0">
-                <a:latin typeface="Source Code Pro"/>
-                <a:ea typeface="Source Code Pro"/>
-                <a:cs typeface="Source Code Pro"/>
-                <a:sym typeface="Source Code Pro"/>
-              </a:rPr>
-              <a:t> $s1, $t1, 2	# Shift Right Logical</a:t>
-            </a:r>
-            <a:br>
-              <a:rPr lang="en-US" dirty="0">
-                <a:latin typeface="Source Code Pro"/>
-                <a:ea typeface="Source Code Pro"/>
-                <a:cs typeface="Source Code Pro"/>
-                <a:sym typeface="Source Code Pro"/>
-              </a:rPr>
-            </a:br>
-            <a:r>
-              <a:rPr lang="en-US" dirty="0">
-                <a:latin typeface="Source Code Pro"/>
-                <a:ea typeface="Source Code Pro"/>
-                <a:cs typeface="Source Code Pro"/>
-                <a:sym typeface="Source Code Pro"/>
-              </a:rPr>
-              <a:t> </a:t>
-            </a:r>
-            <a:endParaRPr dirty="0">
-              <a:latin typeface="Source Code Pro"/>
-              <a:ea typeface="Source Code Pro"/>
-              <a:cs typeface="Source Code Pro"/>
-              <a:sym typeface="Source Code Pro"/>
-            </a:endParaRPr>
-          </a:p>
-          <a:p>
-            <a:pPr marL="914400" lvl="1" indent="-304165" algn="l" rtl="0">
-              <a:spcBef>
-                <a:spcPts val="0"/>
-              </a:spcBef>
-              <a:spcAft>
-                <a:spcPts val="0"/>
-              </a:spcAft>
-              <a:buSzPct val="100000"/>
-              <a:buChar char="○"/>
-            </a:pPr>
-            <a:r>
-              <a:rPr lang="en" dirty="0"/>
-              <a:t>Signed Right Shift	</a:t>
-            </a:r>
-            <a:r>
-              <a:rPr lang="en" dirty="0">
-                <a:latin typeface="Source Code Pro"/>
-                <a:ea typeface="Source Code Pro"/>
-                <a:cs typeface="Source Code Pro"/>
-                <a:sym typeface="Source Code Pro"/>
-              </a:rPr>
-              <a:t>s1 = t1 &gt;&gt; 2;	</a:t>
-            </a:r>
-            <a:r>
-              <a:rPr lang="en" dirty="0" err="1">
-                <a:latin typeface="Source Code Pro"/>
-                <a:ea typeface="Source Code Pro"/>
-                <a:cs typeface="Source Code Pro"/>
-                <a:sym typeface="Source Code Pro"/>
-              </a:rPr>
-              <a:t>sra</a:t>
-            </a:r>
-            <a:r>
-              <a:rPr lang="en" dirty="0">
-                <a:latin typeface="Source Code Pro"/>
-                <a:ea typeface="Source Code Pro"/>
-                <a:cs typeface="Source Code Pro"/>
-                <a:sym typeface="Source Code Pro"/>
-              </a:rPr>
-              <a:t> $s1, $t1, 2	# Shift Right Arithmetic</a:t>
-            </a:r>
-            <a:endParaRPr dirty="0">
-              <a:latin typeface="Source Code Pro"/>
-              <a:ea typeface="Source Code Pro"/>
-              <a:cs typeface="Source Code Pro"/>
-              <a:sym typeface="Source Code Pro"/>
-            </a:endParaRPr>
-          </a:p>
-          <a:p>
-            <a:pPr marL="914400" lvl="1" indent="-304165" algn="l" rtl="0">
-              <a:spcBef>
-                <a:spcPts val="0"/>
-              </a:spcBef>
-              <a:spcAft>
-                <a:spcPts val="0"/>
-              </a:spcAft>
-              <a:buSzPct val="100000"/>
-              <a:buFont typeface="Source Code Pro"/>
-              <a:buChar char="○"/>
-            </a:pPr>
-            <a:r>
-              <a:rPr lang="en" strike="sngStrike" dirty="0"/>
-              <a:t>Unsigned Left Shift	</a:t>
-            </a:r>
-            <a:r>
-              <a:rPr lang="en" strike="sngStrike" dirty="0">
-                <a:latin typeface="Source Code Pro"/>
-                <a:ea typeface="Source Code Pro"/>
-                <a:cs typeface="Source Code Pro"/>
-                <a:sym typeface="Source Code Pro"/>
-              </a:rPr>
-              <a:t>s1 = t1 &lt;&lt;&lt; t2;</a:t>
-            </a:r>
-            <a:endParaRPr dirty="0">
-              <a:latin typeface="Source Code Pro"/>
-              <a:ea typeface="Source Code Pro"/>
-              <a:cs typeface="Source Code Pro"/>
-              <a:sym typeface="Source Code Pro"/>
-            </a:endParaRPr>
-          </a:p>
-        </p:txBody>
-      </p:sp>
-      <p:sp>
-        <p:nvSpPr>
-          <p:cNvPr id="56" name="Google Shape;56;p13"/>
-          <p:cNvSpPr txBox="1"/>
-          <p:nvPr/>
-        </p:nvSpPr>
-        <p:spPr>
-          <a:xfrm>
-            <a:off x="5009223" y="1430094"/>
-            <a:ext cx="3645300" cy="821733"/>
-          </a:xfrm>
-          <a:prstGeom prst="rect">
-            <a:avLst/>
-          </a:prstGeom>
-          <a:noFill/>
-          <a:ln>
-            <a:noFill/>
-          </a:ln>
-        </p:spPr>
-        <p:txBody>
-          <a:bodyPr spcFirstLastPara="1" wrap="square" lIns="91425" tIns="91425" rIns="91425" bIns="91425" anchor="t" anchorCtr="0">
-            <a:spAutoFit/>
-          </a:bodyPr>
-          <a:lstStyle/>
-          <a:p>
-            <a:pPr marL="457200" lvl="0" indent="-304800" algn="l" rtl="0">
-              <a:lnSpc>
-                <a:spcPct val="115000"/>
-              </a:lnSpc>
-              <a:spcBef>
-                <a:spcPts val="0"/>
-              </a:spcBef>
-              <a:spcAft>
-                <a:spcPts val="0"/>
-              </a:spcAft>
-              <a:buClr>
-                <a:schemeClr val="dk2"/>
-              </a:buClr>
-              <a:buSzPts val="1200"/>
-              <a:buChar char="●"/>
-            </a:pPr>
-            <a:r>
-              <a:rPr lang="en" sz="1200" dirty="0">
-                <a:solidFill>
-                  <a:schemeClr val="dk2"/>
-                </a:solidFill>
-              </a:rPr>
-              <a:t>short (16 bit chunks)</a:t>
-            </a:r>
-            <a:endParaRPr sz="1200" dirty="0">
-              <a:solidFill>
-                <a:schemeClr val="dk2"/>
-              </a:solidFill>
-              <a:latin typeface="Source Code Pro"/>
-              <a:ea typeface="Source Code Pro"/>
-              <a:cs typeface="Source Code Pro"/>
-              <a:sym typeface="Source Code Pro"/>
-            </a:endParaRPr>
-          </a:p>
-          <a:p>
-            <a:pPr marL="457200" lvl="0" indent="-304800" algn="l" rtl="0">
-              <a:lnSpc>
-                <a:spcPct val="115000"/>
-              </a:lnSpc>
-              <a:spcBef>
-                <a:spcPts val="0"/>
-              </a:spcBef>
-              <a:spcAft>
-                <a:spcPts val="0"/>
-              </a:spcAft>
-              <a:buClr>
-                <a:schemeClr val="dk2"/>
-              </a:buClr>
-              <a:buSzPts val="1200"/>
-              <a:buChar char="●"/>
-            </a:pPr>
-            <a:r>
-              <a:rPr lang="en" sz="1200" dirty="0">
-                <a:solidFill>
-                  <a:schemeClr val="dk2"/>
-                </a:solidFill>
-              </a:rPr>
-              <a:t>int (32 bit chunks)</a:t>
-            </a:r>
-            <a:endParaRPr sz="1200" dirty="0">
-              <a:solidFill>
-                <a:schemeClr val="dk2"/>
-              </a:solidFill>
-              <a:latin typeface="Source Code Pro"/>
-              <a:ea typeface="Source Code Pro"/>
-              <a:cs typeface="Source Code Pro"/>
-              <a:sym typeface="Source Code Pro"/>
-            </a:endParaRPr>
-          </a:p>
-          <a:p>
-            <a:pPr marL="457200" lvl="0" indent="-304800" algn="l" rtl="0">
-              <a:lnSpc>
-                <a:spcPct val="115000"/>
-              </a:lnSpc>
-              <a:spcBef>
-                <a:spcPts val="0"/>
-              </a:spcBef>
-              <a:spcAft>
-                <a:spcPts val="0"/>
-              </a:spcAft>
-              <a:buClr>
-                <a:schemeClr val="dk2"/>
-              </a:buClr>
-              <a:buSzPts val="1200"/>
-              <a:buChar char="●"/>
-            </a:pPr>
-            <a:r>
-              <a:rPr lang="en" sz="1200" dirty="0">
-                <a:solidFill>
-                  <a:schemeClr val="dk2"/>
-                </a:solidFill>
-              </a:rPr>
-              <a:t>long (64 bit chunks)</a:t>
-            </a:r>
-            <a:endParaRPr sz="1200" dirty="0"/>
-          </a:p>
-        </p:txBody>
-      </p:sp>
+      </p:pic>
     </p:spTree>
+    <p:extLst>
+      <p:ext uri="{BB962C8B-B14F-4D97-AF65-F5344CB8AC3E}">
+        <p14:creationId xmlns:p14="http://schemas.microsoft.com/office/powerpoint/2010/main" val="3874443333"/>
+      </p:ext>
+    </p:extLst>
   </p:cSld>
   <p:clrMapOvr>
     <a:masterClrMapping/>
@@ -16807,6 +16428,681 @@
   <p:cSld>
     <p:spTree>
       <p:nvGrpSpPr>
+        <p:cNvPr id="1" name="Shape 53"/>
+        <p:cNvGrpSpPr/>
+        <p:nvPr/>
+      </p:nvGrpSpPr>
+      <p:grpSpPr>
+        <a:xfrm>
+          <a:off x="0" y="0"/>
+          <a:ext cx="0" cy="0"/>
+          <a:chOff x="0" y="0"/>
+          <a:chExt cx="0" cy="0"/>
+        </a:xfrm>
+      </p:grpSpPr>
+      <p:sp>
+        <p:nvSpPr>
+          <p:cNvPr id="54" name="Google Shape;54;p13"/>
+          <p:cNvSpPr txBox="1">
+            <a:spLocks noGrp="1"/>
+          </p:cNvSpPr>
+          <p:nvPr>
+            <p:ph type="title"/>
+          </p:nvPr>
+        </p:nvSpPr>
+        <p:spPr>
+          <a:xfrm>
+            <a:off x="311700" y="445025"/>
+            <a:ext cx="8520600" cy="572700"/>
+          </a:xfrm>
+          <a:prstGeom prst="rect">
+            <a:avLst/>
+          </a:prstGeom>
+        </p:spPr>
+        <p:txBody>
+          <a:bodyPr spcFirstLastPara="1" wrap="square" lIns="91425" tIns="91425" rIns="91425" bIns="91425" anchor="t" anchorCtr="0">
+            <a:normAutofit fontScale="90000"/>
+          </a:bodyPr>
+          <a:lstStyle/>
+          <a:p>
+            <a:pPr marL="0" lvl="0" indent="0" algn="l" rtl="0">
+              <a:spcBef>
+                <a:spcPts val="0"/>
+              </a:spcBef>
+              <a:spcAft>
+                <a:spcPts val="0"/>
+              </a:spcAft>
+              <a:buNone/>
+            </a:pPr>
+            <a:r>
+              <a:rPr lang="en"/>
+              <a:t>Bitwise Operations</a:t>
+            </a:r>
+            <a:endParaRPr/>
+          </a:p>
+        </p:txBody>
+      </p:sp>
+      <p:sp>
+        <p:nvSpPr>
+          <p:cNvPr id="55" name="Google Shape;55;p13"/>
+          <p:cNvSpPr txBox="1">
+            <a:spLocks noGrp="1"/>
+          </p:cNvSpPr>
+          <p:nvPr>
+            <p:ph type="body" idx="1"/>
+          </p:nvPr>
+        </p:nvSpPr>
+        <p:spPr>
+          <a:xfrm>
+            <a:off x="311700" y="1152475"/>
+            <a:ext cx="8832300" cy="3416400"/>
+          </a:xfrm>
+          <a:prstGeom prst="rect">
+            <a:avLst/>
+          </a:prstGeom>
+        </p:spPr>
+        <p:txBody>
+          <a:bodyPr spcFirstLastPara="1" wrap="square" lIns="91425" tIns="91425" rIns="91425" bIns="91425" anchor="t" anchorCtr="0">
+            <a:normAutofit fontScale="85000" lnSpcReduction="20000"/>
+          </a:bodyPr>
+          <a:lstStyle/>
+          <a:p>
+            <a:pPr marL="457200" lvl="0" indent="-325755" algn="l" rtl="0">
+              <a:spcBef>
+                <a:spcPts val="0"/>
+              </a:spcBef>
+              <a:spcAft>
+                <a:spcPts val="0"/>
+              </a:spcAft>
+              <a:buSzPct val="100000"/>
+              <a:buChar char="●"/>
+            </a:pPr>
+            <a:r>
+              <a:rPr lang="en" dirty="0"/>
+              <a:t>Bitwise operations in high-level languages are applied to integers</a:t>
+            </a:r>
+            <a:endParaRPr dirty="0"/>
+          </a:p>
+          <a:p>
+            <a:pPr marL="457200" lvl="0" indent="-325755" algn="l" rtl="0">
+              <a:spcBef>
+                <a:spcPts val="0"/>
+              </a:spcBef>
+              <a:spcAft>
+                <a:spcPts val="0"/>
+              </a:spcAft>
+              <a:buSzPct val="100000"/>
+              <a:buChar char="●"/>
+            </a:pPr>
+            <a:r>
+              <a:rPr lang="en" dirty="0"/>
+              <a:t>Java has three primary sizes for signed integers</a:t>
+            </a:r>
+            <a:endParaRPr dirty="0"/>
+          </a:p>
+          <a:p>
+            <a:pPr marL="457200" lvl="0" indent="-325755" algn="l" rtl="0">
+              <a:spcBef>
+                <a:spcPts val="0"/>
+              </a:spcBef>
+              <a:spcAft>
+                <a:spcPts val="0"/>
+              </a:spcAft>
+              <a:buSzPct val="100000"/>
+              <a:buChar char="●"/>
+            </a:pPr>
+            <a:r>
+              <a:rPr lang="en" dirty="0"/>
+              <a:t>Two types of Bitwise Operations</a:t>
+            </a:r>
+            <a:endParaRPr dirty="0"/>
+          </a:p>
+          <a:p>
+            <a:pPr marL="914400" lvl="1" indent="-304165" algn="l" rtl="0">
+              <a:spcBef>
+                <a:spcPts val="0"/>
+              </a:spcBef>
+              <a:spcAft>
+                <a:spcPts val="0"/>
+              </a:spcAft>
+              <a:buSzPct val="100000"/>
+              <a:buChar char="○"/>
+            </a:pPr>
+            <a:r>
+              <a:rPr lang="en" dirty="0"/>
+              <a:t>Boolean based operations</a:t>
+            </a:r>
+            <a:endParaRPr dirty="0"/>
+          </a:p>
+          <a:p>
+            <a:pPr marL="914400" lvl="1" indent="-304165" algn="l" rtl="0">
+              <a:spcBef>
+                <a:spcPts val="0"/>
+              </a:spcBef>
+              <a:spcAft>
+                <a:spcPts val="0"/>
+              </a:spcAft>
+              <a:buSzPct val="100000"/>
+              <a:buChar char="○"/>
+            </a:pPr>
+            <a:r>
+              <a:rPr lang="en" dirty="0"/>
+              <a:t>Shift-based operations</a:t>
+            </a:r>
+            <a:endParaRPr dirty="0"/>
+          </a:p>
+          <a:p>
+            <a:pPr marL="457200" lvl="0" indent="-325755" algn="l" rtl="0">
+              <a:spcBef>
+                <a:spcPts val="0"/>
+              </a:spcBef>
+              <a:spcAft>
+                <a:spcPts val="0"/>
+              </a:spcAft>
+              <a:buSzPct val="100000"/>
+              <a:buChar char="●"/>
+            </a:pPr>
+            <a:r>
+              <a:rPr lang="en" dirty="0"/>
+              <a:t>Boolean-based Operations:</a:t>
+            </a:r>
+            <a:endParaRPr dirty="0"/>
+          </a:p>
+          <a:p>
+            <a:pPr marL="914400" lvl="1" indent="-304165" algn="l" rtl="0">
+              <a:spcBef>
+                <a:spcPts val="0"/>
+              </a:spcBef>
+              <a:spcAft>
+                <a:spcPts val="0"/>
+              </a:spcAft>
+              <a:buSzPct val="100000"/>
+              <a:buChar char="○"/>
+            </a:pPr>
+            <a:r>
+              <a:rPr lang="en" dirty="0"/>
+              <a:t>Complement: 	</a:t>
+            </a:r>
+            <a:r>
+              <a:rPr lang="en" dirty="0">
+                <a:latin typeface="Source Code Pro"/>
+                <a:ea typeface="Source Code Pro"/>
+                <a:cs typeface="Source Code Pro"/>
+                <a:sym typeface="Source Code Pro"/>
+              </a:rPr>
+              <a:t>s1 = ~ t1;	nor $s1, $t1, $zero	# s1 = ~ ( t1 | 0 )</a:t>
+            </a:r>
+            <a:r>
+              <a:rPr lang="en" dirty="0"/>
+              <a:t>	</a:t>
+            </a:r>
+            <a:endParaRPr dirty="0"/>
+          </a:p>
+          <a:p>
+            <a:pPr marL="914400" lvl="1" indent="-304165" algn="l" rtl="0">
+              <a:spcBef>
+                <a:spcPts val="0"/>
+              </a:spcBef>
+              <a:spcAft>
+                <a:spcPts val="0"/>
+              </a:spcAft>
+              <a:buSzPct val="100000"/>
+              <a:buChar char="○"/>
+            </a:pPr>
+            <a:r>
+              <a:rPr lang="en" dirty="0"/>
+              <a:t>And: 		</a:t>
+            </a:r>
+            <a:r>
+              <a:rPr lang="en" dirty="0">
+                <a:latin typeface="Source Code Pro"/>
+                <a:ea typeface="Source Code Pro"/>
+                <a:cs typeface="Source Code Pro"/>
+                <a:sym typeface="Source Code Pro"/>
+              </a:rPr>
+              <a:t>s1 = t1 &amp; t2;	and $s1, $t1, $t2</a:t>
+            </a:r>
+            <a:endParaRPr dirty="0">
+              <a:latin typeface="Source Code Pro"/>
+              <a:ea typeface="Source Code Pro"/>
+              <a:cs typeface="Source Code Pro"/>
+              <a:sym typeface="Source Code Pro"/>
+            </a:endParaRPr>
+          </a:p>
+          <a:p>
+            <a:pPr marL="914400" lvl="1" indent="-304165" algn="l" rtl="0">
+              <a:spcBef>
+                <a:spcPts val="0"/>
+              </a:spcBef>
+              <a:spcAft>
+                <a:spcPts val="0"/>
+              </a:spcAft>
+              <a:buSzPct val="100000"/>
+              <a:buChar char="○"/>
+            </a:pPr>
+            <a:r>
+              <a:rPr lang="en" dirty="0"/>
+              <a:t>Or: 		</a:t>
+            </a:r>
+            <a:r>
+              <a:rPr lang="en" dirty="0">
+                <a:latin typeface="Source Code Pro"/>
+                <a:ea typeface="Source Code Pro"/>
+                <a:cs typeface="Source Code Pro"/>
+                <a:sym typeface="Source Code Pro"/>
+              </a:rPr>
+              <a:t>s1 = t1 | t2;	or $s1, $t1, $t2</a:t>
+            </a:r>
+            <a:endParaRPr dirty="0">
+              <a:latin typeface="Source Code Pro"/>
+              <a:ea typeface="Source Code Pro"/>
+              <a:cs typeface="Source Code Pro"/>
+              <a:sym typeface="Source Code Pro"/>
+            </a:endParaRPr>
+          </a:p>
+          <a:p>
+            <a:pPr marL="914400" lvl="1" indent="-304165" algn="l" rtl="0">
+              <a:spcBef>
+                <a:spcPts val="0"/>
+              </a:spcBef>
+              <a:spcAft>
+                <a:spcPts val="0"/>
+              </a:spcAft>
+              <a:buSzPct val="100000"/>
+              <a:buChar char="○"/>
+            </a:pPr>
+            <a:r>
+              <a:rPr lang="en" dirty="0" err="1"/>
+              <a:t>Xor</a:t>
+            </a:r>
+            <a:r>
+              <a:rPr lang="en" dirty="0"/>
+              <a:t>: 		</a:t>
+            </a:r>
+            <a:r>
+              <a:rPr lang="en" dirty="0">
+                <a:latin typeface="Source Code Pro"/>
+                <a:ea typeface="Source Code Pro"/>
+                <a:cs typeface="Source Code Pro"/>
+                <a:sym typeface="Source Code Pro"/>
+              </a:rPr>
+              <a:t>s1 = t1 ^ t2;	</a:t>
+            </a:r>
+            <a:r>
+              <a:rPr lang="en" dirty="0" err="1">
+                <a:latin typeface="Source Code Pro"/>
+                <a:ea typeface="Source Code Pro"/>
+                <a:cs typeface="Source Code Pro"/>
+                <a:sym typeface="Source Code Pro"/>
+              </a:rPr>
+              <a:t>xor</a:t>
+            </a:r>
+            <a:r>
+              <a:rPr lang="en" dirty="0">
+                <a:latin typeface="Source Code Pro"/>
+                <a:ea typeface="Source Code Pro"/>
+                <a:cs typeface="Source Code Pro"/>
+                <a:sym typeface="Source Code Pro"/>
+              </a:rPr>
+              <a:t> $s1, $t1, $t2</a:t>
+            </a:r>
+            <a:br>
+              <a:rPr lang="en" dirty="0">
+                <a:latin typeface="Source Code Pro"/>
+                <a:ea typeface="Source Code Pro"/>
+                <a:cs typeface="Source Code Pro"/>
+                <a:sym typeface="Source Code Pro"/>
+              </a:rPr>
+            </a:br>
+            <a:endParaRPr dirty="0">
+              <a:latin typeface="Source Code Pro"/>
+              <a:ea typeface="Source Code Pro"/>
+              <a:cs typeface="Source Code Pro"/>
+              <a:sym typeface="Source Code Pro"/>
+            </a:endParaRPr>
+          </a:p>
+          <a:p>
+            <a:pPr marL="457200" lvl="0" indent="-325755" algn="l" rtl="0">
+              <a:spcBef>
+                <a:spcPts val="0"/>
+              </a:spcBef>
+              <a:spcAft>
+                <a:spcPts val="0"/>
+              </a:spcAft>
+              <a:buSzPct val="100000"/>
+              <a:buChar char="●"/>
+            </a:pPr>
+            <a:r>
+              <a:rPr lang="en" dirty="0"/>
+              <a:t>Shift-based Operations:</a:t>
+            </a:r>
+            <a:endParaRPr dirty="0"/>
+          </a:p>
+          <a:p>
+            <a:pPr marL="914400" lvl="1" indent="-304165" algn="l" rtl="0">
+              <a:spcBef>
+                <a:spcPts val="0"/>
+              </a:spcBef>
+              <a:spcAft>
+                <a:spcPts val="0"/>
+              </a:spcAft>
+              <a:buSzPct val="100000"/>
+              <a:buChar char="○"/>
+            </a:pPr>
+            <a:r>
+              <a:rPr lang="en" strike="sngStrike" dirty="0"/>
+              <a:t>Un/Signed</a:t>
+            </a:r>
+            <a:r>
+              <a:rPr lang="en" dirty="0"/>
+              <a:t> Left Shift	</a:t>
+            </a:r>
+            <a:r>
+              <a:rPr lang="en" dirty="0">
+                <a:latin typeface="Source Code Pro"/>
+                <a:ea typeface="Source Code Pro"/>
+                <a:cs typeface="Source Code Pro"/>
+                <a:sym typeface="Source Code Pro"/>
+              </a:rPr>
+              <a:t>s1 = t1 &lt;&lt; 2;	</a:t>
+            </a:r>
+            <a:r>
+              <a:rPr lang="en" dirty="0" err="1">
+                <a:latin typeface="Source Code Pro"/>
+                <a:ea typeface="Source Code Pro"/>
+                <a:cs typeface="Source Code Pro"/>
+                <a:sym typeface="Source Code Pro"/>
+              </a:rPr>
+              <a:t>sll</a:t>
+            </a:r>
+            <a:r>
+              <a:rPr lang="en" dirty="0">
+                <a:latin typeface="Source Code Pro"/>
+                <a:ea typeface="Source Code Pro"/>
+                <a:cs typeface="Source Code Pro"/>
+                <a:sym typeface="Source Code Pro"/>
+              </a:rPr>
+              <a:t> $s1, $t1, 2	# Shift Left Logical</a:t>
+            </a:r>
+          </a:p>
+          <a:p>
+            <a:pPr lvl="1" indent="-304165">
+              <a:buSzPct val="100000"/>
+            </a:pPr>
+            <a:r>
+              <a:rPr lang="en-US" dirty="0"/>
+              <a:t>Unsigned Right Shift	</a:t>
+            </a:r>
+            <a:r>
+              <a:rPr lang="en-US" dirty="0">
+                <a:latin typeface="Source Code Pro"/>
+                <a:ea typeface="Source Code Pro"/>
+                <a:cs typeface="Source Code Pro"/>
+                <a:sym typeface="Source Code Pro"/>
+              </a:rPr>
+              <a:t>s1 = t1 &gt;&gt;&gt; 2;	</a:t>
+            </a:r>
+            <a:r>
+              <a:rPr lang="en-US" dirty="0" err="1">
+                <a:latin typeface="Source Code Pro"/>
+                <a:ea typeface="Source Code Pro"/>
+                <a:cs typeface="Source Code Pro"/>
+                <a:sym typeface="Source Code Pro"/>
+              </a:rPr>
+              <a:t>srl</a:t>
+            </a:r>
+            <a:r>
+              <a:rPr lang="en-US" dirty="0">
+                <a:latin typeface="Source Code Pro"/>
+                <a:ea typeface="Source Code Pro"/>
+                <a:cs typeface="Source Code Pro"/>
+                <a:sym typeface="Source Code Pro"/>
+              </a:rPr>
+              <a:t> $s1, $t1, 2	# Shift Right Logical</a:t>
+            </a:r>
+            <a:br>
+              <a:rPr lang="en-US" dirty="0">
+                <a:latin typeface="Source Code Pro"/>
+                <a:ea typeface="Source Code Pro"/>
+                <a:cs typeface="Source Code Pro"/>
+                <a:sym typeface="Source Code Pro"/>
+              </a:rPr>
+            </a:br>
+            <a:r>
+              <a:rPr lang="en-US" dirty="0">
+                <a:latin typeface="Source Code Pro"/>
+                <a:ea typeface="Source Code Pro"/>
+                <a:cs typeface="Source Code Pro"/>
+                <a:sym typeface="Source Code Pro"/>
+              </a:rPr>
+              <a:t> </a:t>
+            </a:r>
+            <a:endParaRPr dirty="0">
+              <a:latin typeface="Source Code Pro"/>
+              <a:ea typeface="Source Code Pro"/>
+              <a:cs typeface="Source Code Pro"/>
+              <a:sym typeface="Source Code Pro"/>
+            </a:endParaRPr>
+          </a:p>
+          <a:p>
+            <a:pPr marL="914400" lvl="1" indent="-304165" algn="l" rtl="0">
+              <a:spcBef>
+                <a:spcPts val="0"/>
+              </a:spcBef>
+              <a:spcAft>
+                <a:spcPts val="0"/>
+              </a:spcAft>
+              <a:buSzPct val="100000"/>
+              <a:buChar char="○"/>
+            </a:pPr>
+            <a:r>
+              <a:rPr lang="en" dirty="0"/>
+              <a:t>Signed Right Shift	</a:t>
+            </a:r>
+            <a:r>
+              <a:rPr lang="en" dirty="0">
+                <a:latin typeface="Source Code Pro"/>
+                <a:ea typeface="Source Code Pro"/>
+                <a:cs typeface="Source Code Pro"/>
+                <a:sym typeface="Source Code Pro"/>
+              </a:rPr>
+              <a:t>s1 = t1 &gt;&gt; 2;	</a:t>
+            </a:r>
+            <a:r>
+              <a:rPr lang="en" dirty="0" err="1">
+                <a:latin typeface="Source Code Pro"/>
+                <a:ea typeface="Source Code Pro"/>
+                <a:cs typeface="Source Code Pro"/>
+                <a:sym typeface="Source Code Pro"/>
+              </a:rPr>
+              <a:t>sra</a:t>
+            </a:r>
+            <a:r>
+              <a:rPr lang="en" dirty="0">
+                <a:latin typeface="Source Code Pro"/>
+                <a:ea typeface="Source Code Pro"/>
+                <a:cs typeface="Source Code Pro"/>
+                <a:sym typeface="Source Code Pro"/>
+              </a:rPr>
+              <a:t> $s1, $t1, 2	# Shift Right Arithmetic</a:t>
+            </a:r>
+            <a:endParaRPr dirty="0">
+              <a:latin typeface="Source Code Pro"/>
+              <a:ea typeface="Source Code Pro"/>
+              <a:cs typeface="Source Code Pro"/>
+              <a:sym typeface="Source Code Pro"/>
+            </a:endParaRPr>
+          </a:p>
+          <a:p>
+            <a:pPr marL="914400" lvl="1" indent="-304165" algn="l" rtl="0">
+              <a:spcBef>
+                <a:spcPts val="0"/>
+              </a:spcBef>
+              <a:spcAft>
+                <a:spcPts val="0"/>
+              </a:spcAft>
+              <a:buSzPct val="100000"/>
+              <a:buFont typeface="Source Code Pro"/>
+              <a:buChar char="○"/>
+            </a:pPr>
+            <a:r>
+              <a:rPr lang="en" strike="sngStrike" dirty="0"/>
+              <a:t>Unsigned Left Shift	</a:t>
+            </a:r>
+            <a:r>
+              <a:rPr lang="en" strike="sngStrike" dirty="0">
+                <a:latin typeface="Source Code Pro"/>
+                <a:ea typeface="Source Code Pro"/>
+                <a:cs typeface="Source Code Pro"/>
+                <a:sym typeface="Source Code Pro"/>
+              </a:rPr>
+              <a:t>s1 = t1 &lt;&lt;&lt; t2;</a:t>
+            </a:r>
+            <a:endParaRPr dirty="0">
+              <a:latin typeface="Source Code Pro"/>
+              <a:ea typeface="Source Code Pro"/>
+              <a:cs typeface="Source Code Pro"/>
+              <a:sym typeface="Source Code Pro"/>
+            </a:endParaRPr>
+          </a:p>
+        </p:txBody>
+      </p:sp>
+      <p:sp>
+        <p:nvSpPr>
+          <p:cNvPr id="56" name="Google Shape;56;p13"/>
+          <p:cNvSpPr txBox="1"/>
+          <p:nvPr/>
+        </p:nvSpPr>
+        <p:spPr>
+          <a:xfrm>
+            <a:off x="5009223" y="1430094"/>
+            <a:ext cx="3645300" cy="821733"/>
+          </a:xfrm>
+          <a:prstGeom prst="rect">
+            <a:avLst/>
+          </a:prstGeom>
+          <a:noFill/>
+          <a:ln>
+            <a:noFill/>
+          </a:ln>
+        </p:spPr>
+        <p:txBody>
+          <a:bodyPr spcFirstLastPara="1" wrap="square" lIns="91425" tIns="91425" rIns="91425" bIns="91425" anchor="t" anchorCtr="0">
+            <a:spAutoFit/>
+          </a:bodyPr>
+          <a:lstStyle/>
+          <a:p>
+            <a:pPr marL="457200" lvl="0" indent="-304800" algn="l" rtl="0">
+              <a:lnSpc>
+                <a:spcPct val="115000"/>
+              </a:lnSpc>
+              <a:spcBef>
+                <a:spcPts val="0"/>
+              </a:spcBef>
+              <a:spcAft>
+                <a:spcPts val="0"/>
+              </a:spcAft>
+              <a:buClr>
+                <a:schemeClr val="dk2"/>
+              </a:buClr>
+              <a:buSzPts val="1200"/>
+              <a:buChar char="●"/>
+            </a:pPr>
+            <a:r>
+              <a:rPr lang="en" sz="1200" dirty="0">
+                <a:solidFill>
+                  <a:schemeClr val="dk2"/>
+                </a:solidFill>
+              </a:rPr>
+              <a:t>short (16 bit chunks)</a:t>
+            </a:r>
+            <a:endParaRPr sz="1200" dirty="0">
+              <a:solidFill>
+                <a:schemeClr val="dk2"/>
+              </a:solidFill>
+              <a:latin typeface="Source Code Pro"/>
+              <a:ea typeface="Source Code Pro"/>
+              <a:cs typeface="Source Code Pro"/>
+              <a:sym typeface="Source Code Pro"/>
+            </a:endParaRPr>
+          </a:p>
+          <a:p>
+            <a:pPr marL="457200" lvl="0" indent="-304800" algn="l" rtl="0">
+              <a:lnSpc>
+                <a:spcPct val="115000"/>
+              </a:lnSpc>
+              <a:spcBef>
+                <a:spcPts val="0"/>
+              </a:spcBef>
+              <a:spcAft>
+                <a:spcPts val="0"/>
+              </a:spcAft>
+              <a:buClr>
+                <a:schemeClr val="dk2"/>
+              </a:buClr>
+              <a:buSzPts val="1200"/>
+              <a:buChar char="●"/>
+            </a:pPr>
+            <a:r>
+              <a:rPr lang="en" sz="1200" dirty="0">
+                <a:solidFill>
+                  <a:schemeClr val="dk2"/>
+                </a:solidFill>
+              </a:rPr>
+              <a:t>int (32 bit chunks)</a:t>
+            </a:r>
+            <a:endParaRPr sz="1200" dirty="0">
+              <a:solidFill>
+                <a:schemeClr val="dk2"/>
+              </a:solidFill>
+              <a:latin typeface="Source Code Pro"/>
+              <a:ea typeface="Source Code Pro"/>
+              <a:cs typeface="Source Code Pro"/>
+              <a:sym typeface="Source Code Pro"/>
+            </a:endParaRPr>
+          </a:p>
+          <a:p>
+            <a:pPr marL="457200" lvl="0" indent="-304800" algn="l" rtl="0">
+              <a:lnSpc>
+                <a:spcPct val="115000"/>
+              </a:lnSpc>
+              <a:spcBef>
+                <a:spcPts val="0"/>
+              </a:spcBef>
+              <a:spcAft>
+                <a:spcPts val="0"/>
+              </a:spcAft>
+              <a:buClr>
+                <a:schemeClr val="dk2"/>
+              </a:buClr>
+              <a:buSzPts val="1200"/>
+              <a:buChar char="●"/>
+            </a:pPr>
+            <a:r>
+              <a:rPr lang="en" sz="1200" dirty="0">
+                <a:solidFill>
+                  <a:schemeClr val="dk2"/>
+                </a:solidFill>
+              </a:rPr>
+              <a:t>long (64 bit chunks)</a:t>
+            </a:r>
+            <a:endParaRPr sz="1200" dirty="0"/>
+          </a:p>
+        </p:txBody>
+      </p:sp>
+    </p:spTree>
+  </p:cSld>
+  <p:clrMapOvr>
+    <a:masterClrMapping/>
+  </p:clrMapOvr>
+</p:sld>
+</file>
+
+<file path=ppt/slides/slide6.xml><?xml version="1.0" encoding="utf-8"?>
+<p:sld xmlns:a="http://schemas.openxmlformats.org/drawingml/2006/main" xmlns:r="http://schemas.openxmlformats.org/officeDocument/2006/relationships" xmlns:p="http://schemas.openxmlformats.org/presentationml/2006/main">
+  <p:cSld>
+    <p:spTree>
+      <p:nvGrpSpPr>
         <p:cNvPr id="1" name="Shape 536"/>
         <p:cNvGrpSpPr/>
         <p:nvPr/>
@@ -21488,7 +21784,7 @@
 </p:sld>
 </file>
 
-<file path=ppt/slides/slide6.xml><?xml version="1.0" encoding="utf-8"?>
+<file path=ppt/slides/slide7.xml><?xml version="1.0" encoding="utf-8"?>
 <p:sld xmlns:a="http://schemas.openxmlformats.org/drawingml/2006/main" xmlns:r="http://schemas.openxmlformats.org/officeDocument/2006/relationships" xmlns:p="http://schemas.openxmlformats.org/presentationml/2006/main">
   <p:cSld>
     <p:spTree>
@@ -24921,7 +25217,7 @@
 </p:sld>
 </file>
 
-<file path=ppt/slides/slide7.xml><?xml version="1.0" encoding="utf-8"?>
+<file path=ppt/slides/slide8.xml><?xml version="1.0" encoding="utf-8"?>
 <p:sld xmlns:a="http://schemas.openxmlformats.org/drawingml/2006/main" xmlns:r="http://schemas.openxmlformats.org/officeDocument/2006/relationships" xmlns:p="http://schemas.openxmlformats.org/presentationml/2006/main">
   <p:cSld>
     <p:spTree>
@@ -28358,7 +28654,7 @@
 </p:sld>
 </file>
 
-<file path=ppt/slides/slide8.xml><?xml version="1.0" encoding="utf-8"?>
+<file path=ppt/slides/slide9.xml><?xml version="1.0" encoding="utf-8"?>
 <p:sld xmlns:a="http://schemas.openxmlformats.org/drawingml/2006/main" xmlns:r="http://schemas.openxmlformats.org/officeDocument/2006/relationships" xmlns:p="http://schemas.openxmlformats.org/presentationml/2006/main">
   <p:cSld>
     <p:spTree>
@@ -31677,4659 +31973,6 @@
             <a:avLst>
               <a:gd name="adj1" fmla="val 50002"/>
             </a:avLst>
-          </a:prstGeom>
-          <a:noFill/>
-          <a:ln w="9525" cap="flat" cmpd="sng">
-            <a:solidFill>
-              <a:schemeClr val="dk2"/>
-            </a:solidFill>
-            <a:prstDash val="solid"/>
-            <a:round/>
-            <a:headEnd type="none" w="med" len="med"/>
-            <a:tailEnd type="triangle" w="med" len="med"/>
-          </a:ln>
-        </p:spPr>
-      </p:cxnSp>
-    </p:spTree>
-  </p:cSld>
-  <p:clrMapOvr>
-    <a:masterClrMapping/>
-  </p:clrMapOvr>
-</p:sld>
-</file>
-
-<file path=ppt/slides/slide9.xml><?xml version="1.0" encoding="utf-8"?>
-<p:sld xmlns:a="http://schemas.openxmlformats.org/drawingml/2006/main" xmlns:r="http://schemas.openxmlformats.org/officeDocument/2006/relationships" xmlns:p="http://schemas.openxmlformats.org/presentationml/2006/main">
-  <p:cSld>
-    <p:spTree>
-      <p:nvGrpSpPr>
-        <p:cNvPr id="1" name="Shape 536"/>
-        <p:cNvGrpSpPr/>
-        <p:nvPr/>
-      </p:nvGrpSpPr>
-      <p:grpSpPr>
-        <a:xfrm>
-          <a:off x="0" y="0"/>
-          <a:ext cx="0" cy="0"/>
-          <a:chOff x="0" y="0"/>
-          <a:chExt cx="0" cy="0"/>
-        </a:xfrm>
-      </p:grpSpPr>
-      <p:cxnSp>
-        <p:nvCxnSpPr>
-          <p:cNvPr id="537" name="Google Shape;537;p20"/>
-          <p:cNvCxnSpPr/>
-          <p:nvPr/>
-        </p:nvCxnSpPr>
-        <p:spPr>
-          <a:xfrm>
-            <a:off x="5614015" y="2334075"/>
-            <a:ext cx="5700" cy="1030200"/>
-          </a:xfrm>
-          <a:prstGeom prst="straightConnector1">
-            <a:avLst/>
-          </a:prstGeom>
-          <a:noFill/>
-          <a:ln w="9525" cap="flat" cmpd="sng">
-            <a:solidFill>
-              <a:schemeClr val="dk2"/>
-            </a:solidFill>
-            <a:prstDash val="solid"/>
-            <a:round/>
-            <a:headEnd type="none" w="med" len="med"/>
-            <a:tailEnd type="triangle" w="med" len="med"/>
-          </a:ln>
-        </p:spPr>
-      </p:cxnSp>
-      <p:cxnSp>
-        <p:nvCxnSpPr>
-          <p:cNvPr id="538" name="Google Shape;538;p20"/>
-          <p:cNvCxnSpPr/>
-          <p:nvPr/>
-        </p:nvCxnSpPr>
-        <p:spPr>
-          <a:xfrm>
-            <a:off x="6273463" y="2334075"/>
-            <a:ext cx="5700" cy="1030200"/>
-          </a:xfrm>
-          <a:prstGeom prst="straightConnector1">
-            <a:avLst/>
-          </a:prstGeom>
-          <a:noFill/>
-          <a:ln w="9525" cap="flat" cmpd="sng">
-            <a:solidFill>
-              <a:schemeClr val="dk2"/>
-            </a:solidFill>
-            <a:prstDash val="solid"/>
-            <a:round/>
-            <a:headEnd type="none" w="med" len="med"/>
-            <a:tailEnd type="triangle" w="med" len="med"/>
-          </a:ln>
-        </p:spPr>
-      </p:cxnSp>
-      <p:sp>
-        <p:nvSpPr>
-          <p:cNvPr id="539" name="Google Shape;539;p20"/>
-          <p:cNvSpPr txBox="1">
-            <a:spLocks noGrp="1"/>
-          </p:cNvSpPr>
-          <p:nvPr>
-            <p:ph type="title"/>
-          </p:nvPr>
-        </p:nvSpPr>
-        <p:spPr>
-          <a:xfrm>
-            <a:off x="311700" y="445025"/>
-            <a:ext cx="8520600" cy="572700"/>
-          </a:xfrm>
-          <a:prstGeom prst="rect">
-            <a:avLst/>
-          </a:prstGeom>
-        </p:spPr>
-        <p:txBody>
-          <a:bodyPr spcFirstLastPara="1" wrap="square" lIns="91425" tIns="91425" rIns="91425" bIns="91425" anchor="t" anchorCtr="0">
-            <a:normAutofit fontScale="90000"/>
-          </a:bodyPr>
-          <a:lstStyle/>
-          <a:p>
-            <a:pPr marL="0" lvl="0" indent="0" algn="l" rtl="0">
-              <a:spcBef>
-                <a:spcPts val="0"/>
-              </a:spcBef>
-              <a:spcAft>
-                <a:spcPts val="0"/>
-              </a:spcAft>
-              <a:buNone/>
-            </a:pPr>
-            <a:r>
-              <a:rPr lang="en"/>
-              <a:t>Bit Manipulation: Extracting a subrange of bits</a:t>
-            </a:r>
-            <a:endParaRPr/>
-          </a:p>
-        </p:txBody>
-      </p:sp>
-      <p:sp>
-        <p:nvSpPr>
-          <p:cNvPr id="540" name="Google Shape;540;p20"/>
-          <p:cNvSpPr txBox="1">
-            <a:spLocks noGrp="1"/>
-          </p:cNvSpPr>
-          <p:nvPr>
-            <p:ph type="body" idx="1"/>
-          </p:nvPr>
-        </p:nvSpPr>
-        <p:spPr>
-          <a:xfrm>
-            <a:off x="311700" y="1152475"/>
-            <a:ext cx="8520600" cy="3416400"/>
-          </a:xfrm>
-          <a:prstGeom prst="rect">
-            <a:avLst/>
-          </a:prstGeom>
-        </p:spPr>
-        <p:txBody>
-          <a:bodyPr spcFirstLastPara="1" wrap="square" lIns="91425" tIns="91425" rIns="91425" bIns="91425" anchor="t" anchorCtr="0">
-            <a:normAutofit/>
-          </a:bodyPr>
-          <a:lstStyle/>
-          <a:p>
-            <a:pPr marL="457200" lvl="0" indent="-342900" algn="l" rtl="0">
-              <a:spcBef>
-                <a:spcPts val="0"/>
-              </a:spcBef>
-              <a:spcAft>
-                <a:spcPts val="0"/>
-              </a:spcAft>
-              <a:buSzPts val="1800"/>
-              <a:buChar char="●"/>
-            </a:pPr>
-            <a:r>
-              <a:rPr lang="en"/>
-              <a:t>Consider a register (16 bits) containing information</a:t>
-            </a:r>
-            <a:endParaRPr/>
-          </a:p>
-          <a:p>
-            <a:pPr marL="457200" lvl="0" indent="-342900" algn="l" rtl="0">
-              <a:spcBef>
-                <a:spcPts val="0"/>
-              </a:spcBef>
-              <a:spcAft>
-                <a:spcPts val="0"/>
-              </a:spcAft>
-              <a:buSzPts val="1800"/>
-              <a:buChar char="●"/>
-            </a:pPr>
-            <a:r>
-              <a:rPr lang="en"/>
-              <a:t>Consider extracting a subrange of bits</a:t>
-            </a:r>
-            <a:endParaRPr/>
-          </a:p>
-          <a:p>
-            <a:pPr marL="0" lvl="0" indent="0" algn="l" rtl="0">
-              <a:spcBef>
-                <a:spcPts val="1200"/>
-              </a:spcBef>
-              <a:spcAft>
-                <a:spcPts val="1200"/>
-              </a:spcAft>
-              <a:buNone/>
-            </a:pPr>
-            <a:endParaRPr/>
-          </a:p>
-        </p:txBody>
-      </p:sp>
-      <p:grpSp>
-        <p:nvGrpSpPr>
-          <p:cNvPr id="541" name="Google Shape;541;p20"/>
-          <p:cNvGrpSpPr/>
-          <p:nvPr/>
-        </p:nvGrpSpPr>
-        <p:grpSpPr>
-          <a:xfrm>
-            <a:off x="5133550" y="2007675"/>
-            <a:ext cx="1293850" cy="326400"/>
-            <a:chOff x="5547825" y="1226350"/>
-            <a:chExt cx="1293850" cy="326400"/>
-          </a:xfrm>
-        </p:grpSpPr>
-        <p:sp>
-          <p:nvSpPr>
-            <p:cNvPr id="542" name="Google Shape;542;p20"/>
-            <p:cNvSpPr/>
-            <p:nvPr/>
-          </p:nvSpPr>
-          <p:spPr>
-            <a:xfrm>
-              <a:off x="5547825" y="1226350"/>
-              <a:ext cx="309600" cy="326400"/>
-            </a:xfrm>
-            <a:prstGeom prst="rect">
-              <a:avLst/>
-            </a:prstGeom>
-            <a:solidFill>
-              <a:schemeClr val="lt2"/>
-            </a:solidFill>
-            <a:ln w="9525" cap="flat" cmpd="sng">
-              <a:solidFill>
-                <a:schemeClr val="dk2"/>
-              </a:solidFill>
-              <a:prstDash val="solid"/>
-              <a:round/>
-              <a:headEnd type="none" w="sm" len="sm"/>
-              <a:tailEnd type="none" w="sm" len="sm"/>
-            </a:ln>
-          </p:spPr>
-          <p:txBody>
-            <a:bodyPr spcFirstLastPara="1" wrap="square" lIns="91425" tIns="91425" rIns="91425" bIns="91425" anchor="ctr" anchorCtr="0">
-              <a:noAutofit/>
-            </a:bodyPr>
-            <a:lstStyle/>
-            <a:p>
-              <a:pPr marL="0" lvl="0" indent="0" algn="ctr" rtl="0">
-                <a:spcBef>
-                  <a:spcPts val="0"/>
-                </a:spcBef>
-                <a:spcAft>
-                  <a:spcPts val="0"/>
-                </a:spcAft>
-                <a:buNone/>
-              </a:pPr>
-              <a:r>
-                <a:rPr lang="en"/>
-                <a:t>x</a:t>
-              </a:r>
-              <a:endParaRPr/>
-            </a:p>
-          </p:txBody>
-        </p:sp>
-        <p:sp>
-          <p:nvSpPr>
-            <p:cNvPr id="543" name="Google Shape;543;p20"/>
-            <p:cNvSpPr/>
-            <p:nvPr/>
-          </p:nvSpPr>
-          <p:spPr>
-            <a:xfrm>
-              <a:off x="5875913" y="1226350"/>
-              <a:ext cx="309600" cy="326400"/>
-            </a:xfrm>
-            <a:prstGeom prst="rect">
-              <a:avLst/>
-            </a:prstGeom>
-            <a:solidFill>
-              <a:schemeClr val="lt2"/>
-            </a:solidFill>
-            <a:ln w="9525" cap="flat" cmpd="sng">
-              <a:solidFill>
-                <a:schemeClr val="dk2"/>
-              </a:solidFill>
-              <a:prstDash val="solid"/>
-              <a:round/>
-              <a:headEnd type="none" w="sm" len="sm"/>
-              <a:tailEnd type="none" w="sm" len="sm"/>
-            </a:ln>
-          </p:spPr>
-          <p:txBody>
-            <a:bodyPr spcFirstLastPara="1" wrap="square" lIns="91425" tIns="91425" rIns="91425" bIns="91425" anchor="ctr" anchorCtr="0">
-              <a:noAutofit/>
-            </a:bodyPr>
-            <a:lstStyle/>
-            <a:p>
-              <a:pPr marL="0" lvl="0" indent="0" algn="ctr" rtl="0">
-                <a:spcBef>
-                  <a:spcPts val="0"/>
-                </a:spcBef>
-                <a:spcAft>
-                  <a:spcPts val="0"/>
-                </a:spcAft>
-                <a:buNone/>
-              </a:pPr>
-              <a:r>
-                <a:rPr lang="en"/>
-                <a:t>x</a:t>
-              </a:r>
-              <a:endParaRPr/>
-            </a:p>
-          </p:txBody>
-        </p:sp>
-        <p:sp>
-          <p:nvSpPr>
-            <p:cNvPr id="544" name="Google Shape;544;p20"/>
-            <p:cNvSpPr/>
-            <p:nvPr/>
-          </p:nvSpPr>
-          <p:spPr>
-            <a:xfrm>
-              <a:off x="6204000" y="1226350"/>
-              <a:ext cx="309600" cy="326400"/>
-            </a:xfrm>
-            <a:prstGeom prst="rect">
-              <a:avLst/>
-            </a:prstGeom>
-            <a:solidFill>
-              <a:schemeClr val="lt2"/>
-            </a:solidFill>
-            <a:ln w="9525" cap="flat" cmpd="sng">
-              <a:solidFill>
-                <a:schemeClr val="dk2"/>
-              </a:solidFill>
-              <a:prstDash val="solid"/>
-              <a:round/>
-              <a:headEnd type="none" w="sm" len="sm"/>
-              <a:tailEnd type="none" w="sm" len="sm"/>
-            </a:ln>
-          </p:spPr>
-          <p:txBody>
-            <a:bodyPr spcFirstLastPara="1" wrap="square" lIns="91425" tIns="91425" rIns="91425" bIns="91425" anchor="ctr" anchorCtr="0">
-              <a:noAutofit/>
-            </a:bodyPr>
-            <a:lstStyle/>
-            <a:p>
-              <a:pPr marL="0" lvl="0" indent="0" algn="ctr" rtl="0">
-                <a:spcBef>
-                  <a:spcPts val="0"/>
-                </a:spcBef>
-                <a:spcAft>
-                  <a:spcPts val="0"/>
-                </a:spcAft>
-                <a:buNone/>
-              </a:pPr>
-              <a:r>
-                <a:rPr lang="en"/>
-                <a:t>x</a:t>
-              </a:r>
-              <a:endParaRPr/>
-            </a:p>
-          </p:txBody>
-        </p:sp>
-        <p:sp>
-          <p:nvSpPr>
-            <p:cNvPr id="545" name="Google Shape;545;p20"/>
-            <p:cNvSpPr/>
-            <p:nvPr/>
-          </p:nvSpPr>
-          <p:spPr>
-            <a:xfrm>
-              <a:off x="6532075" y="1226350"/>
-              <a:ext cx="309600" cy="326400"/>
-            </a:xfrm>
-            <a:prstGeom prst="rect">
-              <a:avLst/>
-            </a:prstGeom>
-            <a:solidFill>
-              <a:schemeClr val="lt2"/>
-            </a:solidFill>
-            <a:ln w="9525" cap="flat" cmpd="sng">
-              <a:solidFill>
-                <a:schemeClr val="dk2"/>
-              </a:solidFill>
-              <a:prstDash val="solid"/>
-              <a:round/>
-              <a:headEnd type="none" w="sm" len="sm"/>
-              <a:tailEnd type="none" w="sm" len="sm"/>
-            </a:ln>
-          </p:spPr>
-          <p:txBody>
-            <a:bodyPr spcFirstLastPara="1" wrap="square" lIns="91425" tIns="91425" rIns="91425" bIns="91425" anchor="ctr" anchorCtr="0">
-              <a:noAutofit/>
-            </a:bodyPr>
-            <a:lstStyle/>
-            <a:p>
-              <a:pPr marL="0" lvl="0" indent="0" algn="ctr" rtl="0">
-                <a:spcBef>
-                  <a:spcPts val="0"/>
-                </a:spcBef>
-                <a:spcAft>
-                  <a:spcPts val="0"/>
-                </a:spcAft>
-                <a:buNone/>
-              </a:pPr>
-              <a:r>
-                <a:rPr lang="en"/>
-                <a:t>x</a:t>
-              </a:r>
-              <a:endParaRPr/>
-            </a:p>
-          </p:txBody>
-        </p:sp>
-      </p:grpSp>
-      <p:grpSp>
-        <p:nvGrpSpPr>
-          <p:cNvPr id="546" name="Google Shape;546;p20"/>
-          <p:cNvGrpSpPr/>
-          <p:nvPr/>
-        </p:nvGrpSpPr>
-        <p:grpSpPr>
-          <a:xfrm>
-            <a:off x="3755025" y="2007675"/>
-            <a:ext cx="1293850" cy="326400"/>
-            <a:chOff x="5547825" y="1226350"/>
-            <a:chExt cx="1293850" cy="326400"/>
-          </a:xfrm>
-        </p:grpSpPr>
-        <p:sp>
-          <p:nvSpPr>
-            <p:cNvPr id="547" name="Google Shape;547;p20"/>
-            <p:cNvSpPr/>
-            <p:nvPr/>
-          </p:nvSpPr>
-          <p:spPr>
-            <a:xfrm>
-              <a:off x="5547825" y="1226350"/>
-              <a:ext cx="309600" cy="326400"/>
-            </a:xfrm>
-            <a:prstGeom prst="rect">
-              <a:avLst/>
-            </a:prstGeom>
-            <a:solidFill>
-              <a:schemeClr val="lt2"/>
-            </a:solidFill>
-            <a:ln w="9525" cap="flat" cmpd="sng">
-              <a:solidFill>
-                <a:schemeClr val="dk2"/>
-              </a:solidFill>
-              <a:prstDash val="solid"/>
-              <a:round/>
-              <a:headEnd type="none" w="sm" len="sm"/>
-              <a:tailEnd type="none" w="sm" len="sm"/>
-            </a:ln>
-          </p:spPr>
-          <p:txBody>
-            <a:bodyPr spcFirstLastPara="1" wrap="square" lIns="91425" tIns="91425" rIns="91425" bIns="91425" anchor="ctr" anchorCtr="0">
-              <a:noAutofit/>
-            </a:bodyPr>
-            <a:lstStyle/>
-            <a:p>
-              <a:pPr marL="0" lvl="0" indent="0" algn="ctr" rtl="0">
-                <a:spcBef>
-                  <a:spcPts val="0"/>
-                </a:spcBef>
-                <a:spcAft>
-                  <a:spcPts val="0"/>
-                </a:spcAft>
-                <a:buNone/>
-              </a:pPr>
-              <a:r>
-                <a:rPr lang="en"/>
-                <a:t>x</a:t>
-              </a:r>
-              <a:endParaRPr/>
-            </a:p>
-          </p:txBody>
-        </p:sp>
-        <p:sp>
-          <p:nvSpPr>
-            <p:cNvPr id="548" name="Google Shape;548;p20"/>
-            <p:cNvSpPr/>
-            <p:nvPr/>
-          </p:nvSpPr>
-          <p:spPr>
-            <a:xfrm>
-              <a:off x="5875913" y="1226350"/>
-              <a:ext cx="309600" cy="326400"/>
-            </a:xfrm>
-            <a:prstGeom prst="rect">
-              <a:avLst/>
-            </a:prstGeom>
-            <a:solidFill>
-              <a:schemeClr val="lt2"/>
-            </a:solidFill>
-            <a:ln w="9525" cap="flat" cmpd="sng">
-              <a:solidFill>
-                <a:schemeClr val="dk2"/>
-              </a:solidFill>
-              <a:prstDash val="solid"/>
-              <a:round/>
-              <a:headEnd type="none" w="sm" len="sm"/>
-              <a:tailEnd type="none" w="sm" len="sm"/>
-            </a:ln>
-          </p:spPr>
-          <p:txBody>
-            <a:bodyPr spcFirstLastPara="1" wrap="square" lIns="91425" tIns="91425" rIns="91425" bIns="91425" anchor="ctr" anchorCtr="0">
-              <a:noAutofit/>
-            </a:bodyPr>
-            <a:lstStyle/>
-            <a:p>
-              <a:pPr marL="0" lvl="0" indent="0" algn="ctr" rtl="0">
-                <a:spcBef>
-                  <a:spcPts val="0"/>
-                </a:spcBef>
-                <a:spcAft>
-                  <a:spcPts val="0"/>
-                </a:spcAft>
-                <a:buNone/>
-              </a:pPr>
-              <a:r>
-                <a:rPr lang="en"/>
-                <a:t>x</a:t>
-              </a:r>
-              <a:endParaRPr/>
-            </a:p>
-          </p:txBody>
-        </p:sp>
-        <p:sp>
-          <p:nvSpPr>
-            <p:cNvPr id="549" name="Google Shape;549;p20"/>
-            <p:cNvSpPr/>
-            <p:nvPr/>
-          </p:nvSpPr>
-          <p:spPr>
-            <a:xfrm>
-              <a:off x="6204000" y="1226350"/>
-              <a:ext cx="309600" cy="326400"/>
-            </a:xfrm>
-            <a:prstGeom prst="rect">
-              <a:avLst/>
-            </a:prstGeom>
-            <a:solidFill>
-              <a:schemeClr val="lt2"/>
-            </a:solidFill>
-            <a:ln w="9525" cap="flat" cmpd="sng">
-              <a:solidFill>
-                <a:schemeClr val="dk2"/>
-              </a:solidFill>
-              <a:prstDash val="solid"/>
-              <a:round/>
-              <a:headEnd type="none" w="sm" len="sm"/>
-              <a:tailEnd type="none" w="sm" len="sm"/>
-            </a:ln>
-          </p:spPr>
-          <p:txBody>
-            <a:bodyPr spcFirstLastPara="1" wrap="square" lIns="91425" tIns="91425" rIns="91425" bIns="91425" anchor="ctr" anchorCtr="0">
-              <a:noAutofit/>
-            </a:bodyPr>
-            <a:lstStyle/>
-            <a:p>
-              <a:pPr marL="0" lvl="0" indent="0" algn="ctr" rtl="0">
-                <a:spcBef>
-                  <a:spcPts val="0"/>
-                </a:spcBef>
-                <a:spcAft>
-                  <a:spcPts val="0"/>
-                </a:spcAft>
-                <a:buNone/>
-              </a:pPr>
-              <a:r>
-                <a:rPr lang="en"/>
-                <a:t>x</a:t>
-              </a:r>
-              <a:endParaRPr/>
-            </a:p>
-          </p:txBody>
-        </p:sp>
-        <p:sp>
-          <p:nvSpPr>
-            <p:cNvPr id="550" name="Google Shape;550;p20"/>
-            <p:cNvSpPr/>
-            <p:nvPr/>
-          </p:nvSpPr>
-          <p:spPr>
-            <a:xfrm>
-              <a:off x="6532075" y="1226350"/>
-              <a:ext cx="309600" cy="326400"/>
-            </a:xfrm>
-            <a:prstGeom prst="rect">
-              <a:avLst/>
-            </a:prstGeom>
-            <a:solidFill>
-              <a:schemeClr val="lt2"/>
-            </a:solidFill>
-            <a:ln w="9525" cap="flat" cmpd="sng">
-              <a:solidFill>
-                <a:schemeClr val="dk2"/>
-              </a:solidFill>
-              <a:prstDash val="solid"/>
-              <a:round/>
-              <a:headEnd type="none" w="sm" len="sm"/>
-              <a:tailEnd type="none" w="sm" len="sm"/>
-            </a:ln>
-          </p:spPr>
-          <p:txBody>
-            <a:bodyPr spcFirstLastPara="1" wrap="square" lIns="91425" tIns="91425" rIns="91425" bIns="91425" anchor="ctr" anchorCtr="0">
-              <a:noAutofit/>
-            </a:bodyPr>
-            <a:lstStyle/>
-            <a:p>
-              <a:pPr marL="0" lvl="0" indent="0" algn="ctr" rtl="0">
-                <a:spcBef>
-                  <a:spcPts val="0"/>
-                </a:spcBef>
-                <a:spcAft>
-                  <a:spcPts val="0"/>
-                </a:spcAft>
-                <a:buNone/>
-              </a:pPr>
-              <a:r>
-                <a:rPr lang="en"/>
-                <a:t>x</a:t>
-              </a:r>
-              <a:endParaRPr/>
-            </a:p>
-          </p:txBody>
-        </p:sp>
-      </p:grpSp>
-      <p:grpSp>
-        <p:nvGrpSpPr>
-          <p:cNvPr id="551" name="Google Shape;551;p20"/>
-          <p:cNvGrpSpPr/>
-          <p:nvPr/>
-        </p:nvGrpSpPr>
-        <p:grpSpPr>
-          <a:xfrm>
-            <a:off x="2376500" y="2007675"/>
-            <a:ext cx="1293850" cy="326400"/>
-            <a:chOff x="5547825" y="1226350"/>
-            <a:chExt cx="1293850" cy="326400"/>
-          </a:xfrm>
-        </p:grpSpPr>
-        <p:sp>
-          <p:nvSpPr>
-            <p:cNvPr id="552" name="Google Shape;552;p20"/>
-            <p:cNvSpPr/>
-            <p:nvPr/>
-          </p:nvSpPr>
-          <p:spPr>
-            <a:xfrm>
-              <a:off x="5547825" y="1226350"/>
-              <a:ext cx="309600" cy="326400"/>
-            </a:xfrm>
-            <a:prstGeom prst="rect">
-              <a:avLst/>
-            </a:prstGeom>
-            <a:solidFill>
-              <a:schemeClr val="lt2"/>
-            </a:solidFill>
-            <a:ln w="9525" cap="flat" cmpd="sng">
-              <a:solidFill>
-                <a:schemeClr val="dk2"/>
-              </a:solidFill>
-              <a:prstDash val="solid"/>
-              <a:round/>
-              <a:headEnd type="none" w="sm" len="sm"/>
-              <a:tailEnd type="none" w="sm" len="sm"/>
-            </a:ln>
-          </p:spPr>
-          <p:txBody>
-            <a:bodyPr spcFirstLastPara="1" wrap="square" lIns="91425" tIns="91425" rIns="91425" bIns="91425" anchor="ctr" anchorCtr="0">
-              <a:noAutofit/>
-            </a:bodyPr>
-            <a:lstStyle/>
-            <a:p>
-              <a:pPr marL="0" lvl="0" indent="0" algn="ctr" rtl="0">
-                <a:spcBef>
-                  <a:spcPts val="0"/>
-                </a:spcBef>
-                <a:spcAft>
-                  <a:spcPts val="0"/>
-                </a:spcAft>
-                <a:buNone/>
-              </a:pPr>
-              <a:r>
-                <a:rPr lang="en"/>
-                <a:t>1</a:t>
-              </a:r>
-              <a:endParaRPr/>
-            </a:p>
-          </p:txBody>
-        </p:sp>
-        <p:sp>
-          <p:nvSpPr>
-            <p:cNvPr id="553" name="Google Shape;553;p20"/>
-            <p:cNvSpPr/>
-            <p:nvPr/>
-          </p:nvSpPr>
-          <p:spPr>
-            <a:xfrm>
-              <a:off x="5875913" y="1226350"/>
-              <a:ext cx="309600" cy="326400"/>
-            </a:xfrm>
-            <a:prstGeom prst="rect">
-              <a:avLst/>
-            </a:prstGeom>
-            <a:solidFill>
-              <a:schemeClr val="lt2"/>
-            </a:solidFill>
-            <a:ln w="9525" cap="flat" cmpd="sng">
-              <a:solidFill>
-                <a:schemeClr val="dk2"/>
-              </a:solidFill>
-              <a:prstDash val="solid"/>
-              <a:round/>
-              <a:headEnd type="none" w="sm" len="sm"/>
-              <a:tailEnd type="none" w="sm" len="sm"/>
-            </a:ln>
-          </p:spPr>
-          <p:txBody>
-            <a:bodyPr spcFirstLastPara="1" wrap="square" lIns="91425" tIns="91425" rIns="91425" bIns="91425" anchor="ctr" anchorCtr="0">
-              <a:noAutofit/>
-            </a:bodyPr>
-            <a:lstStyle/>
-            <a:p>
-              <a:pPr marL="0" lvl="0" indent="0" algn="ctr" rtl="0">
-                <a:spcBef>
-                  <a:spcPts val="0"/>
-                </a:spcBef>
-                <a:spcAft>
-                  <a:spcPts val="0"/>
-                </a:spcAft>
-                <a:buNone/>
-              </a:pPr>
-              <a:r>
-                <a:rPr lang="en"/>
-                <a:t>0</a:t>
-              </a:r>
-              <a:endParaRPr/>
-            </a:p>
-          </p:txBody>
-        </p:sp>
-        <p:sp>
-          <p:nvSpPr>
-            <p:cNvPr id="554" name="Google Shape;554;p20"/>
-            <p:cNvSpPr/>
-            <p:nvPr/>
-          </p:nvSpPr>
-          <p:spPr>
-            <a:xfrm>
-              <a:off x="6204000" y="1226350"/>
-              <a:ext cx="309600" cy="326400"/>
-            </a:xfrm>
-            <a:prstGeom prst="rect">
-              <a:avLst/>
-            </a:prstGeom>
-            <a:solidFill>
-              <a:schemeClr val="lt2"/>
-            </a:solidFill>
-            <a:ln w="9525" cap="flat" cmpd="sng">
-              <a:solidFill>
-                <a:schemeClr val="dk2"/>
-              </a:solidFill>
-              <a:prstDash val="solid"/>
-              <a:round/>
-              <a:headEnd type="none" w="sm" len="sm"/>
-              <a:tailEnd type="none" w="sm" len="sm"/>
-            </a:ln>
-          </p:spPr>
-          <p:txBody>
-            <a:bodyPr spcFirstLastPara="1" wrap="square" lIns="91425" tIns="91425" rIns="91425" bIns="91425" anchor="ctr" anchorCtr="0">
-              <a:noAutofit/>
-            </a:bodyPr>
-            <a:lstStyle/>
-            <a:p>
-              <a:pPr marL="0" lvl="0" indent="0" algn="ctr" rtl="0">
-                <a:spcBef>
-                  <a:spcPts val="0"/>
-                </a:spcBef>
-                <a:spcAft>
-                  <a:spcPts val="0"/>
-                </a:spcAft>
-                <a:buNone/>
-              </a:pPr>
-              <a:r>
-                <a:rPr lang="en"/>
-                <a:t>1</a:t>
-              </a:r>
-              <a:endParaRPr/>
-            </a:p>
-          </p:txBody>
-        </p:sp>
-        <p:sp>
-          <p:nvSpPr>
-            <p:cNvPr id="555" name="Google Shape;555;p20"/>
-            <p:cNvSpPr/>
-            <p:nvPr/>
-          </p:nvSpPr>
-          <p:spPr>
-            <a:xfrm>
-              <a:off x="6532075" y="1226350"/>
-              <a:ext cx="309600" cy="326400"/>
-            </a:xfrm>
-            <a:prstGeom prst="rect">
-              <a:avLst/>
-            </a:prstGeom>
-            <a:solidFill>
-              <a:schemeClr val="lt2"/>
-            </a:solidFill>
-            <a:ln w="9525" cap="flat" cmpd="sng">
-              <a:solidFill>
-                <a:schemeClr val="dk2"/>
-              </a:solidFill>
-              <a:prstDash val="solid"/>
-              <a:round/>
-              <a:headEnd type="none" w="sm" len="sm"/>
-              <a:tailEnd type="none" w="sm" len="sm"/>
-            </a:ln>
-          </p:spPr>
-          <p:txBody>
-            <a:bodyPr spcFirstLastPara="1" wrap="square" lIns="91425" tIns="91425" rIns="91425" bIns="91425" anchor="ctr" anchorCtr="0">
-              <a:noAutofit/>
-            </a:bodyPr>
-            <a:lstStyle/>
-            <a:p>
-              <a:pPr marL="0" lvl="0" indent="0" algn="ctr" rtl="0">
-                <a:spcBef>
-                  <a:spcPts val="0"/>
-                </a:spcBef>
-                <a:spcAft>
-                  <a:spcPts val="0"/>
-                </a:spcAft>
-                <a:buNone/>
-              </a:pPr>
-              <a:r>
-                <a:rPr lang="en"/>
-                <a:t>1</a:t>
-              </a:r>
-              <a:endParaRPr/>
-            </a:p>
-          </p:txBody>
-        </p:sp>
-      </p:grpSp>
-      <p:grpSp>
-        <p:nvGrpSpPr>
-          <p:cNvPr id="556" name="Google Shape;556;p20"/>
-          <p:cNvGrpSpPr/>
-          <p:nvPr/>
-        </p:nvGrpSpPr>
-        <p:grpSpPr>
-          <a:xfrm>
-            <a:off x="997975" y="2007675"/>
-            <a:ext cx="1293850" cy="326400"/>
-            <a:chOff x="5547825" y="1226350"/>
-            <a:chExt cx="1293850" cy="326400"/>
-          </a:xfrm>
-        </p:grpSpPr>
-        <p:sp>
-          <p:nvSpPr>
-            <p:cNvPr id="557" name="Google Shape;557;p20"/>
-            <p:cNvSpPr/>
-            <p:nvPr/>
-          </p:nvSpPr>
-          <p:spPr>
-            <a:xfrm>
-              <a:off x="5547825" y="1226350"/>
-              <a:ext cx="309600" cy="326400"/>
-            </a:xfrm>
-            <a:prstGeom prst="rect">
-              <a:avLst/>
-            </a:prstGeom>
-            <a:solidFill>
-              <a:schemeClr val="lt2"/>
-            </a:solidFill>
-            <a:ln w="9525" cap="flat" cmpd="sng">
-              <a:solidFill>
-                <a:schemeClr val="dk2"/>
-              </a:solidFill>
-              <a:prstDash val="solid"/>
-              <a:round/>
-              <a:headEnd type="none" w="sm" len="sm"/>
-              <a:tailEnd type="none" w="sm" len="sm"/>
-            </a:ln>
-          </p:spPr>
-          <p:txBody>
-            <a:bodyPr spcFirstLastPara="1" wrap="square" lIns="91425" tIns="91425" rIns="91425" bIns="91425" anchor="ctr" anchorCtr="0">
-              <a:noAutofit/>
-            </a:bodyPr>
-            <a:lstStyle/>
-            <a:p>
-              <a:pPr marL="0" lvl="0" indent="0" algn="ctr" rtl="0">
-                <a:spcBef>
-                  <a:spcPts val="0"/>
-                </a:spcBef>
-                <a:spcAft>
-                  <a:spcPts val="0"/>
-                </a:spcAft>
-                <a:buNone/>
-              </a:pPr>
-              <a:r>
-                <a:rPr lang="en"/>
-                <a:t>x</a:t>
-              </a:r>
-              <a:endParaRPr/>
-            </a:p>
-          </p:txBody>
-        </p:sp>
-        <p:sp>
-          <p:nvSpPr>
-            <p:cNvPr id="558" name="Google Shape;558;p20"/>
-            <p:cNvSpPr/>
-            <p:nvPr/>
-          </p:nvSpPr>
-          <p:spPr>
-            <a:xfrm>
-              <a:off x="5875913" y="1226350"/>
-              <a:ext cx="309600" cy="326400"/>
-            </a:xfrm>
-            <a:prstGeom prst="rect">
-              <a:avLst/>
-            </a:prstGeom>
-            <a:solidFill>
-              <a:schemeClr val="lt2"/>
-            </a:solidFill>
-            <a:ln w="9525" cap="flat" cmpd="sng">
-              <a:solidFill>
-                <a:schemeClr val="dk2"/>
-              </a:solidFill>
-              <a:prstDash val="solid"/>
-              <a:round/>
-              <a:headEnd type="none" w="sm" len="sm"/>
-              <a:tailEnd type="none" w="sm" len="sm"/>
-            </a:ln>
-          </p:spPr>
-          <p:txBody>
-            <a:bodyPr spcFirstLastPara="1" wrap="square" lIns="91425" tIns="91425" rIns="91425" bIns="91425" anchor="ctr" anchorCtr="0">
-              <a:noAutofit/>
-            </a:bodyPr>
-            <a:lstStyle/>
-            <a:p>
-              <a:pPr marL="0" lvl="0" indent="0" algn="ctr" rtl="0">
-                <a:spcBef>
-                  <a:spcPts val="0"/>
-                </a:spcBef>
-                <a:spcAft>
-                  <a:spcPts val="0"/>
-                </a:spcAft>
-                <a:buNone/>
-              </a:pPr>
-              <a:r>
-                <a:rPr lang="en"/>
-                <a:t>x</a:t>
-              </a:r>
-              <a:endParaRPr/>
-            </a:p>
-          </p:txBody>
-        </p:sp>
-        <p:sp>
-          <p:nvSpPr>
-            <p:cNvPr id="559" name="Google Shape;559;p20"/>
-            <p:cNvSpPr/>
-            <p:nvPr/>
-          </p:nvSpPr>
-          <p:spPr>
-            <a:xfrm>
-              <a:off x="6204000" y="1226350"/>
-              <a:ext cx="309600" cy="326400"/>
-            </a:xfrm>
-            <a:prstGeom prst="rect">
-              <a:avLst/>
-            </a:prstGeom>
-            <a:solidFill>
-              <a:schemeClr val="lt2"/>
-            </a:solidFill>
-            <a:ln w="9525" cap="flat" cmpd="sng">
-              <a:solidFill>
-                <a:schemeClr val="dk2"/>
-              </a:solidFill>
-              <a:prstDash val="solid"/>
-              <a:round/>
-              <a:headEnd type="none" w="sm" len="sm"/>
-              <a:tailEnd type="none" w="sm" len="sm"/>
-            </a:ln>
-          </p:spPr>
-          <p:txBody>
-            <a:bodyPr spcFirstLastPara="1" wrap="square" lIns="91425" tIns="91425" rIns="91425" bIns="91425" anchor="ctr" anchorCtr="0">
-              <a:noAutofit/>
-            </a:bodyPr>
-            <a:lstStyle/>
-            <a:p>
-              <a:pPr marL="0" lvl="0" indent="0" algn="ctr" rtl="0">
-                <a:spcBef>
-                  <a:spcPts val="0"/>
-                </a:spcBef>
-                <a:spcAft>
-                  <a:spcPts val="0"/>
-                </a:spcAft>
-                <a:buNone/>
-              </a:pPr>
-              <a:r>
-                <a:rPr lang="en"/>
-                <a:t>x</a:t>
-              </a:r>
-              <a:endParaRPr/>
-            </a:p>
-          </p:txBody>
-        </p:sp>
-        <p:sp>
-          <p:nvSpPr>
-            <p:cNvPr id="560" name="Google Shape;560;p20"/>
-            <p:cNvSpPr/>
-            <p:nvPr/>
-          </p:nvSpPr>
-          <p:spPr>
-            <a:xfrm>
-              <a:off x="6532075" y="1226350"/>
-              <a:ext cx="309600" cy="326400"/>
-            </a:xfrm>
-            <a:prstGeom prst="rect">
-              <a:avLst/>
-            </a:prstGeom>
-            <a:solidFill>
-              <a:schemeClr val="lt2"/>
-            </a:solidFill>
-            <a:ln w="9525" cap="flat" cmpd="sng">
-              <a:solidFill>
-                <a:schemeClr val="dk2"/>
-              </a:solidFill>
-              <a:prstDash val="solid"/>
-              <a:round/>
-              <a:headEnd type="none" w="sm" len="sm"/>
-              <a:tailEnd type="none" w="sm" len="sm"/>
-            </a:ln>
-          </p:spPr>
-          <p:txBody>
-            <a:bodyPr spcFirstLastPara="1" wrap="square" lIns="91425" tIns="91425" rIns="91425" bIns="91425" anchor="ctr" anchorCtr="0">
-              <a:noAutofit/>
-            </a:bodyPr>
-            <a:lstStyle/>
-            <a:p>
-              <a:pPr marL="0" lvl="0" indent="0" algn="ctr" rtl="0">
-                <a:spcBef>
-                  <a:spcPts val="0"/>
-                </a:spcBef>
-                <a:spcAft>
-                  <a:spcPts val="0"/>
-                </a:spcAft>
-                <a:buNone/>
-              </a:pPr>
-              <a:r>
-                <a:rPr lang="en"/>
-                <a:t>x</a:t>
-              </a:r>
-              <a:endParaRPr/>
-            </a:p>
-          </p:txBody>
-        </p:sp>
-      </p:grpSp>
-      <p:grpSp>
-        <p:nvGrpSpPr>
-          <p:cNvPr id="561" name="Google Shape;561;p20"/>
-          <p:cNvGrpSpPr/>
-          <p:nvPr/>
-        </p:nvGrpSpPr>
-        <p:grpSpPr>
-          <a:xfrm>
-            <a:off x="5139350" y="3364275"/>
-            <a:ext cx="1293850" cy="326400"/>
-            <a:chOff x="5547825" y="1226350"/>
-            <a:chExt cx="1293850" cy="326400"/>
-          </a:xfrm>
-        </p:grpSpPr>
-        <p:sp>
-          <p:nvSpPr>
-            <p:cNvPr id="562" name="Google Shape;562;p20"/>
-            <p:cNvSpPr/>
-            <p:nvPr/>
-          </p:nvSpPr>
-          <p:spPr>
-            <a:xfrm>
-              <a:off x="5547825" y="1226350"/>
-              <a:ext cx="309600" cy="326400"/>
-            </a:xfrm>
-            <a:prstGeom prst="rect">
-              <a:avLst/>
-            </a:prstGeom>
-            <a:solidFill>
-              <a:schemeClr val="lt2"/>
-            </a:solidFill>
-            <a:ln w="9525" cap="flat" cmpd="sng">
-              <a:solidFill>
-                <a:schemeClr val="dk2"/>
-              </a:solidFill>
-              <a:prstDash val="solid"/>
-              <a:round/>
-              <a:headEnd type="none" w="sm" len="sm"/>
-              <a:tailEnd type="none" w="sm" len="sm"/>
-            </a:ln>
-          </p:spPr>
-          <p:txBody>
-            <a:bodyPr spcFirstLastPara="1" wrap="square" lIns="91425" tIns="91425" rIns="91425" bIns="91425" anchor="ctr" anchorCtr="0">
-              <a:noAutofit/>
-            </a:bodyPr>
-            <a:lstStyle/>
-            <a:p>
-              <a:pPr marL="0" lvl="0" indent="0" algn="ctr" rtl="0">
-                <a:spcBef>
-                  <a:spcPts val="0"/>
-                </a:spcBef>
-                <a:spcAft>
-                  <a:spcPts val="0"/>
-                </a:spcAft>
-                <a:buNone/>
-              </a:pPr>
-              <a:r>
-                <a:rPr lang="en"/>
-                <a:t>0</a:t>
-              </a:r>
-              <a:endParaRPr/>
-            </a:p>
-          </p:txBody>
-        </p:sp>
-        <p:sp>
-          <p:nvSpPr>
-            <p:cNvPr id="563" name="Google Shape;563;p20"/>
-            <p:cNvSpPr/>
-            <p:nvPr/>
-          </p:nvSpPr>
-          <p:spPr>
-            <a:xfrm>
-              <a:off x="5875913" y="1226350"/>
-              <a:ext cx="309600" cy="326400"/>
-            </a:xfrm>
-            <a:prstGeom prst="rect">
-              <a:avLst/>
-            </a:prstGeom>
-            <a:solidFill>
-              <a:schemeClr val="lt2"/>
-            </a:solidFill>
-            <a:ln w="9525" cap="flat" cmpd="sng">
-              <a:solidFill>
-                <a:schemeClr val="dk2"/>
-              </a:solidFill>
-              <a:prstDash val="solid"/>
-              <a:round/>
-              <a:headEnd type="none" w="sm" len="sm"/>
-              <a:tailEnd type="none" w="sm" len="sm"/>
-            </a:ln>
-          </p:spPr>
-          <p:txBody>
-            <a:bodyPr spcFirstLastPara="1" wrap="square" lIns="91425" tIns="91425" rIns="91425" bIns="91425" anchor="ctr" anchorCtr="0">
-              <a:noAutofit/>
-            </a:bodyPr>
-            <a:lstStyle/>
-            <a:p>
-              <a:pPr marL="0" lvl="0" indent="0" algn="ctr" rtl="0">
-                <a:spcBef>
-                  <a:spcPts val="0"/>
-                </a:spcBef>
-                <a:spcAft>
-                  <a:spcPts val="0"/>
-                </a:spcAft>
-                <a:buNone/>
-              </a:pPr>
-              <a:r>
-                <a:rPr lang="en"/>
-                <a:t>x</a:t>
-              </a:r>
-              <a:endParaRPr/>
-            </a:p>
-          </p:txBody>
-        </p:sp>
-        <p:sp>
-          <p:nvSpPr>
-            <p:cNvPr id="564" name="Google Shape;564;p20"/>
-            <p:cNvSpPr/>
-            <p:nvPr/>
-          </p:nvSpPr>
-          <p:spPr>
-            <a:xfrm>
-              <a:off x="6204000" y="1226350"/>
-              <a:ext cx="309600" cy="326400"/>
-            </a:xfrm>
-            <a:prstGeom prst="rect">
-              <a:avLst/>
-            </a:prstGeom>
-            <a:solidFill>
-              <a:schemeClr val="lt2"/>
-            </a:solidFill>
-            <a:ln w="9525" cap="flat" cmpd="sng">
-              <a:solidFill>
-                <a:schemeClr val="dk2"/>
-              </a:solidFill>
-              <a:prstDash val="solid"/>
-              <a:round/>
-              <a:headEnd type="none" w="sm" len="sm"/>
-              <a:tailEnd type="none" w="sm" len="sm"/>
-            </a:ln>
-          </p:spPr>
-          <p:txBody>
-            <a:bodyPr spcFirstLastPara="1" wrap="square" lIns="91425" tIns="91425" rIns="91425" bIns="91425" anchor="ctr" anchorCtr="0">
-              <a:noAutofit/>
-            </a:bodyPr>
-            <a:lstStyle/>
-            <a:p>
-              <a:pPr marL="0" lvl="0" indent="0" algn="ctr" rtl="0">
-                <a:spcBef>
-                  <a:spcPts val="0"/>
-                </a:spcBef>
-                <a:spcAft>
-                  <a:spcPts val="0"/>
-                </a:spcAft>
-                <a:buNone/>
-              </a:pPr>
-              <a:r>
-                <a:rPr lang="en"/>
-                <a:t>0</a:t>
-              </a:r>
-              <a:endParaRPr/>
-            </a:p>
-          </p:txBody>
-        </p:sp>
-        <p:sp>
-          <p:nvSpPr>
-            <p:cNvPr id="565" name="Google Shape;565;p20"/>
-            <p:cNvSpPr/>
-            <p:nvPr/>
-          </p:nvSpPr>
-          <p:spPr>
-            <a:xfrm>
-              <a:off x="6532075" y="1226350"/>
-              <a:ext cx="309600" cy="326400"/>
-            </a:xfrm>
-            <a:prstGeom prst="rect">
-              <a:avLst/>
-            </a:prstGeom>
-            <a:solidFill>
-              <a:schemeClr val="lt2"/>
-            </a:solidFill>
-            <a:ln w="9525" cap="flat" cmpd="sng">
-              <a:solidFill>
-                <a:schemeClr val="dk2"/>
-              </a:solidFill>
-              <a:prstDash val="solid"/>
-              <a:round/>
-              <a:headEnd type="none" w="sm" len="sm"/>
-              <a:tailEnd type="none" w="sm" len="sm"/>
-            </a:ln>
-          </p:spPr>
-          <p:txBody>
-            <a:bodyPr spcFirstLastPara="1" wrap="square" lIns="91425" tIns="91425" rIns="91425" bIns="91425" anchor="ctr" anchorCtr="0">
-              <a:noAutofit/>
-            </a:bodyPr>
-            <a:lstStyle/>
-            <a:p>
-              <a:pPr marL="0" lvl="0" indent="0" algn="ctr" rtl="0">
-                <a:spcBef>
-                  <a:spcPts val="0"/>
-                </a:spcBef>
-                <a:spcAft>
-                  <a:spcPts val="0"/>
-                </a:spcAft>
-                <a:buNone/>
-              </a:pPr>
-              <a:r>
-                <a:rPr lang="en"/>
-                <a:t>x</a:t>
-              </a:r>
-              <a:endParaRPr/>
-            </a:p>
-          </p:txBody>
-        </p:sp>
-      </p:grpSp>
-      <p:grpSp>
-        <p:nvGrpSpPr>
-          <p:cNvPr id="566" name="Google Shape;566;p20"/>
-          <p:cNvGrpSpPr/>
-          <p:nvPr/>
-        </p:nvGrpSpPr>
-        <p:grpSpPr>
-          <a:xfrm>
-            <a:off x="3760825" y="3364275"/>
-            <a:ext cx="1293850" cy="326400"/>
-            <a:chOff x="5547825" y="1226350"/>
-            <a:chExt cx="1293850" cy="326400"/>
-          </a:xfrm>
-        </p:grpSpPr>
-        <p:sp>
-          <p:nvSpPr>
-            <p:cNvPr id="567" name="Google Shape;567;p20"/>
-            <p:cNvSpPr/>
-            <p:nvPr/>
-          </p:nvSpPr>
-          <p:spPr>
-            <a:xfrm>
-              <a:off x="5547825" y="1226350"/>
-              <a:ext cx="309600" cy="326400"/>
-            </a:xfrm>
-            <a:prstGeom prst="rect">
-              <a:avLst/>
-            </a:prstGeom>
-            <a:solidFill>
-              <a:schemeClr val="lt2"/>
-            </a:solidFill>
-            <a:ln w="9525" cap="flat" cmpd="sng">
-              <a:solidFill>
-                <a:schemeClr val="dk2"/>
-              </a:solidFill>
-              <a:prstDash val="solid"/>
-              <a:round/>
-              <a:headEnd type="none" w="sm" len="sm"/>
-              <a:tailEnd type="none" w="sm" len="sm"/>
-            </a:ln>
-          </p:spPr>
-          <p:txBody>
-            <a:bodyPr spcFirstLastPara="1" wrap="square" lIns="91425" tIns="91425" rIns="91425" bIns="91425" anchor="ctr" anchorCtr="0">
-              <a:noAutofit/>
-            </a:bodyPr>
-            <a:lstStyle/>
-            <a:p>
-              <a:pPr marL="0" lvl="0" indent="0" algn="ctr" rtl="0">
-                <a:spcBef>
-                  <a:spcPts val="0"/>
-                </a:spcBef>
-                <a:spcAft>
-                  <a:spcPts val="0"/>
-                </a:spcAft>
-                <a:buNone/>
-              </a:pPr>
-              <a:r>
-                <a:rPr lang="en"/>
-                <a:t>0</a:t>
-              </a:r>
-              <a:endParaRPr/>
-            </a:p>
-          </p:txBody>
-        </p:sp>
-        <p:sp>
-          <p:nvSpPr>
-            <p:cNvPr id="568" name="Google Shape;568;p20"/>
-            <p:cNvSpPr/>
-            <p:nvPr/>
-          </p:nvSpPr>
-          <p:spPr>
-            <a:xfrm>
-              <a:off x="5875913" y="1226350"/>
-              <a:ext cx="309600" cy="326400"/>
-            </a:xfrm>
-            <a:prstGeom prst="rect">
-              <a:avLst/>
-            </a:prstGeom>
-            <a:solidFill>
-              <a:schemeClr val="lt2"/>
-            </a:solidFill>
-            <a:ln w="9525" cap="flat" cmpd="sng">
-              <a:solidFill>
-                <a:schemeClr val="dk2"/>
-              </a:solidFill>
-              <a:prstDash val="solid"/>
-              <a:round/>
-              <a:headEnd type="none" w="sm" len="sm"/>
-              <a:tailEnd type="none" w="sm" len="sm"/>
-            </a:ln>
-          </p:spPr>
-          <p:txBody>
-            <a:bodyPr spcFirstLastPara="1" wrap="square" lIns="91425" tIns="91425" rIns="91425" bIns="91425" anchor="ctr" anchorCtr="0">
-              <a:noAutofit/>
-            </a:bodyPr>
-            <a:lstStyle/>
-            <a:p>
-              <a:pPr marL="0" lvl="0" indent="0" algn="ctr" rtl="0">
-                <a:spcBef>
-                  <a:spcPts val="0"/>
-                </a:spcBef>
-                <a:spcAft>
-                  <a:spcPts val="0"/>
-                </a:spcAft>
-                <a:buNone/>
-              </a:pPr>
-              <a:r>
-                <a:rPr lang="en"/>
-                <a:t>0</a:t>
-              </a:r>
-              <a:endParaRPr/>
-            </a:p>
-          </p:txBody>
-        </p:sp>
-        <p:sp>
-          <p:nvSpPr>
-            <p:cNvPr id="569" name="Google Shape;569;p20"/>
-            <p:cNvSpPr/>
-            <p:nvPr/>
-          </p:nvSpPr>
-          <p:spPr>
-            <a:xfrm>
-              <a:off x="6204000" y="1226350"/>
-              <a:ext cx="309600" cy="326400"/>
-            </a:xfrm>
-            <a:prstGeom prst="rect">
-              <a:avLst/>
-            </a:prstGeom>
-            <a:solidFill>
-              <a:schemeClr val="lt2"/>
-            </a:solidFill>
-            <a:ln w="9525" cap="flat" cmpd="sng">
-              <a:solidFill>
-                <a:schemeClr val="dk2"/>
-              </a:solidFill>
-              <a:prstDash val="solid"/>
-              <a:round/>
-              <a:headEnd type="none" w="sm" len="sm"/>
-              <a:tailEnd type="none" w="sm" len="sm"/>
-            </a:ln>
-          </p:spPr>
-          <p:txBody>
-            <a:bodyPr spcFirstLastPara="1" wrap="square" lIns="91425" tIns="91425" rIns="91425" bIns="91425" anchor="ctr" anchorCtr="0">
-              <a:noAutofit/>
-            </a:bodyPr>
-            <a:lstStyle/>
-            <a:p>
-              <a:pPr marL="0" lvl="0" indent="0" algn="ctr" rtl="0">
-                <a:spcBef>
-                  <a:spcPts val="0"/>
-                </a:spcBef>
-                <a:spcAft>
-                  <a:spcPts val="0"/>
-                </a:spcAft>
-                <a:buNone/>
-              </a:pPr>
-              <a:r>
-                <a:rPr lang="en"/>
-                <a:t>0</a:t>
-              </a:r>
-              <a:endParaRPr/>
-            </a:p>
-          </p:txBody>
-        </p:sp>
-        <p:sp>
-          <p:nvSpPr>
-            <p:cNvPr id="570" name="Google Shape;570;p20"/>
-            <p:cNvSpPr/>
-            <p:nvPr/>
-          </p:nvSpPr>
-          <p:spPr>
-            <a:xfrm>
-              <a:off x="6532075" y="1226350"/>
-              <a:ext cx="309600" cy="326400"/>
-            </a:xfrm>
-            <a:prstGeom prst="rect">
-              <a:avLst/>
-            </a:prstGeom>
-            <a:solidFill>
-              <a:schemeClr val="lt2"/>
-            </a:solidFill>
-            <a:ln w="9525" cap="flat" cmpd="sng">
-              <a:solidFill>
-                <a:schemeClr val="dk2"/>
-              </a:solidFill>
-              <a:prstDash val="solid"/>
-              <a:round/>
-              <a:headEnd type="none" w="sm" len="sm"/>
-              <a:tailEnd type="none" w="sm" len="sm"/>
-            </a:ln>
-          </p:spPr>
-          <p:txBody>
-            <a:bodyPr spcFirstLastPara="1" wrap="square" lIns="91425" tIns="91425" rIns="91425" bIns="91425" anchor="ctr" anchorCtr="0">
-              <a:noAutofit/>
-            </a:bodyPr>
-            <a:lstStyle/>
-            <a:p>
-              <a:pPr marL="0" lvl="0" indent="0" algn="ctr" rtl="0">
-                <a:spcBef>
-                  <a:spcPts val="0"/>
-                </a:spcBef>
-                <a:spcAft>
-                  <a:spcPts val="0"/>
-                </a:spcAft>
-                <a:buNone/>
-              </a:pPr>
-              <a:r>
-                <a:rPr lang="en"/>
-                <a:t>0</a:t>
-              </a:r>
-              <a:endParaRPr/>
-            </a:p>
-          </p:txBody>
-        </p:sp>
-      </p:grpSp>
-      <p:grpSp>
-        <p:nvGrpSpPr>
-          <p:cNvPr id="571" name="Google Shape;571;p20"/>
-          <p:cNvGrpSpPr/>
-          <p:nvPr/>
-        </p:nvGrpSpPr>
-        <p:grpSpPr>
-          <a:xfrm>
-            <a:off x="2382300" y="3364275"/>
-            <a:ext cx="1293850" cy="326400"/>
-            <a:chOff x="5547825" y="1226350"/>
-            <a:chExt cx="1293850" cy="326400"/>
-          </a:xfrm>
-        </p:grpSpPr>
-        <p:sp>
-          <p:nvSpPr>
-            <p:cNvPr id="572" name="Google Shape;572;p20"/>
-            <p:cNvSpPr/>
-            <p:nvPr/>
-          </p:nvSpPr>
-          <p:spPr>
-            <a:xfrm>
-              <a:off x="5547825" y="1226350"/>
-              <a:ext cx="309600" cy="326400"/>
-            </a:xfrm>
-            <a:prstGeom prst="rect">
-              <a:avLst/>
-            </a:prstGeom>
-            <a:solidFill>
-              <a:schemeClr val="lt2"/>
-            </a:solidFill>
-            <a:ln w="9525" cap="flat" cmpd="sng">
-              <a:solidFill>
-                <a:schemeClr val="dk2"/>
-              </a:solidFill>
-              <a:prstDash val="solid"/>
-              <a:round/>
-              <a:headEnd type="none" w="sm" len="sm"/>
-              <a:tailEnd type="none" w="sm" len="sm"/>
-            </a:ln>
-          </p:spPr>
-          <p:txBody>
-            <a:bodyPr spcFirstLastPara="1" wrap="square" lIns="91425" tIns="91425" rIns="91425" bIns="91425" anchor="ctr" anchorCtr="0">
-              <a:noAutofit/>
-            </a:bodyPr>
-            <a:lstStyle/>
-            <a:p>
-              <a:pPr marL="0" lvl="0" indent="0" algn="l" rtl="0">
-                <a:spcBef>
-                  <a:spcPts val="0"/>
-                </a:spcBef>
-                <a:spcAft>
-                  <a:spcPts val="0"/>
-                </a:spcAft>
-                <a:buNone/>
-              </a:pPr>
-              <a:r>
-                <a:rPr lang="en"/>
-                <a:t>1</a:t>
-              </a:r>
-              <a:endParaRPr/>
-            </a:p>
-          </p:txBody>
-        </p:sp>
-        <p:sp>
-          <p:nvSpPr>
-            <p:cNvPr id="573" name="Google Shape;573;p20"/>
-            <p:cNvSpPr/>
-            <p:nvPr/>
-          </p:nvSpPr>
-          <p:spPr>
-            <a:xfrm>
-              <a:off x="5875913" y="1226350"/>
-              <a:ext cx="309600" cy="326400"/>
-            </a:xfrm>
-            <a:prstGeom prst="rect">
-              <a:avLst/>
-            </a:prstGeom>
-            <a:solidFill>
-              <a:schemeClr val="lt2"/>
-            </a:solidFill>
-            <a:ln w="9525" cap="flat" cmpd="sng">
-              <a:solidFill>
-                <a:schemeClr val="dk2"/>
-              </a:solidFill>
-              <a:prstDash val="solid"/>
-              <a:round/>
-              <a:headEnd type="none" w="sm" len="sm"/>
-              <a:tailEnd type="none" w="sm" len="sm"/>
-            </a:ln>
-          </p:spPr>
-          <p:txBody>
-            <a:bodyPr spcFirstLastPara="1" wrap="square" lIns="91425" tIns="91425" rIns="91425" bIns="91425" anchor="ctr" anchorCtr="0">
-              <a:noAutofit/>
-            </a:bodyPr>
-            <a:lstStyle/>
-            <a:p>
-              <a:pPr marL="0" lvl="0" indent="0" algn="ctr" rtl="0">
-                <a:spcBef>
-                  <a:spcPts val="0"/>
-                </a:spcBef>
-                <a:spcAft>
-                  <a:spcPts val="0"/>
-                </a:spcAft>
-                <a:buNone/>
-              </a:pPr>
-              <a:r>
-                <a:rPr lang="en"/>
-                <a:t>0</a:t>
-              </a:r>
-              <a:endParaRPr/>
-            </a:p>
-          </p:txBody>
-        </p:sp>
-        <p:sp>
-          <p:nvSpPr>
-            <p:cNvPr id="574" name="Google Shape;574;p20"/>
-            <p:cNvSpPr/>
-            <p:nvPr/>
-          </p:nvSpPr>
-          <p:spPr>
-            <a:xfrm>
-              <a:off x="6204000" y="1226350"/>
-              <a:ext cx="309600" cy="326400"/>
-            </a:xfrm>
-            <a:prstGeom prst="rect">
-              <a:avLst/>
-            </a:prstGeom>
-            <a:solidFill>
-              <a:schemeClr val="lt2"/>
-            </a:solidFill>
-            <a:ln w="9525" cap="flat" cmpd="sng">
-              <a:solidFill>
-                <a:schemeClr val="dk2"/>
-              </a:solidFill>
-              <a:prstDash val="solid"/>
-              <a:round/>
-              <a:headEnd type="none" w="sm" len="sm"/>
-              <a:tailEnd type="none" w="sm" len="sm"/>
-            </a:ln>
-          </p:spPr>
-          <p:txBody>
-            <a:bodyPr spcFirstLastPara="1" wrap="square" lIns="91425" tIns="91425" rIns="91425" bIns="91425" anchor="ctr" anchorCtr="0">
-              <a:noAutofit/>
-            </a:bodyPr>
-            <a:lstStyle/>
-            <a:p>
-              <a:pPr marL="0" lvl="0" indent="0" algn="ctr" rtl="0">
-                <a:spcBef>
-                  <a:spcPts val="0"/>
-                </a:spcBef>
-                <a:spcAft>
-                  <a:spcPts val="0"/>
-                </a:spcAft>
-                <a:buNone/>
-              </a:pPr>
-              <a:r>
-                <a:rPr lang="en"/>
-                <a:t>1</a:t>
-              </a:r>
-              <a:endParaRPr/>
-            </a:p>
-          </p:txBody>
-        </p:sp>
-        <p:sp>
-          <p:nvSpPr>
-            <p:cNvPr id="575" name="Google Shape;575;p20"/>
-            <p:cNvSpPr/>
-            <p:nvPr/>
-          </p:nvSpPr>
-          <p:spPr>
-            <a:xfrm>
-              <a:off x="6532075" y="1226350"/>
-              <a:ext cx="309600" cy="326400"/>
-            </a:xfrm>
-            <a:prstGeom prst="rect">
-              <a:avLst/>
-            </a:prstGeom>
-            <a:solidFill>
-              <a:schemeClr val="lt2"/>
-            </a:solidFill>
-            <a:ln w="9525" cap="flat" cmpd="sng">
-              <a:solidFill>
-                <a:schemeClr val="dk2"/>
-              </a:solidFill>
-              <a:prstDash val="solid"/>
-              <a:round/>
-              <a:headEnd type="none" w="sm" len="sm"/>
-              <a:tailEnd type="none" w="sm" len="sm"/>
-            </a:ln>
-          </p:spPr>
-          <p:txBody>
-            <a:bodyPr spcFirstLastPara="1" wrap="square" lIns="91425" tIns="91425" rIns="91425" bIns="91425" anchor="ctr" anchorCtr="0">
-              <a:noAutofit/>
-            </a:bodyPr>
-            <a:lstStyle/>
-            <a:p>
-              <a:pPr marL="0" lvl="0" indent="0" algn="ctr" rtl="0">
-                <a:spcBef>
-                  <a:spcPts val="0"/>
-                </a:spcBef>
-                <a:spcAft>
-                  <a:spcPts val="0"/>
-                </a:spcAft>
-                <a:buNone/>
-              </a:pPr>
-              <a:r>
-                <a:rPr lang="en"/>
-                <a:t>1</a:t>
-              </a:r>
-              <a:endParaRPr/>
-            </a:p>
-          </p:txBody>
-        </p:sp>
-      </p:grpSp>
-      <p:grpSp>
-        <p:nvGrpSpPr>
-          <p:cNvPr id="576" name="Google Shape;576;p20"/>
-          <p:cNvGrpSpPr/>
-          <p:nvPr/>
-        </p:nvGrpSpPr>
-        <p:grpSpPr>
-          <a:xfrm>
-            <a:off x="1003775" y="3364275"/>
-            <a:ext cx="1293850" cy="326400"/>
-            <a:chOff x="5547825" y="1226350"/>
-            <a:chExt cx="1293850" cy="326400"/>
-          </a:xfrm>
-        </p:grpSpPr>
-        <p:sp>
-          <p:nvSpPr>
-            <p:cNvPr id="577" name="Google Shape;577;p20"/>
-            <p:cNvSpPr/>
-            <p:nvPr/>
-          </p:nvSpPr>
-          <p:spPr>
-            <a:xfrm>
-              <a:off x="5547825" y="1226350"/>
-              <a:ext cx="309600" cy="326400"/>
-            </a:xfrm>
-            <a:prstGeom prst="rect">
-              <a:avLst/>
-            </a:prstGeom>
-            <a:solidFill>
-              <a:schemeClr val="lt2"/>
-            </a:solidFill>
-            <a:ln w="9525" cap="flat" cmpd="sng">
-              <a:solidFill>
-                <a:schemeClr val="dk2"/>
-              </a:solidFill>
-              <a:prstDash val="solid"/>
-              <a:round/>
-              <a:headEnd type="none" w="sm" len="sm"/>
-              <a:tailEnd type="none" w="sm" len="sm"/>
-            </a:ln>
-          </p:spPr>
-          <p:txBody>
-            <a:bodyPr spcFirstLastPara="1" wrap="square" lIns="91425" tIns="91425" rIns="91425" bIns="91425" anchor="ctr" anchorCtr="0">
-              <a:noAutofit/>
-            </a:bodyPr>
-            <a:lstStyle/>
-            <a:p>
-              <a:pPr marL="0" lvl="0" indent="0" algn="ctr" rtl="0">
-                <a:spcBef>
-                  <a:spcPts val="0"/>
-                </a:spcBef>
-                <a:spcAft>
-                  <a:spcPts val="0"/>
-                </a:spcAft>
-                <a:buNone/>
-              </a:pPr>
-              <a:r>
-                <a:rPr lang="en"/>
-                <a:t>0</a:t>
-              </a:r>
-              <a:endParaRPr/>
-            </a:p>
-          </p:txBody>
-        </p:sp>
-        <p:sp>
-          <p:nvSpPr>
-            <p:cNvPr id="578" name="Google Shape;578;p20"/>
-            <p:cNvSpPr/>
-            <p:nvPr/>
-          </p:nvSpPr>
-          <p:spPr>
-            <a:xfrm>
-              <a:off x="5875913" y="1226350"/>
-              <a:ext cx="309600" cy="326400"/>
-            </a:xfrm>
-            <a:prstGeom prst="rect">
-              <a:avLst/>
-            </a:prstGeom>
-            <a:solidFill>
-              <a:schemeClr val="lt2"/>
-            </a:solidFill>
-            <a:ln w="9525" cap="flat" cmpd="sng">
-              <a:solidFill>
-                <a:schemeClr val="dk2"/>
-              </a:solidFill>
-              <a:prstDash val="solid"/>
-              <a:round/>
-              <a:headEnd type="none" w="sm" len="sm"/>
-              <a:tailEnd type="none" w="sm" len="sm"/>
-            </a:ln>
-          </p:spPr>
-          <p:txBody>
-            <a:bodyPr spcFirstLastPara="1" wrap="square" lIns="91425" tIns="91425" rIns="91425" bIns="91425" anchor="ctr" anchorCtr="0">
-              <a:noAutofit/>
-            </a:bodyPr>
-            <a:lstStyle/>
-            <a:p>
-              <a:pPr marL="0" lvl="0" indent="0" algn="ctr" rtl="0">
-                <a:spcBef>
-                  <a:spcPts val="0"/>
-                </a:spcBef>
-                <a:spcAft>
-                  <a:spcPts val="0"/>
-                </a:spcAft>
-                <a:buNone/>
-              </a:pPr>
-              <a:r>
-                <a:rPr lang="en"/>
-                <a:t>0</a:t>
-              </a:r>
-              <a:endParaRPr/>
-            </a:p>
-          </p:txBody>
-        </p:sp>
-        <p:sp>
-          <p:nvSpPr>
-            <p:cNvPr id="579" name="Google Shape;579;p20"/>
-            <p:cNvSpPr/>
-            <p:nvPr/>
-          </p:nvSpPr>
-          <p:spPr>
-            <a:xfrm>
-              <a:off x="6204000" y="1226350"/>
-              <a:ext cx="309600" cy="326400"/>
-            </a:xfrm>
-            <a:prstGeom prst="rect">
-              <a:avLst/>
-            </a:prstGeom>
-            <a:solidFill>
-              <a:schemeClr val="lt2"/>
-            </a:solidFill>
-            <a:ln w="9525" cap="flat" cmpd="sng">
-              <a:solidFill>
-                <a:schemeClr val="dk2"/>
-              </a:solidFill>
-              <a:prstDash val="solid"/>
-              <a:round/>
-              <a:headEnd type="none" w="sm" len="sm"/>
-              <a:tailEnd type="none" w="sm" len="sm"/>
-            </a:ln>
-          </p:spPr>
-          <p:txBody>
-            <a:bodyPr spcFirstLastPara="1" wrap="square" lIns="91425" tIns="91425" rIns="91425" bIns="91425" anchor="ctr" anchorCtr="0">
-              <a:noAutofit/>
-            </a:bodyPr>
-            <a:lstStyle/>
-            <a:p>
-              <a:pPr marL="0" lvl="0" indent="0" algn="ctr" rtl="0">
-                <a:spcBef>
-                  <a:spcPts val="0"/>
-                </a:spcBef>
-                <a:spcAft>
-                  <a:spcPts val="0"/>
-                </a:spcAft>
-                <a:buNone/>
-              </a:pPr>
-              <a:r>
-                <a:rPr lang="en"/>
-                <a:t>0</a:t>
-              </a:r>
-              <a:endParaRPr/>
-            </a:p>
-          </p:txBody>
-        </p:sp>
-        <p:sp>
-          <p:nvSpPr>
-            <p:cNvPr id="580" name="Google Shape;580;p20"/>
-            <p:cNvSpPr/>
-            <p:nvPr/>
-          </p:nvSpPr>
-          <p:spPr>
-            <a:xfrm>
-              <a:off x="6532075" y="1226350"/>
-              <a:ext cx="309600" cy="326400"/>
-            </a:xfrm>
-            <a:prstGeom prst="rect">
-              <a:avLst/>
-            </a:prstGeom>
-            <a:solidFill>
-              <a:schemeClr val="lt2"/>
-            </a:solidFill>
-            <a:ln w="9525" cap="flat" cmpd="sng">
-              <a:solidFill>
-                <a:schemeClr val="dk2"/>
-              </a:solidFill>
-              <a:prstDash val="solid"/>
-              <a:round/>
-              <a:headEnd type="none" w="sm" len="sm"/>
-              <a:tailEnd type="none" w="sm" len="sm"/>
-            </a:ln>
-          </p:spPr>
-          <p:txBody>
-            <a:bodyPr spcFirstLastPara="1" wrap="square" lIns="91425" tIns="91425" rIns="91425" bIns="91425" anchor="ctr" anchorCtr="0">
-              <a:noAutofit/>
-            </a:bodyPr>
-            <a:lstStyle/>
-            <a:p>
-              <a:pPr marL="0" lvl="0" indent="0" algn="ctr" rtl="0">
-                <a:spcBef>
-                  <a:spcPts val="0"/>
-                </a:spcBef>
-                <a:spcAft>
-                  <a:spcPts val="0"/>
-                </a:spcAft>
-                <a:buNone/>
-              </a:pPr>
-              <a:r>
-                <a:rPr lang="en"/>
-                <a:t>0</a:t>
-              </a:r>
-              <a:endParaRPr/>
-            </a:p>
-          </p:txBody>
-        </p:sp>
-      </p:grpSp>
-      <p:cxnSp>
-        <p:nvCxnSpPr>
-          <p:cNvPr id="581" name="Google Shape;581;p20"/>
-          <p:cNvCxnSpPr>
-            <a:stCxn id="582" idx="2"/>
-            <a:endCxn id="577" idx="0"/>
-          </p:cNvCxnSpPr>
-          <p:nvPr/>
-        </p:nvCxnSpPr>
-        <p:spPr>
-          <a:xfrm>
-            <a:off x="1158575" y="2927125"/>
-            <a:ext cx="0" cy="437100"/>
-          </a:xfrm>
-          <a:prstGeom prst="straightConnector1">
-            <a:avLst/>
-          </a:prstGeom>
-          <a:noFill/>
-          <a:ln w="9525" cap="flat" cmpd="sng">
-            <a:solidFill>
-              <a:schemeClr val="dk2"/>
-            </a:solidFill>
-            <a:prstDash val="solid"/>
-            <a:round/>
-            <a:headEnd type="none" w="med" len="med"/>
-            <a:tailEnd type="triangle" w="med" len="med"/>
-          </a:ln>
-        </p:spPr>
-      </p:cxnSp>
-      <p:cxnSp>
-        <p:nvCxnSpPr>
-          <p:cNvPr id="583" name="Google Shape;583;p20"/>
-          <p:cNvCxnSpPr>
-            <a:stCxn id="584" idx="2"/>
-            <a:endCxn id="578" idx="0"/>
-          </p:cNvCxnSpPr>
-          <p:nvPr/>
-        </p:nvCxnSpPr>
-        <p:spPr>
-          <a:xfrm>
-            <a:off x="1486663" y="2927125"/>
-            <a:ext cx="0" cy="437100"/>
-          </a:xfrm>
-          <a:prstGeom prst="straightConnector1">
-            <a:avLst/>
-          </a:prstGeom>
-          <a:noFill/>
-          <a:ln w="9525" cap="flat" cmpd="sng">
-            <a:solidFill>
-              <a:schemeClr val="dk2"/>
-            </a:solidFill>
-            <a:prstDash val="solid"/>
-            <a:round/>
-            <a:headEnd type="none" w="med" len="med"/>
-            <a:tailEnd type="triangle" w="med" len="med"/>
-          </a:ln>
-        </p:spPr>
-      </p:cxnSp>
-      <p:cxnSp>
-        <p:nvCxnSpPr>
-          <p:cNvPr id="585" name="Google Shape;585;p20"/>
-          <p:cNvCxnSpPr>
-            <a:stCxn id="586" idx="2"/>
-            <a:endCxn id="579" idx="0"/>
-          </p:cNvCxnSpPr>
-          <p:nvPr/>
-        </p:nvCxnSpPr>
-        <p:spPr>
-          <a:xfrm>
-            <a:off x="1814750" y="2927125"/>
-            <a:ext cx="0" cy="437100"/>
-          </a:xfrm>
-          <a:prstGeom prst="straightConnector1">
-            <a:avLst/>
-          </a:prstGeom>
-          <a:noFill/>
-          <a:ln w="9525" cap="flat" cmpd="sng">
-            <a:solidFill>
-              <a:schemeClr val="dk2"/>
-            </a:solidFill>
-            <a:prstDash val="solid"/>
-            <a:round/>
-            <a:headEnd type="none" w="med" len="med"/>
-            <a:tailEnd type="triangle" w="med" len="med"/>
-          </a:ln>
-        </p:spPr>
-      </p:cxnSp>
-      <p:cxnSp>
-        <p:nvCxnSpPr>
-          <p:cNvPr id="587" name="Google Shape;587;p20"/>
-          <p:cNvCxnSpPr>
-            <a:stCxn id="588" idx="2"/>
-            <a:endCxn id="580" idx="0"/>
-          </p:cNvCxnSpPr>
-          <p:nvPr/>
-        </p:nvCxnSpPr>
-        <p:spPr>
-          <a:xfrm>
-            <a:off x="2142825" y="2927125"/>
-            <a:ext cx="0" cy="437100"/>
-          </a:xfrm>
-          <a:prstGeom prst="straightConnector1">
-            <a:avLst/>
-          </a:prstGeom>
-          <a:noFill/>
-          <a:ln w="9525" cap="flat" cmpd="sng">
-            <a:solidFill>
-              <a:schemeClr val="dk2"/>
-            </a:solidFill>
-            <a:prstDash val="solid"/>
-            <a:round/>
-            <a:headEnd type="none" w="med" len="med"/>
-            <a:tailEnd type="triangle" w="med" len="med"/>
-          </a:ln>
-        </p:spPr>
-      </p:cxnSp>
-      <p:cxnSp>
-        <p:nvCxnSpPr>
-          <p:cNvPr id="589" name="Google Shape;589;p20"/>
-          <p:cNvCxnSpPr>
-            <a:stCxn id="552" idx="2"/>
-            <a:endCxn id="572" idx="0"/>
-          </p:cNvCxnSpPr>
-          <p:nvPr/>
-        </p:nvCxnSpPr>
-        <p:spPr>
-          <a:xfrm>
-            <a:off x="2531300" y="2334075"/>
-            <a:ext cx="5700" cy="1030200"/>
-          </a:xfrm>
-          <a:prstGeom prst="straightConnector1">
-            <a:avLst/>
-          </a:prstGeom>
-          <a:noFill/>
-          <a:ln w="9525" cap="flat" cmpd="sng">
-            <a:solidFill>
-              <a:schemeClr val="dk2"/>
-            </a:solidFill>
-            <a:prstDash val="solid"/>
-            <a:round/>
-            <a:headEnd type="none" w="med" len="med"/>
-            <a:tailEnd type="triangle" w="med" len="med"/>
-          </a:ln>
-        </p:spPr>
-      </p:cxnSp>
-      <p:cxnSp>
-        <p:nvCxnSpPr>
-          <p:cNvPr id="590" name="Google Shape;590;p20"/>
-          <p:cNvCxnSpPr>
-            <a:stCxn id="555" idx="2"/>
-            <a:endCxn id="575" idx="0"/>
-          </p:cNvCxnSpPr>
-          <p:nvPr/>
-        </p:nvCxnSpPr>
-        <p:spPr>
-          <a:xfrm>
-            <a:off x="3515550" y="2334075"/>
-            <a:ext cx="5700" cy="1030200"/>
-          </a:xfrm>
-          <a:prstGeom prst="straightConnector1">
-            <a:avLst/>
-          </a:prstGeom>
-          <a:noFill/>
-          <a:ln w="9525" cap="flat" cmpd="sng">
-            <a:solidFill>
-              <a:schemeClr val="dk2"/>
-            </a:solidFill>
-            <a:prstDash val="solid"/>
-            <a:round/>
-            <a:headEnd type="none" w="med" len="med"/>
-            <a:tailEnd type="triangle" w="med" len="med"/>
-          </a:ln>
-        </p:spPr>
-      </p:cxnSp>
-      <p:cxnSp>
-        <p:nvCxnSpPr>
-          <p:cNvPr id="591" name="Google Shape;591;p20"/>
-          <p:cNvCxnSpPr>
-            <a:stCxn id="553" idx="2"/>
-            <a:endCxn id="573" idx="0"/>
-          </p:cNvCxnSpPr>
-          <p:nvPr/>
-        </p:nvCxnSpPr>
-        <p:spPr>
-          <a:xfrm>
-            <a:off x="2859388" y="2334075"/>
-            <a:ext cx="5700" cy="1030200"/>
-          </a:xfrm>
-          <a:prstGeom prst="straightConnector1">
-            <a:avLst/>
-          </a:prstGeom>
-          <a:noFill/>
-          <a:ln w="9525" cap="flat" cmpd="sng">
-            <a:solidFill>
-              <a:schemeClr val="dk2"/>
-            </a:solidFill>
-            <a:prstDash val="solid"/>
-            <a:round/>
-            <a:headEnd type="none" w="med" len="med"/>
-            <a:tailEnd type="triangle" w="med" len="med"/>
-          </a:ln>
-        </p:spPr>
-      </p:cxnSp>
-      <p:cxnSp>
-        <p:nvCxnSpPr>
-          <p:cNvPr id="592" name="Google Shape;592;p20"/>
-          <p:cNvCxnSpPr>
-            <a:stCxn id="554" idx="2"/>
-            <a:endCxn id="574" idx="0"/>
-          </p:cNvCxnSpPr>
-          <p:nvPr/>
-        </p:nvCxnSpPr>
-        <p:spPr>
-          <a:xfrm>
-            <a:off x="3187475" y="2334075"/>
-            <a:ext cx="5700" cy="1030200"/>
-          </a:xfrm>
-          <a:prstGeom prst="straightConnector1">
-            <a:avLst/>
-          </a:prstGeom>
-          <a:noFill/>
-          <a:ln w="9525" cap="flat" cmpd="sng">
-            <a:solidFill>
-              <a:schemeClr val="dk2"/>
-            </a:solidFill>
-            <a:prstDash val="solid"/>
-            <a:round/>
-            <a:headEnd type="none" w="med" len="med"/>
-            <a:tailEnd type="triangle" w="med" len="med"/>
-          </a:ln>
-        </p:spPr>
-      </p:cxnSp>
-      <p:cxnSp>
-        <p:nvCxnSpPr>
-          <p:cNvPr id="593" name="Google Shape;593;p20"/>
-          <p:cNvCxnSpPr>
-            <a:stCxn id="594" idx="2"/>
-            <a:endCxn id="567" idx="0"/>
-          </p:cNvCxnSpPr>
-          <p:nvPr/>
-        </p:nvCxnSpPr>
-        <p:spPr>
-          <a:xfrm>
-            <a:off x="3915625" y="2927125"/>
-            <a:ext cx="0" cy="437100"/>
-          </a:xfrm>
-          <a:prstGeom prst="straightConnector1">
-            <a:avLst/>
-          </a:prstGeom>
-          <a:noFill/>
-          <a:ln w="9525" cap="flat" cmpd="sng">
-            <a:solidFill>
-              <a:schemeClr val="dk2"/>
-            </a:solidFill>
-            <a:prstDash val="solid"/>
-            <a:round/>
-            <a:headEnd type="none" w="med" len="med"/>
-            <a:tailEnd type="triangle" w="med" len="med"/>
-          </a:ln>
-        </p:spPr>
-      </p:cxnSp>
-      <p:cxnSp>
-        <p:nvCxnSpPr>
-          <p:cNvPr id="595" name="Google Shape;595;p20"/>
-          <p:cNvCxnSpPr>
-            <a:stCxn id="596" idx="2"/>
-            <a:endCxn id="568" idx="0"/>
-          </p:cNvCxnSpPr>
-          <p:nvPr/>
-        </p:nvCxnSpPr>
-        <p:spPr>
-          <a:xfrm>
-            <a:off x="4243713" y="2927125"/>
-            <a:ext cx="0" cy="437100"/>
-          </a:xfrm>
-          <a:prstGeom prst="straightConnector1">
-            <a:avLst/>
-          </a:prstGeom>
-          <a:noFill/>
-          <a:ln w="9525" cap="flat" cmpd="sng">
-            <a:solidFill>
-              <a:schemeClr val="dk2"/>
-            </a:solidFill>
-            <a:prstDash val="solid"/>
-            <a:round/>
-            <a:headEnd type="none" w="med" len="med"/>
-            <a:tailEnd type="triangle" w="med" len="med"/>
-          </a:ln>
-        </p:spPr>
-      </p:cxnSp>
-      <p:cxnSp>
-        <p:nvCxnSpPr>
-          <p:cNvPr id="597" name="Google Shape;597;p20"/>
-          <p:cNvCxnSpPr>
-            <a:stCxn id="598" idx="2"/>
-            <a:endCxn id="569" idx="0"/>
-          </p:cNvCxnSpPr>
-          <p:nvPr/>
-        </p:nvCxnSpPr>
-        <p:spPr>
-          <a:xfrm>
-            <a:off x="4571800" y="2927125"/>
-            <a:ext cx="0" cy="437100"/>
-          </a:xfrm>
-          <a:prstGeom prst="straightConnector1">
-            <a:avLst/>
-          </a:prstGeom>
-          <a:noFill/>
-          <a:ln w="9525" cap="flat" cmpd="sng">
-            <a:solidFill>
-              <a:schemeClr val="dk2"/>
-            </a:solidFill>
-            <a:prstDash val="solid"/>
-            <a:round/>
-            <a:headEnd type="none" w="med" len="med"/>
-            <a:tailEnd type="triangle" w="med" len="med"/>
-          </a:ln>
-        </p:spPr>
-      </p:cxnSp>
-      <p:cxnSp>
-        <p:nvCxnSpPr>
-          <p:cNvPr id="599" name="Google Shape;599;p20"/>
-          <p:cNvCxnSpPr>
-            <a:stCxn id="600" idx="2"/>
-            <a:endCxn id="570" idx="0"/>
-          </p:cNvCxnSpPr>
-          <p:nvPr/>
-        </p:nvCxnSpPr>
-        <p:spPr>
-          <a:xfrm>
-            <a:off x="4899875" y="2927125"/>
-            <a:ext cx="0" cy="437100"/>
-          </a:xfrm>
-          <a:prstGeom prst="straightConnector1">
-            <a:avLst/>
-          </a:prstGeom>
-          <a:noFill/>
-          <a:ln w="9525" cap="flat" cmpd="sng">
-            <a:solidFill>
-              <a:schemeClr val="dk2"/>
-            </a:solidFill>
-            <a:prstDash val="solid"/>
-            <a:round/>
-            <a:headEnd type="none" w="med" len="med"/>
-            <a:tailEnd type="triangle" w="med" len="med"/>
-          </a:ln>
-        </p:spPr>
-      </p:cxnSp>
-      <p:cxnSp>
-        <p:nvCxnSpPr>
-          <p:cNvPr id="601" name="Google Shape;601;p20"/>
-          <p:cNvCxnSpPr>
-            <a:stCxn id="602" idx="2"/>
-            <a:endCxn id="562" idx="0"/>
-          </p:cNvCxnSpPr>
-          <p:nvPr/>
-        </p:nvCxnSpPr>
-        <p:spPr>
-          <a:xfrm>
-            <a:off x="5291250" y="2927075"/>
-            <a:ext cx="3000" cy="437100"/>
-          </a:xfrm>
-          <a:prstGeom prst="straightConnector1">
-            <a:avLst/>
-          </a:prstGeom>
-          <a:noFill/>
-          <a:ln w="9525" cap="flat" cmpd="sng">
-            <a:solidFill>
-              <a:schemeClr val="dk2"/>
-            </a:solidFill>
-            <a:prstDash val="solid"/>
-            <a:round/>
-            <a:headEnd type="none" w="med" len="med"/>
-            <a:tailEnd type="triangle" w="med" len="med"/>
-          </a:ln>
-        </p:spPr>
-      </p:cxnSp>
-      <p:cxnSp>
-        <p:nvCxnSpPr>
-          <p:cNvPr id="603" name="Google Shape;603;p20"/>
-          <p:cNvCxnSpPr>
-            <a:stCxn id="604" idx="2"/>
-            <a:endCxn id="563" idx="0"/>
-          </p:cNvCxnSpPr>
-          <p:nvPr/>
-        </p:nvCxnSpPr>
-        <p:spPr>
-          <a:xfrm>
-            <a:off x="5619338" y="2927075"/>
-            <a:ext cx="3000" cy="437100"/>
-          </a:xfrm>
-          <a:prstGeom prst="straightConnector1">
-            <a:avLst/>
-          </a:prstGeom>
-          <a:noFill/>
-          <a:ln w="9525" cap="flat" cmpd="sng">
-            <a:solidFill>
-              <a:schemeClr val="dk2"/>
-            </a:solidFill>
-            <a:prstDash val="solid"/>
-            <a:round/>
-            <a:headEnd type="none" w="med" len="med"/>
-            <a:tailEnd type="triangle" w="med" len="med"/>
-          </a:ln>
-        </p:spPr>
-      </p:cxnSp>
-      <p:cxnSp>
-        <p:nvCxnSpPr>
-          <p:cNvPr id="605" name="Google Shape;605;p20"/>
-          <p:cNvCxnSpPr>
-            <a:stCxn id="606" idx="2"/>
-            <a:endCxn id="564" idx="0"/>
-          </p:cNvCxnSpPr>
-          <p:nvPr/>
-        </p:nvCxnSpPr>
-        <p:spPr>
-          <a:xfrm>
-            <a:off x="5947425" y="2927075"/>
-            <a:ext cx="3000" cy="437100"/>
-          </a:xfrm>
-          <a:prstGeom prst="straightConnector1">
-            <a:avLst/>
-          </a:prstGeom>
-          <a:noFill/>
-          <a:ln w="9525" cap="flat" cmpd="sng">
-            <a:solidFill>
-              <a:schemeClr val="dk2"/>
-            </a:solidFill>
-            <a:prstDash val="solid"/>
-            <a:round/>
-            <a:headEnd type="none" w="med" len="med"/>
-            <a:tailEnd type="triangle" w="med" len="med"/>
-          </a:ln>
-        </p:spPr>
-      </p:cxnSp>
-      <p:cxnSp>
-        <p:nvCxnSpPr>
-          <p:cNvPr id="607" name="Google Shape;607;p20"/>
-          <p:cNvCxnSpPr>
-            <a:stCxn id="608" idx="2"/>
-            <a:endCxn id="565" idx="0"/>
-          </p:cNvCxnSpPr>
-          <p:nvPr/>
-        </p:nvCxnSpPr>
-        <p:spPr>
-          <a:xfrm>
-            <a:off x="6275500" y="2927075"/>
-            <a:ext cx="3000" cy="437100"/>
-          </a:xfrm>
-          <a:prstGeom prst="straightConnector1">
-            <a:avLst/>
-          </a:prstGeom>
-          <a:noFill/>
-          <a:ln w="9525" cap="flat" cmpd="sng">
-            <a:solidFill>
-              <a:schemeClr val="dk2"/>
-            </a:solidFill>
-            <a:prstDash val="solid"/>
-            <a:round/>
-            <a:headEnd type="none" w="med" len="med"/>
-            <a:tailEnd type="triangle" w="med" len="med"/>
-          </a:ln>
-        </p:spPr>
-      </p:cxnSp>
-      <p:grpSp>
-        <p:nvGrpSpPr>
-          <p:cNvPr id="609" name="Google Shape;609;p20"/>
-          <p:cNvGrpSpPr/>
-          <p:nvPr/>
-        </p:nvGrpSpPr>
-        <p:grpSpPr>
-          <a:xfrm>
-            <a:off x="5136450" y="2600675"/>
-            <a:ext cx="1293850" cy="326400"/>
-            <a:chOff x="5547825" y="1226350"/>
-            <a:chExt cx="1293850" cy="326400"/>
-          </a:xfrm>
-        </p:grpSpPr>
-        <p:sp>
-          <p:nvSpPr>
-            <p:cNvPr id="602" name="Google Shape;602;p20"/>
-            <p:cNvSpPr/>
-            <p:nvPr/>
-          </p:nvSpPr>
-          <p:spPr>
-            <a:xfrm>
-              <a:off x="5547825" y="1226350"/>
-              <a:ext cx="309600" cy="326400"/>
-            </a:xfrm>
-            <a:prstGeom prst="rect">
-              <a:avLst/>
-            </a:prstGeom>
-            <a:solidFill>
-              <a:schemeClr val="lt2"/>
-            </a:solidFill>
-            <a:ln w="9525" cap="flat" cmpd="sng">
-              <a:solidFill>
-                <a:schemeClr val="dk2"/>
-              </a:solidFill>
-              <a:prstDash val="solid"/>
-              <a:round/>
-              <a:headEnd type="none" w="sm" len="sm"/>
-              <a:tailEnd type="none" w="sm" len="sm"/>
-            </a:ln>
-          </p:spPr>
-          <p:txBody>
-            <a:bodyPr spcFirstLastPara="1" wrap="square" lIns="91425" tIns="91425" rIns="91425" bIns="91425" anchor="ctr" anchorCtr="0">
-              <a:noAutofit/>
-            </a:bodyPr>
-            <a:lstStyle/>
-            <a:p>
-              <a:pPr marL="0" lvl="0" indent="0" algn="ctr" rtl="0">
-                <a:spcBef>
-                  <a:spcPts val="0"/>
-                </a:spcBef>
-                <a:spcAft>
-                  <a:spcPts val="0"/>
-                </a:spcAft>
-                <a:buNone/>
-              </a:pPr>
-              <a:r>
-                <a:rPr lang="en"/>
-                <a:t>0</a:t>
-              </a:r>
-              <a:endParaRPr/>
-            </a:p>
-          </p:txBody>
-        </p:sp>
-        <p:sp>
-          <p:nvSpPr>
-            <p:cNvPr id="604" name="Google Shape;604;p20"/>
-            <p:cNvSpPr/>
-            <p:nvPr/>
-          </p:nvSpPr>
-          <p:spPr>
-            <a:xfrm>
-              <a:off x="5875913" y="1226350"/>
-              <a:ext cx="309600" cy="326400"/>
-            </a:xfrm>
-            <a:prstGeom prst="rect">
-              <a:avLst/>
-            </a:prstGeom>
-            <a:solidFill>
-              <a:schemeClr val="lt2"/>
-            </a:solidFill>
-            <a:ln w="9525" cap="flat" cmpd="sng">
-              <a:solidFill>
-                <a:schemeClr val="dk2"/>
-              </a:solidFill>
-              <a:prstDash val="solid"/>
-              <a:round/>
-              <a:headEnd type="none" w="sm" len="sm"/>
-              <a:tailEnd type="none" w="sm" len="sm"/>
-            </a:ln>
-          </p:spPr>
-          <p:txBody>
-            <a:bodyPr spcFirstLastPara="1" wrap="square" lIns="91425" tIns="91425" rIns="91425" bIns="91425" anchor="ctr" anchorCtr="0">
-              <a:noAutofit/>
-            </a:bodyPr>
-            <a:lstStyle/>
-            <a:p>
-              <a:pPr marL="0" lvl="0" indent="0" algn="ctr" rtl="0">
-                <a:spcBef>
-                  <a:spcPts val="0"/>
-                </a:spcBef>
-                <a:spcAft>
-                  <a:spcPts val="0"/>
-                </a:spcAft>
-                <a:buNone/>
-              </a:pPr>
-              <a:r>
-                <a:rPr lang="en"/>
-                <a:t>1</a:t>
-              </a:r>
-              <a:endParaRPr/>
-            </a:p>
-          </p:txBody>
-        </p:sp>
-        <p:sp>
-          <p:nvSpPr>
-            <p:cNvPr id="606" name="Google Shape;606;p20"/>
-            <p:cNvSpPr/>
-            <p:nvPr/>
-          </p:nvSpPr>
-          <p:spPr>
-            <a:xfrm>
-              <a:off x="6204000" y="1226350"/>
-              <a:ext cx="309600" cy="326400"/>
-            </a:xfrm>
-            <a:prstGeom prst="rect">
-              <a:avLst/>
-            </a:prstGeom>
-            <a:solidFill>
-              <a:schemeClr val="lt2"/>
-            </a:solidFill>
-            <a:ln w="9525" cap="flat" cmpd="sng">
-              <a:solidFill>
-                <a:schemeClr val="dk2"/>
-              </a:solidFill>
-              <a:prstDash val="solid"/>
-              <a:round/>
-              <a:headEnd type="none" w="sm" len="sm"/>
-              <a:tailEnd type="none" w="sm" len="sm"/>
-            </a:ln>
-          </p:spPr>
-          <p:txBody>
-            <a:bodyPr spcFirstLastPara="1" wrap="square" lIns="91425" tIns="91425" rIns="91425" bIns="91425" anchor="ctr" anchorCtr="0">
-              <a:noAutofit/>
-            </a:bodyPr>
-            <a:lstStyle/>
-            <a:p>
-              <a:pPr marL="0" lvl="0" indent="0" algn="ctr" rtl="0">
-                <a:spcBef>
-                  <a:spcPts val="0"/>
-                </a:spcBef>
-                <a:spcAft>
-                  <a:spcPts val="0"/>
-                </a:spcAft>
-                <a:buNone/>
-              </a:pPr>
-              <a:r>
-                <a:rPr lang="en"/>
-                <a:t>0</a:t>
-              </a:r>
-              <a:endParaRPr/>
-            </a:p>
-          </p:txBody>
-        </p:sp>
-        <p:sp>
-          <p:nvSpPr>
-            <p:cNvPr id="608" name="Google Shape;608;p20"/>
-            <p:cNvSpPr/>
-            <p:nvPr/>
-          </p:nvSpPr>
-          <p:spPr>
-            <a:xfrm>
-              <a:off x="6532075" y="1226350"/>
-              <a:ext cx="309600" cy="326400"/>
-            </a:xfrm>
-            <a:prstGeom prst="rect">
-              <a:avLst/>
-            </a:prstGeom>
-            <a:solidFill>
-              <a:schemeClr val="lt2"/>
-            </a:solidFill>
-            <a:ln w="9525" cap="flat" cmpd="sng">
-              <a:solidFill>
-                <a:schemeClr val="dk2"/>
-              </a:solidFill>
-              <a:prstDash val="solid"/>
-              <a:round/>
-              <a:headEnd type="none" w="sm" len="sm"/>
-              <a:tailEnd type="none" w="sm" len="sm"/>
-            </a:ln>
-          </p:spPr>
-          <p:txBody>
-            <a:bodyPr spcFirstLastPara="1" wrap="square" lIns="91425" tIns="91425" rIns="91425" bIns="91425" anchor="ctr" anchorCtr="0">
-              <a:noAutofit/>
-            </a:bodyPr>
-            <a:lstStyle/>
-            <a:p>
-              <a:pPr marL="0" lvl="0" indent="0" algn="ctr" rtl="0">
-                <a:spcBef>
-                  <a:spcPts val="0"/>
-                </a:spcBef>
-                <a:spcAft>
-                  <a:spcPts val="0"/>
-                </a:spcAft>
-                <a:buNone/>
-              </a:pPr>
-              <a:r>
-                <a:rPr lang="en"/>
-                <a:t>1</a:t>
-              </a:r>
-              <a:endParaRPr/>
-            </a:p>
-          </p:txBody>
-        </p:sp>
-      </p:grpSp>
-      <p:grpSp>
-        <p:nvGrpSpPr>
-          <p:cNvPr id="610" name="Google Shape;610;p20"/>
-          <p:cNvGrpSpPr/>
-          <p:nvPr/>
-        </p:nvGrpSpPr>
-        <p:grpSpPr>
-          <a:xfrm>
-            <a:off x="3760825" y="2600725"/>
-            <a:ext cx="1293850" cy="326400"/>
-            <a:chOff x="5547825" y="1226350"/>
-            <a:chExt cx="1293850" cy="326400"/>
-          </a:xfrm>
-        </p:grpSpPr>
-        <p:sp>
-          <p:nvSpPr>
-            <p:cNvPr id="594" name="Google Shape;594;p20"/>
-            <p:cNvSpPr/>
-            <p:nvPr/>
-          </p:nvSpPr>
-          <p:spPr>
-            <a:xfrm>
-              <a:off x="5547825" y="1226350"/>
-              <a:ext cx="309600" cy="326400"/>
-            </a:xfrm>
-            <a:prstGeom prst="rect">
-              <a:avLst/>
-            </a:prstGeom>
-            <a:solidFill>
-              <a:schemeClr val="lt2"/>
-            </a:solidFill>
-            <a:ln w="9525" cap="flat" cmpd="sng">
-              <a:solidFill>
-                <a:schemeClr val="dk2"/>
-              </a:solidFill>
-              <a:prstDash val="solid"/>
-              <a:round/>
-              <a:headEnd type="none" w="sm" len="sm"/>
-              <a:tailEnd type="none" w="sm" len="sm"/>
-            </a:ln>
-          </p:spPr>
-          <p:txBody>
-            <a:bodyPr spcFirstLastPara="1" wrap="square" lIns="91425" tIns="91425" rIns="91425" bIns="91425" anchor="ctr" anchorCtr="0">
-              <a:noAutofit/>
-            </a:bodyPr>
-            <a:lstStyle/>
-            <a:p>
-              <a:pPr marL="0" lvl="0" indent="0" algn="ctr" rtl="0">
-                <a:spcBef>
-                  <a:spcPts val="0"/>
-                </a:spcBef>
-                <a:spcAft>
-                  <a:spcPts val="0"/>
-                </a:spcAft>
-                <a:buNone/>
-              </a:pPr>
-              <a:r>
-                <a:rPr lang="en"/>
-                <a:t>0</a:t>
-              </a:r>
-              <a:endParaRPr/>
-            </a:p>
-          </p:txBody>
-        </p:sp>
-        <p:sp>
-          <p:nvSpPr>
-            <p:cNvPr id="596" name="Google Shape;596;p20"/>
-            <p:cNvSpPr/>
-            <p:nvPr/>
-          </p:nvSpPr>
-          <p:spPr>
-            <a:xfrm>
-              <a:off x="5875913" y="1226350"/>
-              <a:ext cx="309600" cy="326400"/>
-            </a:xfrm>
-            <a:prstGeom prst="rect">
-              <a:avLst/>
-            </a:prstGeom>
-            <a:solidFill>
-              <a:schemeClr val="lt2"/>
-            </a:solidFill>
-            <a:ln w="9525" cap="flat" cmpd="sng">
-              <a:solidFill>
-                <a:schemeClr val="dk2"/>
-              </a:solidFill>
-              <a:prstDash val="solid"/>
-              <a:round/>
-              <a:headEnd type="none" w="sm" len="sm"/>
-              <a:tailEnd type="none" w="sm" len="sm"/>
-            </a:ln>
-          </p:spPr>
-          <p:txBody>
-            <a:bodyPr spcFirstLastPara="1" wrap="square" lIns="91425" tIns="91425" rIns="91425" bIns="91425" anchor="ctr" anchorCtr="0">
-              <a:noAutofit/>
-            </a:bodyPr>
-            <a:lstStyle/>
-            <a:p>
-              <a:pPr marL="0" lvl="0" indent="0" algn="ctr" rtl="0">
-                <a:spcBef>
-                  <a:spcPts val="0"/>
-                </a:spcBef>
-                <a:spcAft>
-                  <a:spcPts val="0"/>
-                </a:spcAft>
-                <a:buNone/>
-              </a:pPr>
-              <a:r>
-                <a:rPr lang="en"/>
-                <a:t>0</a:t>
-              </a:r>
-              <a:endParaRPr/>
-            </a:p>
-          </p:txBody>
-        </p:sp>
-        <p:sp>
-          <p:nvSpPr>
-            <p:cNvPr id="598" name="Google Shape;598;p20"/>
-            <p:cNvSpPr/>
-            <p:nvPr/>
-          </p:nvSpPr>
-          <p:spPr>
-            <a:xfrm>
-              <a:off x="6204000" y="1226350"/>
-              <a:ext cx="309600" cy="326400"/>
-            </a:xfrm>
-            <a:prstGeom prst="rect">
-              <a:avLst/>
-            </a:prstGeom>
-            <a:solidFill>
-              <a:schemeClr val="lt2"/>
-            </a:solidFill>
-            <a:ln w="9525" cap="flat" cmpd="sng">
-              <a:solidFill>
-                <a:schemeClr val="dk2"/>
-              </a:solidFill>
-              <a:prstDash val="solid"/>
-              <a:round/>
-              <a:headEnd type="none" w="sm" len="sm"/>
-              <a:tailEnd type="none" w="sm" len="sm"/>
-            </a:ln>
-          </p:spPr>
-          <p:txBody>
-            <a:bodyPr spcFirstLastPara="1" wrap="square" lIns="91425" tIns="91425" rIns="91425" bIns="91425" anchor="ctr" anchorCtr="0">
-              <a:noAutofit/>
-            </a:bodyPr>
-            <a:lstStyle/>
-            <a:p>
-              <a:pPr marL="0" lvl="0" indent="0" algn="ctr" rtl="0">
-                <a:spcBef>
-                  <a:spcPts val="0"/>
-                </a:spcBef>
-                <a:spcAft>
-                  <a:spcPts val="0"/>
-                </a:spcAft>
-                <a:buNone/>
-              </a:pPr>
-              <a:r>
-                <a:rPr lang="en"/>
-                <a:t>0</a:t>
-              </a:r>
-              <a:endParaRPr/>
-            </a:p>
-          </p:txBody>
-        </p:sp>
-        <p:sp>
-          <p:nvSpPr>
-            <p:cNvPr id="600" name="Google Shape;600;p20"/>
-            <p:cNvSpPr/>
-            <p:nvPr/>
-          </p:nvSpPr>
-          <p:spPr>
-            <a:xfrm>
-              <a:off x="6532075" y="1226350"/>
-              <a:ext cx="309600" cy="326400"/>
-            </a:xfrm>
-            <a:prstGeom prst="rect">
-              <a:avLst/>
-            </a:prstGeom>
-            <a:solidFill>
-              <a:schemeClr val="lt2"/>
-            </a:solidFill>
-            <a:ln w="9525" cap="flat" cmpd="sng">
-              <a:solidFill>
-                <a:schemeClr val="dk2"/>
-              </a:solidFill>
-              <a:prstDash val="solid"/>
-              <a:round/>
-              <a:headEnd type="none" w="sm" len="sm"/>
-              <a:tailEnd type="none" w="sm" len="sm"/>
-            </a:ln>
-          </p:spPr>
-          <p:txBody>
-            <a:bodyPr spcFirstLastPara="1" wrap="square" lIns="91425" tIns="91425" rIns="91425" bIns="91425" anchor="ctr" anchorCtr="0">
-              <a:noAutofit/>
-            </a:bodyPr>
-            <a:lstStyle/>
-            <a:p>
-              <a:pPr marL="0" lvl="0" indent="0" algn="ctr" rtl="0">
-                <a:spcBef>
-                  <a:spcPts val="0"/>
-                </a:spcBef>
-                <a:spcAft>
-                  <a:spcPts val="0"/>
-                </a:spcAft>
-                <a:buNone/>
-              </a:pPr>
-              <a:r>
-                <a:rPr lang="en"/>
-                <a:t>0</a:t>
-              </a:r>
-              <a:endParaRPr/>
-            </a:p>
-          </p:txBody>
-        </p:sp>
-      </p:grpSp>
-      <p:grpSp>
-        <p:nvGrpSpPr>
-          <p:cNvPr id="611" name="Google Shape;611;p20"/>
-          <p:cNvGrpSpPr/>
-          <p:nvPr/>
-        </p:nvGrpSpPr>
-        <p:grpSpPr>
-          <a:xfrm>
-            <a:off x="2382300" y="2600725"/>
-            <a:ext cx="1293850" cy="326400"/>
-            <a:chOff x="5547825" y="1226350"/>
-            <a:chExt cx="1293850" cy="326400"/>
-          </a:xfrm>
-        </p:grpSpPr>
-        <p:sp>
-          <p:nvSpPr>
-            <p:cNvPr id="612" name="Google Shape;612;p20"/>
-            <p:cNvSpPr/>
-            <p:nvPr/>
-          </p:nvSpPr>
-          <p:spPr>
-            <a:xfrm>
-              <a:off x="5547825" y="1226350"/>
-              <a:ext cx="309600" cy="326400"/>
-            </a:xfrm>
-            <a:prstGeom prst="rect">
-              <a:avLst/>
-            </a:prstGeom>
-            <a:solidFill>
-              <a:schemeClr val="lt2"/>
-            </a:solidFill>
-            <a:ln w="9525" cap="flat" cmpd="sng">
-              <a:solidFill>
-                <a:schemeClr val="dk2"/>
-              </a:solidFill>
-              <a:prstDash val="solid"/>
-              <a:round/>
-              <a:headEnd type="none" w="sm" len="sm"/>
-              <a:tailEnd type="none" w="sm" len="sm"/>
-            </a:ln>
-          </p:spPr>
-          <p:txBody>
-            <a:bodyPr spcFirstLastPara="1" wrap="square" lIns="91425" tIns="91425" rIns="91425" bIns="91425" anchor="ctr" anchorCtr="0">
-              <a:noAutofit/>
-            </a:bodyPr>
-            <a:lstStyle/>
-            <a:p>
-              <a:pPr marL="0" lvl="0" indent="0" algn="l" rtl="0">
-                <a:spcBef>
-                  <a:spcPts val="0"/>
-                </a:spcBef>
-                <a:spcAft>
-                  <a:spcPts val="0"/>
-                </a:spcAft>
-                <a:buNone/>
-              </a:pPr>
-              <a:r>
-                <a:rPr lang="en"/>
-                <a:t>1</a:t>
-              </a:r>
-              <a:endParaRPr/>
-            </a:p>
-          </p:txBody>
-        </p:sp>
-        <p:sp>
-          <p:nvSpPr>
-            <p:cNvPr id="613" name="Google Shape;613;p20"/>
-            <p:cNvSpPr/>
-            <p:nvPr/>
-          </p:nvSpPr>
-          <p:spPr>
-            <a:xfrm>
-              <a:off x="5875913" y="1226350"/>
-              <a:ext cx="309600" cy="326400"/>
-            </a:xfrm>
-            <a:prstGeom prst="rect">
-              <a:avLst/>
-            </a:prstGeom>
-            <a:solidFill>
-              <a:schemeClr val="lt2"/>
-            </a:solidFill>
-            <a:ln w="9525" cap="flat" cmpd="sng">
-              <a:solidFill>
-                <a:schemeClr val="dk2"/>
-              </a:solidFill>
-              <a:prstDash val="solid"/>
-              <a:round/>
-              <a:headEnd type="none" w="sm" len="sm"/>
-              <a:tailEnd type="none" w="sm" len="sm"/>
-            </a:ln>
-          </p:spPr>
-          <p:txBody>
-            <a:bodyPr spcFirstLastPara="1" wrap="square" lIns="91425" tIns="91425" rIns="91425" bIns="91425" anchor="ctr" anchorCtr="0">
-              <a:noAutofit/>
-            </a:bodyPr>
-            <a:lstStyle/>
-            <a:p>
-              <a:pPr marL="0" lvl="0" indent="0" algn="ctr" rtl="0">
-                <a:spcBef>
-                  <a:spcPts val="0"/>
-                </a:spcBef>
-                <a:spcAft>
-                  <a:spcPts val="0"/>
-                </a:spcAft>
-                <a:buNone/>
-              </a:pPr>
-              <a:r>
-                <a:rPr lang="en"/>
-                <a:t>1</a:t>
-              </a:r>
-              <a:endParaRPr/>
-            </a:p>
-          </p:txBody>
-        </p:sp>
-        <p:sp>
-          <p:nvSpPr>
-            <p:cNvPr id="614" name="Google Shape;614;p20"/>
-            <p:cNvSpPr/>
-            <p:nvPr/>
-          </p:nvSpPr>
-          <p:spPr>
-            <a:xfrm>
-              <a:off x="6204000" y="1226350"/>
-              <a:ext cx="309600" cy="326400"/>
-            </a:xfrm>
-            <a:prstGeom prst="rect">
-              <a:avLst/>
-            </a:prstGeom>
-            <a:solidFill>
-              <a:schemeClr val="lt2"/>
-            </a:solidFill>
-            <a:ln w="9525" cap="flat" cmpd="sng">
-              <a:solidFill>
-                <a:schemeClr val="dk2"/>
-              </a:solidFill>
-              <a:prstDash val="solid"/>
-              <a:round/>
-              <a:headEnd type="none" w="sm" len="sm"/>
-              <a:tailEnd type="none" w="sm" len="sm"/>
-            </a:ln>
-          </p:spPr>
-          <p:txBody>
-            <a:bodyPr spcFirstLastPara="1" wrap="square" lIns="91425" tIns="91425" rIns="91425" bIns="91425" anchor="ctr" anchorCtr="0">
-              <a:noAutofit/>
-            </a:bodyPr>
-            <a:lstStyle/>
-            <a:p>
-              <a:pPr marL="0" lvl="0" indent="0" algn="ctr" rtl="0">
-                <a:spcBef>
-                  <a:spcPts val="0"/>
-                </a:spcBef>
-                <a:spcAft>
-                  <a:spcPts val="0"/>
-                </a:spcAft>
-                <a:buNone/>
-              </a:pPr>
-              <a:r>
-                <a:rPr lang="en"/>
-                <a:t>1</a:t>
-              </a:r>
-              <a:endParaRPr/>
-            </a:p>
-          </p:txBody>
-        </p:sp>
-        <p:sp>
-          <p:nvSpPr>
-            <p:cNvPr id="615" name="Google Shape;615;p20"/>
-            <p:cNvSpPr/>
-            <p:nvPr/>
-          </p:nvSpPr>
-          <p:spPr>
-            <a:xfrm>
-              <a:off x="6532075" y="1226350"/>
-              <a:ext cx="309600" cy="326400"/>
-            </a:xfrm>
-            <a:prstGeom prst="rect">
-              <a:avLst/>
-            </a:prstGeom>
-            <a:solidFill>
-              <a:schemeClr val="lt2"/>
-            </a:solidFill>
-            <a:ln w="9525" cap="flat" cmpd="sng">
-              <a:solidFill>
-                <a:schemeClr val="dk2"/>
-              </a:solidFill>
-              <a:prstDash val="solid"/>
-              <a:round/>
-              <a:headEnd type="none" w="sm" len="sm"/>
-              <a:tailEnd type="none" w="sm" len="sm"/>
-            </a:ln>
-          </p:spPr>
-          <p:txBody>
-            <a:bodyPr spcFirstLastPara="1" wrap="square" lIns="91425" tIns="91425" rIns="91425" bIns="91425" anchor="ctr" anchorCtr="0">
-              <a:noAutofit/>
-            </a:bodyPr>
-            <a:lstStyle/>
-            <a:p>
-              <a:pPr marL="0" lvl="0" indent="0" algn="l" rtl="0">
-                <a:spcBef>
-                  <a:spcPts val="0"/>
-                </a:spcBef>
-                <a:spcAft>
-                  <a:spcPts val="0"/>
-                </a:spcAft>
-                <a:buNone/>
-              </a:pPr>
-              <a:r>
-                <a:rPr lang="en"/>
-                <a:t>1</a:t>
-              </a:r>
-              <a:endParaRPr/>
-            </a:p>
-          </p:txBody>
-        </p:sp>
-      </p:grpSp>
-      <p:grpSp>
-        <p:nvGrpSpPr>
-          <p:cNvPr id="616" name="Google Shape;616;p20"/>
-          <p:cNvGrpSpPr/>
-          <p:nvPr/>
-        </p:nvGrpSpPr>
-        <p:grpSpPr>
-          <a:xfrm>
-            <a:off x="1003775" y="2600725"/>
-            <a:ext cx="1293850" cy="326400"/>
-            <a:chOff x="5547825" y="1226350"/>
-            <a:chExt cx="1293850" cy="326400"/>
-          </a:xfrm>
-        </p:grpSpPr>
-        <p:sp>
-          <p:nvSpPr>
-            <p:cNvPr id="582" name="Google Shape;582;p20"/>
-            <p:cNvSpPr/>
-            <p:nvPr/>
-          </p:nvSpPr>
-          <p:spPr>
-            <a:xfrm>
-              <a:off x="5547825" y="1226350"/>
-              <a:ext cx="309600" cy="326400"/>
-            </a:xfrm>
-            <a:prstGeom prst="rect">
-              <a:avLst/>
-            </a:prstGeom>
-            <a:solidFill>
-              <a:schemeClr val="lt2"/>
-            </a:solidFill>
-            <a:ln w="9525" cap="flat" cmpd="sng">
-              <a:solidFill>
-                <a:schemeClr val="dk2"/>
-              </a:solidFill>
-              <a:prstDash val="solid"/>
-              <a:round/>
-              <a:headEnd type="none" w="sm" len="sm"/>
-              <a:tailEnd type="none" w="sm" len="sm"/>
-            </a:ln>
-          </p:spPr>
-          <p:txBody>
-            <a:bodyPr spcFirstLastPara="1" wrap="square" lIns="91425" tIns="91425" rIns="91425" bIns="91425" anchor="ctr" anchorCtr="0">
-              <a:noAutofit/>
-            </a:bodyPr>
-            <a:lstStyle/>
-            <a:p>
-              <a:pPr marL="0" lvl="0" indent="0" algn="ctr" rtl="0">
-                <a:spcBef>
-                  <a:spcPts val="0"/>
-                </a:spcBef>
-                <a:spcAft>
-                  <a:spcPts val="0"/>
-                </a:spcAft>
-                <a:buNone/>
-              </a:pPr>
-              <a:r>
-                <a:rPr lang="en"/>
-                <a:t>0</a:t>
-              </a:r>
-              <a:endParaRPr/>
-            </a:p>
-          </p:txBody>
-        </p:sp>
-        <p:sp>
-          <p:nvSpPr>
-            <p:cNvPr id="584" name="Google Shape;584;p20"/>
-            <p:cNvSpPr/>
-            <p:nvPr/>
-          </p:nvSpPr>
-          <p:spPr>
-            <a:xfrm>
-              <a:off x="5875913" y="1226350"/>
-              <a:ext cx="309600" cy="326400"/>
-            </a:xfrm>
-            <a:prstGeom prst="rect">
-              <a:avLst/>
-            </a:prstGeom>
-            <a:solidFill>
-              <a:schemeClr val="lt2"/>
-            </a:solidFill>
-            <a:ln w="9525" cap="flat" cmpd="sng">
-              <a:solidFill>
-                <a:schemeClr val="dk2"/>
-              </a:solidFill>
-              <a:prstDash val="solid"/>
-              <a:round/>
-              <a:headEnd type="none" w="sm" len="sm"/>
-              <a:tailEnd type="none" w="sm" len="sm"/>
-            </a:ln>
-          </p:spPr>
-          <p:txBody>
-            <a:bodyPr spcFirstLastPara="1" wrap="square" lIns="91425" tIns="91425" rIns="91425" bIns="91425" anchor="ctr" anchorCtr="0">
-              <a:noAutofit/>
-            </a:bodyPr>
-            <a:lstStyle/>
-            <a:p>
-              <a:pPr marL="0" lvl="0" indent="0" algn="ctr" rtl="0">
-                <a:spcBef>
-                  <a:spcPts val="0"/>
-                </a:spcBef>
-                <a:spcAft>
-                  <a:spcPts val="0"/>
-                </a:spcAft>
-                <a:buNone/>
-              </a:pPr>
-              <a:r>
-                <a:rPr lang="en"/>
-                <a:t>0</a:t>
-              </a:r>
-              <a:endParaRPr/>
-            </a:p>
-          </p:txBody>
-        </p:sp>
-        <p:sp>
-          <p:nvSpPr>
-            <p:cNvPr id="586" name="Google Shape;586;p20"/>
-            <p:cNvSpPr/>
-            <p:nvPr/>
-          </p:nvSpPr>
-          <p:spPr>
-            <a:xfrm>
-              <a:off x="6204000" y="1226350"/>
-              <a:ext cx="309600" cy="326400"/>
-            </a:xfrm>
-            <a:prstGeom prst="rect">
-              <a:avLst/>
-            </a:prstGeom>
-            <a:solidFill>
-              <a:schemeClr val="lt2"/>
-            </a:solidFill>
-            <a:ln w="9525" cap="flat" cmpd="sng">
-              <a:solidFill>
-                <a:schemeClr val="dk2"/>
-              </a:solidFill>
-              <a:prstDash val="solid"/>
-              <a:round/>
-              <a:headEnd type="none" w="sm" len="sm"/>
-              <a:tailEnd type="none" w="sm" len="sm"/>
-            </a:ln>
-          </p:spPr>
-          <p:txBody>
-            <a:bodyPr spcFirstLastPara="1" wrap="square" lIns="91425" tIns="91425" rIns="91425" bIns="91425" anchor="ctr" anchorCtr="0">
-              <a:noAutofit/>
-            </a:bodyPr>
-            <a:lstStyle/>
-            <a:p>
-              <a:pPr marL="0" lvl="0" indent="0" algn="ctr" rtl="0">
-                <a:spcBef>
-                  <a:spcPts val="0"/>
-                </a:spcBef>
-                <a:spcAft>
-                  <a:spcPts val="0"/>
-                </a:spcAft>
-                <a:buNone/>
-              </a:pPr>
-              <a:r>
-                <a:rPr lang="en"/>
-                <a:t>0</a:t>
-              </a:r>
-              <a:endParaRPr/>
-            </a:p>
-          </p:txBody>
-        </p:sp>
-        <p:sp>
-          <p:nvSpPr>
-            <p:cNvPr id="588" name="Google Shape;588;p20"/>
-            <p:cNvSpPr/>
-            <p:nvPr/>
-          </p:nvSpPr>
-          <p:spPr>
-            <a:xfrm>
-              <a:off x="6532075" y="1226350"/>
-              <a:ext cx="309600" cy="326400"/>
-            </a:xfrm>
-            <a:prstGeom prst="rect">
-              <a:avLst/>
-            </a:prstGeom>
-            <a:solidFill>
-              <a:schemeClr val="lt2"/>
-            </a:solidFill>
-            <a:ln w="9525" cap="flat" cmpd="sng">
-              <a:solidFill>
-                <a:schemeClr val="dk2"/>
-              </a:solidFill>
-              <a:prstDash val="solid"/>
-              <a:round/>
-              <a:headEnd type="none" w="sm" len="sm"/>
-              <a:tailEnd type="none" w="sm" len="sm"/>
-            </a:ln>
-          </p:spPr>
-          <p:txBody>
-            <a:bodyPr spcFirstLastPara="1" wrap="square" lIns="91425" tIns="91425" rIns="91425" bIns="91425" anchor="ctr" anchorCtr="0">
-              <a:noAutofit/>
-            </a:bodyPr>
-            <a:lstStyle/>
-            <a:p>
-              <a:pPr marL="0" lvl="0" indent="0" algn="ctr" rtl="0">
-                <a:spcBef>
-                  <a:spcPts val="0"/>
-                </a:spcBef>
-                <a:spcAft>
-                  <a:spcPts val="0"/>
-                </a:spcAft>
-                <a:buNone/>
-              </a:pPr>
-              <a:r>
-                <a:rPr lang="en"/>
-                <a:t>0</a:t>
-              </a:r>
-              <a:endParaRPr/>
-            </a:p>
-          </p:txBody>
-        </p:sp>
-      </p:grpSp>
-      <p:sp>
-        <p:nvSpPr>
-          <p:cNvPr id="617" name="Google Shape;617;p20"/>
-          <p:cNvSpPr txBox="1"/>
-          <p:nvPr/>
-        </p:nvSpPr>
-        <p:spPr>
-          <a:xfrm>
-            <a:off x="6512075" y="1970775"/>
-            <a:ext cx="338700" cy="400200"/>
-          </a:xfrm>
-          <a:prstGeom prst="rect">
-            <a:avLst/>
-          </a:prstGeom>
-          <a:noFill/>
-          <a:ln>
-            <a:noFill/>
-          </a:ln>
-        </p:spPr>
-        <p:txBody>
-          <a:bodyPr spcFirstLastPara="1" wrap="square" lIns="91425" tIns="91425" rIns="91425" bIns="91425" anchor="t" anchorCtr="0">
-            <a:spAutoFit/>
-          </a:bodyPr>
-          <a:lstStyle/>
-          <a:p>
-            <a:pPr marL="0" lvl="0" indent="0" algn="l" rtl="0">
-              <a:spcBef>
-                <a:spcPts val="0"/>
-              </a:spcBef>
-              <a:spcAft>
-                <a:spcPts val="0"/>
-              </a:spcAft>
-              <a:buNone/>
-            </a:pPr>
-            <a:r>
-              <a:rPr lang="en"/>
-              <a:t>A</a:t>
-            </a:r>
-            <a:endParaRPr/>
-          </a:p>
-        </p:txBody>
-      </p:sp>
-      <p:sp>
-        <p:nvSpPr>
-          <p:cNvPr id="618" name="Google Shape;618;p20"/>
-          <p:cNvSpPr txBox="1"/>
-          <p:nvPr/>
-        </p:nvSpPr>
-        <p:spPr>
-          <a:xfrm>
-            <a:off x="6512075" y="2563825"/>
-            <a:ext cx="861000" cy="400200"/>
-          </a:xfrm>
-          <a:prstGeom prst="rect">
-            <a:avLst/>
-          </a:prstGeom>
-          <a:noFill/>
-          <a:ln>
-            <a:noFill/>
-          </a:ln>
-        </p:spPr>
-        <p:txBody>
-          <a:bodyPr spcFirstLastPara="1" wrap="square" lIns="91425" tIns="91425" rIns="91425" bIns="91425" anchor="t" anchorCtr="0">
-            <a:normAutofit/>
-          </a:bodyPr>
-          <a:lstStyle/>
-          <a:p>
-            <a:pPr marL="0" lvl="0" indent="0" algn="l" rtl="0">
-              <a:spcBef>
-                <a:spcPts val="0"/>
-              </a:spcBef>
-              <a:spcAft>
-                <a:spcPts val="0"/>
-              </a:spcAft>
-              <a:buNone/>
-            </a:pPr>
-            <a:r>
-              <a:rPr lang="en"/>
-              <a:t>0x0F05</a:t>
-            </a:r>
-            <a:endParaRPr/>
-          </a:p>
-        </p:txBody>
-      </p:sp>
-      <p:sp>
-        <p:nvSpPr>
-          <p:cNvPr id="619" name="Google Shape;619;p20"/>
-          <p:cNvSpPr txBox="1"/>
-          <p:nvPr/>
-        </p:nvSpPr>
-        <p:spPr>
-          <a:xfrm>
-            <a:off x="6512075" y="3290475"/>
-            <a:ext cx="1293900" cy="400200"/>
-          </a:xfrm>
-          <a:prstGeom prst="rect">
-            <a:avLst/>
-          </a:prstGeom>
-          <a:noFill/>
-          <a:ln>
-            <a:noFill/>
-          </a:ln>
-        </p:spPr>
-        <p:txBody>
-          <a:bodyPr spcFirstLastPara="1" wrap="square" lIns="91425" tIns="91425" rIns="91425" bIns="91425" anchor="t" anchorCtr="0">
-            <a:noAutofit/>
-          </a:bodyPr>
-          <a:lstStyle/>
-          <a:p>
-            <a:pPr marL="0" lvl="0" indent="0" algn="l" rtl="0">
-              <a:spcBef>
-                <a:spcPts val="0"/>
-              </a:spcBef>
-              <a:spcAft>
-                <a:spcPts val="0"/>
-              </a:spcAft>
-              <a:buNone/>
-            </a:pPr>
-            <a:r>
-              <a:rPr lang="en"/>
-              <a:t>A &amp; 0x0F05</a:t>
-            </a:r>
-            <a:endParaRPr/>
-          </a:p>
-        </p:txBody>
-      </p:sp>
-      <p:grpSp>
-        <p:nvGrpSpPr>
-          <p:cNvPr id="620" name="Google Shape;620;p20"/>
-          <p:cNvGrpSpPr/>
-          <p:nvPr/>
-        </p:nvGrpSpPr>
-        <p:grpSpPr>
-          <a:xfrm>
-            <a:off x="5139350" y="4302225"/>
-            <a:ext cx="1293850" cy="326400"/>
-            <a:chOff x="5547825" y="1226350"/>
-            <a:chExt cx="1293850" cy="326400"/>
-          </a:xfrm>
-        </p:grpSpPr>
-        <p:sp>
-          <p:nvSpPr>
-            <p:cNvPr id="621" name="Google Shape;621;p20"/>
-            <p:cNvSpPr/>
-            <p:nvPr/>
-          </p:nvSpPr>
-          <p:spPr>
-            <a:xfrm>
-              <a:off x="5547825" y="1226350"/>
-              <a:ext cx="309600" cy="326400"/>
-            </a:xfrm>
-            <a:prstGeom prst="rect">
-              <a:avLst/>
-            </a:prstGeom>
-            <a:solidFill>
-              <a:schemeClr val="lt2"/>
-            </a:solidFill>
-            <a:ln w="9525" cap="flat" cmpd="sng">
-              <a:solidFill>
-                <a:schemeClr val="dk2"/>
-              </a:solidFill>
-              <a:prstDash val="solid"/>
-              <a:round/>
-              <a:headEnd type="none" w="sm" len="sm"/>
-              <a:tailEnd type="none" w="sm" len="sm"/>
-            </a:ln>
-          </p:spPr>
-          <p:txBody>
-            <a:bodyPr spcFirstLastPara="1" wrap="square" lIns="91425" tIns="91425" rIns="91425" bIns="91425" anchor="ctr" anchorCtr="0">
-              <a:noAutofit/>
-            </a:bodyPr>
-            <a:lstStyle/>
-            <a:p>
-              <a:pPr marL="0" lvl="0" indent="0" algn="ctr" rtl="0">
-                <a:spcBef>
-                  <a:spcPts val="0"/>
-                </a:spcBef>
-                <a:spcAft>
-                  <a:spcPts val="0"/>
-                </a:spcAft>
-                <a:buNone/>
-              </a:pPr>
-              <a:r>
-                <a:rPr lang="en"/>
-                <a:t>1</a:t>
-              </a:r>
-              <a:endParaRPr/>
-            </a:p>
-          </p:txBody>
-        </p:sp>
-        <p:sp>
-          <p:nvSpPr>
-            <p:cNvPr id="622" name="Google Shape;622;p20"/>
-            <p:cNvSpPr/>
-            <p:nvPr/>
-          </p:nvSpPr>
-          <p:spPr>
-            <a:xfrm>
-              <a:off x="5875913" y="1226350"/>
-              <a:ext cx="309600" cy="326400"/>
-            </a:xfrm>
-            <a:prstGeom prst="rect">
-              <a:avLst/>
-            </a:prstGeom>
-            <a:solidFill>
-              <a:schemeClr val="lt2"/>
-            </a:solidFill>
-            <a:ln w="9525" cap="flat" cmpd="sng">
-              <a:solidFill>
-                <a:schemeClr val="dk2"/>
-              </a:solidFill>
-              <a:prstDash val="solid"/>
-              <a:round/>
-              <a:headEnd type="none" w="sm" len="sm"/>
-              <a:tailEnd type="none" w="sm" len="sm"/>
-            </a:ln>
-          </p:spPr>
-          <p:txBody>
-            <a:bodyPr spcFirstLastPara="1" wrap="square" lIns="91425" tIns="91425" rIns="91425" bIns="91425" anchor="ctr" anchorCtr="0">
-              <a:noAutofit/>
-            </a:bodyPr>
-            <a:lstStyle/>
-            <a:p>
-              <a:pPr marL="0" lvl="0" indent="0" algn="ctr" rtl="0">
-                <a:spcBef>
-                  <a:spcPts val="0"/>
-                </a:spcBef>
-                <a:spcAft>
-                  <a:spcPts val="0"/>
-                </a:spcAft>
-                <a:buNone/>
-              </a:pPr>
-              <a:r>
-                <a:rPr lang="en"/>
-                <a:t>0</a:t>
-              </a:r>
-              <a:endParaRPr/>
-            </a:p>
-          </p:txBody>
-        </p:sp>
-        <p:sp>
-          <p:nvSpPr>
-            <p:cNvPr id="623" name="Google Shape;623;p20"/>
-            <p:cNvSpPr/>
-            <p:nvPr/>
-          </p:nvSpPr>
-          <p:spPr>
-            <a:xfrm>
-              <a:off x="6204000" y="1226350"/>
-              <a:ext cx="309600" cy="326400"/>
-            </a:xfrm>
-            <a:prstGeom prst="rect">
-              <a:avLst/>
-            </a:prstGeom>
-            <a:solidFill>
-              <a:schemeClr val="lt2"/>
-            </a:solidFill>
-            <a:ln w="9525" cap="flat" cmpd="sng">
-              <a:solidFill>
-                <a:schemeClr val="dk2"/>
-              </a:solidFill>
-              <a:prstDash val="solid"/>
-              <a:round/>
-              <a:headEnd type="none" w="sm" len="sm"/>
-              <a:tailEnd type="none" w="sm" len="sm"/>
-            </a:ln>
-          </p:spPr>
-          <p:txBody>
-            <a:bodyPr spcFirstLastPara="1" wrap="square" lIns="91425" tIns="91425" rIns="91425" bIns="91425" anchor="ctr" anchorCtr="0">
-              <a:noAutofit/>
-            </a:bodyPr>
-            <a:lstStyle/>
-            <a:p>
-              <a:pPr marL="0" lvl="0" indent="0" algn="ctr" rtl="0">
-                <a:spcBef>
-                  <a:spcPts val="0"/>
-                </a:spcBef>
-                <a:spcAft>
-                  <a:spcPts val="0"/>
-                </a:spcAft>
-                <a:buNone/>
-              </a:pPr>
-              <a:r>
-                <a:rPr lang="en"/>
-                <a:t>1</a:t>
-              </a:r>
-              <a:endParaRPr/>
-            </a:p>
-          </p:txBody>
-        </p:sp>
-        <p:sp>
-          <p:nvSpPr>
-            <p:cNvPr id="624" name="Google Shape;624;p20"/>
-            <p:cNvSpPr/>
-            <p:nvPr/>
-          </p:nvSpPr>
-          <p:spPr>
-            <a:xfrm>
-              <a:off x="6532075" y="1226350"/>
-              <a:ext cx="309600" cy="326400"/>
-            </a:xfrm>
-            <a:prstGeom prst="rect">
-              <a:avLst/>
-            </a:prstGeom>
-            <a:solidFill>
-              <a:schemeClr val="lt2"/>
-            </a:solidFill>
-            <a:ln w="9525" cap="flat" cmpd="sng">
-              <a:solidFill>
-                <a:schemeClr val="dk2"/>
-              </a:solidFill>
-              <a:prstDash val="solid"/>
-              <a:round/>
-              <a:headEnd type="none" w="sm" len="sm"/>
-              <a:tailEnd type="none" w="sm" len="sm"/>
-            </a:ln>
-          </p:spPr>
-          <p:txBody>
-            <a:bodyPr spcFirstLastPara="1" wrap="square" lIns="91425" tIns="91425" rIns="91425" bIns="91425" anchor="ctr" anchorCtr="0">
-              <a:noAutofit/>
-            </a:bodyPr>
-            <a:lstStyle/>
-            <a:p>
-              <a:pPr marL="0" lvl="0" indent="0" algn="ctr" rtl="0">
-                <a:spcBef>
-                  <a:spcPts val="0"/>
-                </a:spcBef>
-                <a:spcAft>
-                  <a:spcPts val="0"/>
-                </a:spcAft>
-                <a:buNone/>
-              </a:pPr>
-              <a:r>
-                <a:rPr lang="en"/>
-                <a:t>1</a:t>
-              </a:r>
-              <a:endParaRPr/>
-            </a:p>
-          </p:txBody>
-        </p:sp>
-      </p:grpSp>
-      <p:cxnSp>
-        <p:nvCxnSpPr>
-          <p:cNvPr id="625" name="Google Shape;625;p20"/>
-          <p:cNvCxnSpPr>
-            <a:stCxn id="572" idx="2"/>
-            <a:endCxn id="621" idx="0"/>
-          </p:cNvCxnSpPr>
-          <p:nvPr/>
-        </p:nvCxnSpPr>
-        <p:spPr>
-          <a:xfrm>
-            <a:off x="2537100" y="3690675"/>
-            <a:ext cx="2757000" cy="611700"/>
-          </a:xfrm>
-          <a:prstGeom prst="straightConnector1">
-            <a:avLst/>
-          </a:prstGeom>
-          <a:noFill/>
-          <a:ln w="9525" cap="flat" cmpd="sng">
-            <a:solidFill>
-              <a:schemeClr val="dk2"/>
-            </a:solidFill>
-            <a:prstDash val="solid"/>
-            <a:round/>
-            <a:headEnd type="none" w="med" len="med"/>
-            <a:tailEnd type="triangle" w="med" len="med"/>
-          </a:ln>
-        </p:spPr>
-      </p:cxnSp>
-      <p:cxnSp>
-        <p:nvCxnSpPr>
-          <p:cNvPr id="626" name="Google Shape;626;p20"/>
-          <p:cNvCxnSpPr>
-            <a:stCxn id="575" idx="2"/>
-            <a:endCxn id="624" idx="0"/>
-          </p:cNvCxnSpPr>
-          <p:nvPr/>
-        </p:nvCxnSpPr>
-        <p:spPr>
-          <a:xfrm>
-            <a:off x="3521350" y="3690675"/>
-            <a:ext cx="2757000" cy="611700"/>
-          </a:xfrm>
-          <a:prstGeom prst="straightConnector1">
-            <a:avLst/>
-          </a:prstGeom>
-          <a:noFill/>
-          <a:ln w="9525" cap="flat" cmpd="sng">
-            <a:solidFill>
-              <a:schemeClr val="dk2"/>
-            </a:solidFill>
-            <a:prstDash val="solid"/>
-            <a:round/>
-            <a:headEnd type="none" w="med" len="med"/>
-            <a:tailEnd type="triangle" w="med" len="med"/>
-          </a:ln>
-        </p:spPr>
-      </p:cxnSp>
-      <p:cxnSp>
-        <p:nvCxnSpPr>
-          <p:cNvPr id="627" name="Google Shape;627;p20"/>
-          <p:cNvCxnSpPr>
-            <a:stCxn id="574" idx="2"/>
-            <a:endCxn id="623" idx="0"/>
-          </p:cNvCxnSpPr>
-          <p:nvPr/>
-        </p:nvCxnSpPr>
-        <p:spPr>
-          <a:xfrm>
-            <a:off x="3193275" y="3690675"/>
-            <a:ext cx="2757000" cy="611700"/>
-          </a:xfrm>
-          <a:prstGeom prst="straightConnector1">
-            <a:avLst/>
-          </a:prstGeom>
-          <a:noFill/>
-          <a:ln w="9525" cap="flat" cmpd="sng">
-            <a:solidFill>
-              <a:schemeClr val="dk2"/>
-            </a:solidFill>
-            <a:prstDash val="solid"/>
-            <a:round/>
-            <a:headEnd type="none" w="med" len="med"/>
-            <a:tailEnd type="triangle" w="med" len="med"/>
-          </a:ln>
-        </p:spPr>
-      </p:cxnSp>
-      <p:cxnSp>
-        <p:nvCxnSpPr>
-          <p:cNvPr id="628" name="Google Shape;628;p20"/>
-          <p:cNvCxnSpPr>
-            <a:stCxn id="573" idx="2"/>
-            <a:endCxn id="622" idx="0"/>
-          </p:cNvCxnSpPr>
-          <p:nvPr/>
-        </p:nvCxnSpPr>
-        <p:spPr>
-          <a:xfrm>
-            <a:off x="2865188" y="3690675"/>
-            <a:ext cx="2757000" cy="611700"/>
-          </a:xfrm>
-          <a:prstGeom prst="straightConnector1">
-            <a:avLst/>
-          </a:prstGeom>
-          <a:noFill/>
-          <a:ln w="9525" cap="flat" cmpd="sng">
-            <a:solidFill>
-              <a:schemeClr val="dk2"/>
-            </a:solidFill>
-            <a:prstDash val="solid"/>
-            <a:round/>
-            <a:headEnd type="none" w="med" len="med"/>
-            <a:tailEnd type="triangle" w="med" len="med"/>
-          </a:ln>
-        </p:spPr>
-      </p:cxnSp>
-      <p:sp>
-        <p:nvSpPr>
-          <p:cNvPr id="629" name="Google Shape;629;p20"/>
-          <p:cNvSpPr txBox="1"/>
-          <p:nvPr/>
-        </p:nvSpPr>
-        <p:spPr>
-          <a:xfrm>
-            <a:off x="6512075" y="4302225"/>
-            <a:ext cx="1744200" cy="400200"/>
-          </a:xfrm>
-          <a:prstGeom prst="rect">
-            <a:avLst/>
-          </a:prstGeom>
-          <a:noFill/>
-          <a:ln>
-            <a:noFill/>
-          </a:ln>
-        </p:spPr>
-        <p:txBody>
-          <a:bodyPr spcFirstLastPara="1" wrap="square" lIns="91425" tIns="91425" rIns="91425" bIns="91425" anchor="t" anchorCtr="0">
-            <a:noAutofit/>
-          </a:bodyPr>
-          <a:lstStyle/>
-          <a:p>
-            <a:pPr marL="0" lvl="0" indent="0" algn="l" rtl="0">
-              <a:spcBef>
-                <a:spcPts val="0"/>
-              </a:spcBef>
-              <a:spcAft>
-                <a:spcPts val="0"/>
-              </a:spcAft>
-              <a:buNone/>
-            </a:pPr>
-            <a:r>
-              <a:rPr lang="en"/>
-              <a:t>(A &amp; 0x0F05) &gt;&gt; 8</a:t>
-            </a:r>
-            <a:endParaRPr/>
-          </a:p>
-        </p:txBody>
-      </p:sp>
-      <p:grpSp>
-        <p:nvGrpSpPr>
-          <p:cNvPr id="630" name="Google Shape;630;p20"/>
-          <p:cNvGrpSpPr/>
-          <p:nvPr/>
-        </p:nvGrpSpPr>
-        <p:grpSpPr>
-          <a:xfrm>
-            <a:off x="3755025" y="4302225"/>
-            <a:ext cx="1293850" cy="326400"/>
-            <a:chOff x="5547825" y="1226350"/>
-            <a:chExt cx="1293850" cy="326400"/>
-          </a:xfrm>
-        </p:grpSpPr>
-        <p:sp>
-          <p:nvSpPr>
-            <p:cNvPr id="631" name="Google Shape;631;p20"/>
-            <p:cNvSpPr/>
-            <p:nvPr/>
-          </p:nvSpPr>
-          <p:spPr>
-            <a:xfrm>
-              <a:off x="5547825" y="1226350"/>
-              <a:ext cx="309600" cy="326400"/>
-            </a:xfrm>
-            <a:prstGeom prst="rect">
-              <a:avLst/>
-            </a:prstGeom>
-            <a:solidFill>
-              <a:schemeClr val="lt2"/>
-            </a:solidFill>
-            <a:ln w="9525" cap="flat" cmpd="sng">
-              <a:solidFill>
-                <a:schemeClr val="dk2"/>
-              </a:solidFill>
-              <a:prstDash val="solid"/>
-              <a:round/>
-              <a:headEnd type="none" w="sm" len="sm"/>
-              <a:tailEnd type="none" w="sm" len="sm"/>
-            </a:ln>
-          </p:spPr>
-          <p:txBody>
-            <a:bodyPr spcFirstLastPara="1" wrap="square" lIns="91425" tIns="91425" rIns="91425" bIns="91425" anchor="ctr" anchorCtr="0">
-              <a:noAutofit/>
-            </a:bodyPr>
-            <a:lstStyle/>
-            <a:p>
-              <a:pPr marL="0" lvl="0" indent="0" algn="ctr" rtl="0">
-                <a:spcBef>
-                  <a:spcPts val="0"/>
-                </a:spcBef>
-                <a:spcAft>
-                  <a:spcPts val="0"/>
-                </a:spcAft>
-                <a:buNone/>
-              </a:pPr>
-              <a:r>
-                <a:rPr lang="en"/>
-                <a:t>0</a:t>
-              </a:r>
-              <a:endParaRPr/>
-            </a:p>
-          </p:txBody>
-        </p:sp>
-        <p:sp>
-          <p:nvSpPr>
-            <p:cNvPr id="632" name="Google Shape;632;p20"/>
-            <p:cNvSpPr/>
-            <p:nvPr/>
-          </p:nvSpPr>
-          <p:spPr>
-            <a:xfrm>
-              <a:off x="5875913" y="1226350"/>
-              <a:ext cx="309600" cy="326400"/>
-            </a:xfrm>
-            <a:prstGeom prst="rect">
-              <a:avLst/>
-            </a:prstGeom>
-            <a:solidFill>
-              <a:schemeClr val="lt2"/>
-            </a:solidFill>
-            <a:ln w="9525" cap="flat" cmpd="sng">
-              <a:solidFill>
-                <a:schemeClr val="dk2"/>
-              </a:solidFill>
-              <a:prstDash val="solid"/>
-              <a:round/>
-              <a:headEnd type="none" w="sm" len="sm"/>
-              <a:tailEnd type="none" w="sm" len="sm"/>
-            </a:ln>
-          </p:spPr>
-          <p:txBody>
-            <a:bodyPr spcFirstLastPara="1" wrap="square" lIns="91425" tIns="91425" rIns="91425" bIns="91425" anchor="ctr" anchorCtr="0">
-              <a:noAutofit/>
-            </a:bodyPr>
-            <a:lstStyle/>
-            <a:p>
-              <a:pPr marL="0" lvl="0" indent="0" algn="ctr" rtl="0">
-                <a:spcBef>
-                  <a:spcPts val="0"/>
-                </a:spcBef>
-                <a:spcAft>
-                  <a:spcPts val="0"/>
-                </a:spcAft>
-                <a:buNone/>
-              </a:pPr>
-              <a:r>
-                <a:rPr lang="en"/>
-                <a:t>0</a:t>
-              </a:r>
-              <a:endParaRPr/>
-            </a:p>
-          </p:txBody>
-        </p:sp>
-        <p:sp>
-          <p:nvSpPr>
-            <p:cNvPr id="633" name="Google Shape;633;p20"/>
-            <p:cNvSpPr/>
-            <p:nvPr/>
-          </p:nvSpPr>
-          <p:spPr>
-            <a:xfrm>
-              <a:off x="6204000" y="1226350"/>
-              <a:ext cx="309600" cy="326400"/>
-            </a:xfrm>
-            <a:prstGeom prst="rect">
-              <a:avLst/>
-            </a:prstGeom>
-            <a:solidFill>
-              <a:schemeClr val="lt2"/>
-            </a:solidFill>
-            <a:ln w="9525" cap="flat" cmpd="sng">
-              <a:solidFill>
-                <a:schemeClr val="dk2"/>
-              </a:solidFill>
-              <a:prstDash val="solid"/>
-              <a:round/>
-              <a:headEnd type="none" w="sm" len="sm"/>
-              <a:tailEnd type="none" w="sm" len="sm"/>
-            </a:ln>
-          </p:spPr>
-          <p:txBody>
-            <a:bodyPr spcFirstLastPara="1" wrap="square" lIns="91425" tIns="91425" rIns="91425" bIns="91425" anchor="ctr" anchorCtr="0">
-              <a:noAutofit/>
-            </a:bodyPr>
-            <a:lstStyle/>
-            <a:p>
-              <a:pPr marL="0" lvl="0" indent="0" algn="ctr" rtl="0">
-                <a:spcBef>
-                  <a:spcPts val="0"/>
-                </a:spcBef>
-                <a:spcAft>
-                  <a:spcPts val="0"/>
-                </a:spcAft>
-                <a:buNone/>
-              </a:pPr>
-              <a:r>
-                <a:rPr lang="en"/>
-                <a:t>0</a:t>
-              </a:r>
-              <a:endParaRPr/>
-            </a:p>
-          </p:txBody>
-        </p:sp>
-        <p:sp>
-          <p:nvSpPr>
-            <p:cNvPr id="634" name="Google Shape;634;p20"/>
-            <p:cNvSpPr/>
-            <p:nvPr/>
-          </p:nvSpPr>
-          <p:spPr>
-            <a:xfrm>
-              <a:off x="6532075" y="1226350"/>
-              <a:ext cx="309600" cy="326400"/>
-            </a:xfrm>
-            <a:prstGeom prst="rect">
-              <a:avLst/>
-            </a:prstGeom>
-            <a:solidFill>
-              <a:schemeClr val="lt2"/>
-            </a:solidFill>
-            <a:ln w="9525" cap="flat" cmpd="sng">
-              <a:solidFill>
-                <a:schemeClr val="dk2"/>
-              </a:solidFill>
-              <a:prstDash val="solid"/>
-              <a:round/>
-              <a:headEnd type="none" w="sm" len="sm"/>
-              <a:tailEnd type="none" w="sm" len="sm"/>
-            </a:ln>
-          </p:spPr>
-          <p:txBody>
-            <a:bodyPr spcFirstLastPara="1" wrap="square" lIns="91425" tIns="91425" rIns="91425" bIns="91425" anchor="ctr" anchorCtr="0">
-              <a:noAutofit/>
-            </a:bodyPr>
-            <a:lstStyle/>
-            <a:p>
-              <a:pPr marL="0" lvl="0" indent="0" algn="ctr" rtl="0">
-                <a:spcBef>
-                  <a:spcPts val="0"/>
-                </a:spcBef>
-                <a:spcAft>
-                  <a:spcPts val="0"/>
-                </a:spcAft>
-                <a:buNone/>
-              </a:pPr>
-              <a:r>
-                <a:rPr lang="en"/>
-                <a:t>0</a:t>
-              </a:r>
-              <a:endParaRPr/>
-            </a:p>
-          </p:txBody>
-        </p:sp>
-      </p:grpSp>
-      <p:grpSp>
-        <p:nvGrpSpPr>
-          <p:cNvPr id="635" name="Google Shape;635;p20"/>
-          <p:cNvGrpSpPr/>
-          <p:nvPr/>
-        </p:nvGrpSpPr>
-        <p:grpSpPr>
-          <a:xfrm>
-            <a:off x="2370700" y="4302225"/>
-            <a:ext cx="1293850" cy="326400"/>
-            <a:chOff x="5547825" y="1226350"/>
-            <a:chExt cx="1293850" cy="326400"/>
-          </a:xfrm>
-        </p:grpSpPr>
-        <p:sp>
-          <p:nvSpPr>
-            <p:cNvPr id="636" name="Google Shape;636;p20"/>
-            <p:cNvSpPr/>
-            <p:nvPr/>
-          </p:nvSpPr>
-          <p:spPr>
-            <a:xfrm>
-              <a:off x="5547825" y="1226350"/>
-              <a:ext cx="309600" cy="326400"/>
-            </a:xfrm>
-            <a:prstGeom prst="rect">
-              <a:avLst/>
-            </a:prstGeom>
-            <a:solidFill>
-              <a:schemeClr val="lt2"/>
-            </a:solidFill>
-            <a:ln w="9525" cap="flat" cmpd="sng">
-              <a:solidFill>
-                <a:schemeClr val="dk2"/>
-              </a:solidFill>
-              <a:prstDash val="solid"/>
-              <a:round/>
-              <a:headEnd type="none" w="sm" len="sm"/>
-              <a:tailEnd type="none" w="sm" len="sm"/>
-            </a:ln>
-          </p:spPr>
-          <p:txBody>
-            <a:bodyPr spcFirstLastPara="1" wrap="square" lIns="91425" tIns="91425" rIns="91425" bIns="91425" anchor="ctr" anchorCtr="0">
-              <a:noAutofit/>
-            </a:bodyPr>
-            <a:lstStyle/>
-            <a:p>
-              <a:pPr marL="0" lvl="0" indent="0" algn="ctr" rtl="0">
-                <a:spcBef>
-                  <a:spcPts val="0"/>
-                </a:spcBef>
-                <a:spcAft>
-                  <a:spcPts val="0"/>
-                </a:spcAft>
-                <a:buNone/>
-              </a:pPr>
-              <a:r>
-                <a:rPr lang="en"/>
-                <a:t>0</a:t>
-              </a:r>
-              <a:endParaRPr/>
-            </a:p>
-          </p:txBody>
-        </p:sp>
-        <p:sp>
-          <p:nvSpPr>
-            <p:cNvPr id="637" name="Google Shape;637;p20"/>
-            <p:cNvSpPr/>
-            <p:nvPr/>
-          </p:nvSpPr>
-          <p:spPr>
-            <a:xfrm>
-              <a:off x="5875913" y="1226350"/>
-              <a:ext cx="309600" cy="326400"/>
-            </a:xfrm>
-            <a:prstGeom prst="rect">
-              <a:avLst/>
-            </a:prstGeom>
-            <a:solidFill>
-              <a:schemeClr val="lt2"/>
-            </a:solidFill>
-            <a:ln w="9525" cap="flat" cmpd="sng">
-              <a:solidFill>
-                <a:schemeClr val="dk2"/>
-              </a:solidFill>
-              <a:prstDash val="solid"/>
-              <a:round/>
-              <a:headEnd type="none" w="sm" len="sm"/>
-              <a:tailEnd type="none" w="sm" len="sm"/>
-            </a:ln>
-          </p:spPr>
-          <p:txBody>
-            <a:bodyPr spcFirstLastPara="1" wrap="square" lIns="91425" tIns="91425" rIns="91425" bIns="91425" anchor="ctr" anchorCtr="0">
-              <a:noAutofit/>
-            </a:bodyPr>
-            <a:lstStyle/>
-            <a:p>
-              <a:pPr marL="0" lvl="0" indent="0" algn="ctr" rtl="0">
-                <a:spcBef>
-                  <a:spcPts val="0"/>
-                </a:spcBef>
-                <a:spcAft>
-                  <a:spcPts val="0"/>
-                </a:spcAft>
-                <a:buNone/>
-              </a:pPr>
-              <a:r>
-                <a:rPr lang="en"/>
-                <a:t>0</a:t>
-              </a:r>
-              <a:endParaRPr/>
-            </a:p>
-          </p:txBody>
-        </p:sp>
-        <p:sp>
-          <p:nvSpPr>
-            <p:cNvPr id="638" name="Google Shape;638;p20"/>
-            <p:cNvSpPr/>
-            <p:nvPr/>
-          </p:nvSpPr>
-          <p:spPr>
-            <a:xfrm>
-              <a:off x="6204000" y="1226350"/>
-              <a:ext cx="309600" cy="326400"/>
-            </a:xfrm>
-            <a:prstGeom prst="rect">
-              <a:avLst/>
-            </a:prstGeom>
-            <a:solidFill>
-              <a:schemeClr val="lt2"/>
-            </a:solidFill>
-            <a:ln w="9525" cap="flat" cmpd="sng">
-              <a:solidFill>
-                <a:schemeClr val="dk2"/>
-              </a:solidFill>
-              <a:prstDash val="solid"/>
-              <a:round/>
-              <a:headEnd type="none" w="sm" len="sm"/>
-              <a:tailEnd type="none" w="sm" len="sm"/>
-            </a:ln>
-          </p:spPr>
-          <p:txBody>
-            <a:bodyPr spcFirstLastPara="1" wrap="square" lIns="91425" tIns="91425" rIns="91425" bIns="91425" anchor="ctr" anchorCtr="0">
-              <a:noAutofit/>
-            </a:bodyPr>
-            <a:lstStyle/>
-            <a:p>
-              <a:pPr marL="0" lvl="0" indent="0" algn="ctr" rtl="0">
-                <a:spcBef>
-                  <a:spcPts val="0"/>
-                </a:spcBef>
-                <a:spcAft>
-                  <a:spcPts val="0"/>
-                </a:spcAft>
-                <a:buNone/>
-              </a:pPr>
-              <a:r>
-                <a:rPr lang="en"/>
-                <a:t>0</a:t>
-              </a:r>
-              <a:endParaRPr/>
-            </a:p>
-          </p:txBody>
-        </p:sp>
-        <p:sp>
-          <p:nvSpPr>
-            <p:cNvPr id="639" name="Google Shape;639;p20"/>
-            <p:cNvSpPr/>
-            <p:nvPr/>
-          </p:nvSpPr>
-          <p:spPr>
-            <a:xfrm>
-              <a:off x="6532075" y="1226350"/>
-              <a:ext cx="309600" cy="326400"/>
-            </a:xfrm>
-            <a:prstGeom prst="rect">
-              <a:avLst/>
-            </a:prstGeom>
-            <a:solidFill>
-              <a:schemeClr val="lt2"/>
-            </a:solidFill>
-            <a:ln w="9525" cap="flat" cmpd="sng">
-              <a:solidFill>
-                <a:schemeClr val="dk2"/>
-              </a:solidFill>
-              <a:prstDash val="solid"/>
-              <a:round/>
-              <a:headEnd type="none" w="sm" len="sm"/>
-              <a:tailEnd type="none" w="sm" len="sm"/>
-            </a:ln>
-          </p:spPr>
-          <p:txBody>
-            <a:bodyPr spcFirstLastPara="1" wrap="square" lIns="91425" tIns="91425" rIns="91425" bIns="91425" anchor="ctr" anchorCtr="0">
-              <a:noAutofit/>
-            </a:bodyPr>
-            <a:lstStyle/>
-            <a:p>
-              <a:pPr marL="0" lvl="0" indent="0" algn="ctr" rtl="0">
-                <a:spcBef>
-                  <a:spcPts val="0"/>
-                </a:spcBef>
-                <a:spcAft>
-                  <a:spcPts val="0"/>
-                </a:spcAft>
-                <a:buNone/>
-              </a:pPr>
-              <a:r>
-                <a:rPr lang="en"/>
-                <a:t>0</a:t>
-              </a:r>
-              <a:endParaRPr/>
-            </a:p>
-          </p:txBody>
-        </p:sp>
-      </p:grpSp>
-      <p:grpSp>
-        <p:nvGrpSpPr>
-          <p:cNvPr id="640" name="Google Shape;640;p20"/>
-          <p:cNvGrpSpPr/>
-          <p:nvPr/>
-        </p:nvGrpSpPr>
-        <p:grpSpPr>
-          <a:xfrm>
-            <a:off x="986375" y="4302225"/>
-            <a:ext cx="1293850" cy="326400"/>
-            <a:chOff x="5547825" y="1226350"/>
-            <a:chExt cx="1293850" cy="326400"/>
-          </a:xfrm>
-        </p:grpSpPr>
-        <p:sp>
-          <p:nvSpPr>
-            <p:cNvPr id="641" name="Google Shape;641;p20"/>
-            <p:cNvSpPr/>
-            <p:nvPr/>
-          </p:nvSpPr>
-          <p:spPr>
-            <a:xfrm>
-              <a:off x="5547825" y="1226350"/>
-              <a:ext cx="309600" cy="326400"/>
-            </a:xfrm>
-            <a:prstGeom prst="rect">
-              <a:avLst/>
-            </a:prstGeom>
-            <a:solidFill>
-              <a:schemeClr val="lt2"/>
-            </a:solidFill>
-            <a:ln w="9525" cap="flat" cmpd="sng">
-              <a:solidFill>
-                <a:schemeClr val="dk2"/>
-              </a:solidFill>
-              <a:prstDash val="solid"/>
-              <a:round/>
-              <a:headEnd type="none" w="sm" len="sm"/>
-              <a:tailEnd type="none" w="sm" len="sm"/>
-            </a:ln>
-          </p:spPr>
-          <p:txBody>
-            <a:bodyPr spcFirstLastPara="1" wrap="square" lIns="91425" tIns="91425" rIns="91425" bIns="91425" anchor="ctr" anchorCtr="0">
-              <a:noAutofit/>
-            </a:bodyPr>
-            <a:lstStyle/>
-            <a:p>
-              <a:pPr marL="0" lvl="0" indent="0" algn="ctr" rtl="0">
-                <a:spcBef>
-                  <a:spcPts val="0"/>
-                </a:spcBef>
-                <a:spcAft>
-                  <a:spcPts val="0"/>
-                </a:spcAft>
-                <a:buNone/>
-              </a:pPr>
-              <a:r>
-                <a:rPr lang="en"/>
-                <a:t>0</a:t>
-              </a:r>
-              <a:endParaRPr/>
-            </a:p>
-          </p:txBody>
-        </p:sp>
-        <p:sp>
-          <p:nvSpPr>
-            <p:cNvPr id="642" name="Google Shape;642;p20"/>
-            <p:cNvSpPr/>
-            <p:nvPr/>
-          </p:nvSpPr>
-          <p:spPr>
-            <a:xfrm>
-              <a:off x="5875913" y="1226350"/>
-              <a:ext cx="309600" cy="326400"/>
-            </a:xfrm>
-            <a:prstGeom prst="rect">
-              <a:avLst/>
-            </a:prstGeom>
-            <a:solidFill>
-              <a:schemeClr val="lt2"/>
-            </a:solidFill>
-            <a:ln w="9525" cap="flat" cmpd="sng">
-              <a:solidFill>
-                <a:schemeClr val="dk2"/>
-              </a:solidFill>
-              <a:prstDash val="solid"/>
-              <a:round/>
-              <a:headEnd type="none" w="sm" len="sm"/>
-              <a:tailEnd type="none" w="sm" len="sm"/>
-            </a:ln>
-          </p:spPr>
-          <p:txBody>
-            <a:bodyPr spcFirstLastPara="1" wrap="square" lIns="91425" tIns="91425" rIns="91425" bIns="91425" anchor="ctr" anchorCtr="0">
-              <a:noAutofit/>
-            </a:bodyPr>
-            <a:lstStyle/>
-            <a:p>
-              <a:pPr marL="0" lvl="0" indent="0" algn="ctr" rtl="0">
-                <a:spcBef>
-                  <a:spcPts val="0"/>
-                </a:spcBef>
-                <a:spcAft>
-                  <a:spcPts val="0"/>
-                </a:spcAft>
-                <a:buNone/>
-              </a:pPr>
-              <a:r>
-                <a:rPr lang="en"/>
-                <a:t>0</a:t>
-              </a:r>
-              <a:endParaRPr/>
-            </a:p>
-          </p:txBody>
-        </p:sp>
-        <p:sp>
-          <p:nvSpPr>
-            <p:cNvPr id="643" name="Google Shape;643;p20"/>
-            <p:cNvSpPr/>
-            <p:nvPr/>
-          </p:nvSpPr>
-          <p:spPr>
-            <a:xfrm>
-              <a:off x="6204000" y="1226350"/>
-              <a:ext cx="309600" cy="326400"/>
-            </a:xfrm>
-            <a:prstGeom prst="rect">
-              <a:avLst/>
-            </a:prstGeom>
-            <a:solidFill>
-              <a:schemeClr val="lt2"/>
-            </a:solidFill>
-            <a:ln w="9525" cap="flat" cmpd="sng">
-              <a:solidFill>
-                <a:schemeClr val="dk2"/>
-              </a:solidFill>
-              <a:prstDash val="solid"/>
-              <a:round/>
-              <a:headEnd type="none" w="sm" len="sm"/>
-              <a:tailEnd type="none" w="sm" len="sm"/>
-            </a:ln>
-          </p:spPr>
-          <p:txBody>
-            <a:bodyPr spcFirstLastPara="1" wrap="square" lIns="91425" tIns="91425" rIns="91425" bIns="91425" anchor="ctr" anchorCtr="0">
-              <a:noAutofit/>
-            </a:bodyPr>
-            <a:lstStyle/>
-            <a:p>
-              <a:pPr marL="0" lvl="0" indent="0" algn="ctr" rtl="0">
-                <a:spcBef>
-                  <a:spcPts val="0"/>
-                </a:spcBef>
-                <a:spcAft>
-                  <a:spcPts val="0"/>
-                </a:spcAft>
-                <a:buNone/>
-              </a:pPr>
-              <a:r>
-                <a:rPr lang="en"/>
-                <a:t>0</a:t>
-              </a:r>
-              <a:endParaRPr/>
-            </a:p>
-          </p:txBody>
-        </p:sp>
-        <p:sp>
-          <p:nvSpPr>
-            <p:cNvPr id="644" name="Google Shape;644;p20"/>
-            <p:cNvSpPr/>
-            <p:nvPr/>
-          </p:nvSpPr>
-          <p:spPr>
-            <a:xfrm>
-              <a:off x="6532075" y="1226350"/>
-              <a:ext cx="309600" cy="326400"/>
-            </a:xfrm>
-            <a:prstGeom prst="rect">
-              <a:avLst/>
-            </a:prstGeom>
-            <a:solidFill>
-              <a:schemeClr val="lt2"/>
-            </a:solidFill>
-            <a:ln w="9525" cap="flat" cmpd="sng">
-              <a:solidFill>
-                <a:schemeClr val="dk2"/>
-              </a:solidFill>
-              <a:prstDash val="solid"/>
-              <a:round/>
-              <a:headEnd type="none" w="sm" len="sm"/>
-              <a:tailEnd type="none" w="sm" len="sm"/>
-            </a:ln>
-          </p:spPr>
-          <p:txBody>
-            <a:bodyPr spcFirstLastPara="1" wrap="square" lIns="91425" tIns="91425" rIns="91425" bIns="91425" anchor="ctr" anchorCtr="0">
-              <a:noAutofit/>
-            </a:bodyPr>
-            <a:lstStyle/>
-            <a:p>
-              <a:pPr marL="0" lvl="0" indent="0" algn="ctr" rtl="0">
-                <a:spcBef>
-                  <a:spcPts val="0"/>
-                </a:spcBef>
-                <a:spcAft>
-                  <a:spcPts val="0"/>
-                </a:spcAft>
-                <a:buNone/>
-              </a:pPr>
-              <a:r>
-                <a:rPr lang="en"/>
-                <a:t>0</a:t>
-              </a:r>
-              <a:endParaRPr/>
-            </a:p>
-          </p:txBody>
-        </p:sp>
-      </p:grpSp>
-      <p:sp>
-        <p:nvSpPr>
-          <p:cNvPr id="645" name="Google Shape;645;p20"/>
-          <p:cNvSpPr txBox="1"/>
-          <p:nvPr/>
-        </p:nvSpPr>
-        <p:spPr>
-          <a:xfrm flipH="1">
-            <a:off x="8168700" y="2289175"/>
-            <a:ext cx="663600" cy="400200"/>
-          </a:xfrm>
-          <a:prstGeom prst="rect">
-            <a:avLst/>
-          </a:prstGeom>
-          <a:noFill/>
-          <a:ln w="9525" cap="flat" cmpd="sng">
-            <a:solidFill>
-              <a:schemeClr val="dk2"/>
-            </a:solidFill>
-            <a:prstDash val="solid"/>
-            <a:round/>
-            <a:headEnd type="none" w="sm" len="sm"/>
-            <a:tailEnd type="none" w="sm" len="sm"/>
-          </a:ln>
-        </p:spPr>
-        <p:txBody>
-          <a:bodyPr spcFirstLastPara="1" wrap="square" lIns="91425" tIns="91425" rIns="91425" bIns="91425" anchor="t" anchorCtr="0">
-            <a:spAutoFit/>
-          </a:bodyPr>
-          <a:lstStyle/>
-          <a:p>
-            <a:pPr marL="0" lvl="0" indent="0" algn="ctr" rtl="0">
-              <a:spcBef>
-                <a:spcPts val="0"/>
-              </a:spcBef>
-              <a:spcAft>
-                <a:spcPts val="0"/>
-              </a:spcAft>
-              <a:buNone/>
-            </a:pPr>
-            <a:r>
-              <a:rPr lang="en"/>
-              <a:t>mask</a:t>
-            </a:r>
-            <a:endParaRPr/>
-          </a:p>
-        </p:txBody>
-      </p:sp>
-      <p:cxnSp>
-        <p:nvCxnSpPr>
-          <p:cNvPr id="646" name="Google Shape;646;p20"/>
-          <p:cNvCxnSpPr>
-            <a:stCxn id="645" idx="3"/>
-            <a:endCxn id="618" idx="3"/>
-          </p:cNvCxnSpPr>
-          <p:nvPr/>
-        </p:nvCxnSpPr>
-        <p:spPr>
-          <a:xfrm flipH="1">
-            <a:off x="7373100" y="2489275"/>
-            <a:ext cx="795600" cy="274800"/>
-          </a:xfrm>
-          <a:prstGeom prst="curvedConnector3">
-            <a:avLst>
-              <a:gd name="adj1" fmla="val 50002"/>
-            </a:avLst>
-          </a:prstGeom>
-          <a:noFill/>
-          <a:ln w="9525" cap="flat" cmpd="sng">
-            <a:solidFill>
-              <a:schemeClr val="dk2"/>
-            </a:solidFill>
-            <a:prstDash val="solid"/>
-            <a:round/>
-            <a:headEnd type="none" w="med" len="med"/>
-            <a:tailEnd type="triangle" w="med" len="med"/>
-          </a:ln>
-        </p:spPr>
-      </p:cxnSp>
-      <p:cxnSp>
-        <p:nvCxnSpPr>
-          <p:cNvPr id="647" name="Google Shape;647;p20"/>
-          <p:cNvCxnSpPr>
-            <a:stCxn id="580" idx="2"/>
-            <a:endCxn id="634" idx="0"/>
-          </p:cNvCxnSpPr>
-          <p:nvPr/>
-        </p:nvCxnSpPr>
-        <p:spPr>
-          <a:xfrm>
-            <a:off x="2142825" y="3690675"/>
-            <a:ext cx="2751300" cy="611700"/>
-          </a:xfrm>
-          <a:prstGeom prst="straightConnector1">
-            <a:avLst/>
-          </a:prstGeom>
-          <a:noFill/>
-          <a:ln w="9525" cap="flat" cmpd="sng">
-            <a:solidFill>
-              <a:schemeClr val="dk2"/>
-            </a:solidFill>
-            <a:prstDash val="solid"/>
-            <a:round/>
-            <a:headEnd type="none" w="med" len="med"/>
-            <a:tailEnd type="triangle" w="med" len="med"/>
-          </a:ln>
-        </p:spPr>
-      </p:cxnSp>
-      <p:cxnSp>
-        <p:nvCxnSpPr>
-          <p:cNvPr id="648" name="Google Shape;648;p20"/>
-          <p:cNvCxnSpPr>
-            <a:stCxn id="579" idx="2"/>
-            <a:endCxn id="633" idx="0"/>
-          </p:cNvCxnSpPr>
-          <p:nvPr/>
-        </p:nvCxnSpPr>
-        <p:spPr>
-          <a:xfrm>
-            <a:off x="1814750" y="3690675"/>
-            <a:ext cx="2751300" cy="611700"/>
-          </a:xfrm>
-          <a:prstGeom prst="straightConnector1">
-            <a:avLst/>
-          </a:prstGeom>
-          <a:noFill/>
-          <a:ln w="9525" cap="flat" cmpd="sng">
-            <a:solidFill>
-              <a:schemeClr val="dk2"/>
-            </a:solidFill>
-            <a:prstDash val="solid"/>
-            <a:round/>
-            <a:headEnd type="none" w="med" len="med"/>
-            <a:tailEnd type="triangle" w="med" len="med"/>
-          </a:ln>
-        </p:spPr>
-      </p:cxnSp>
-      <p:cxnSp>
-        <p:nvCxnSpPr>
-          <p:cNvPr id="649" name="Google Shape;649;p20"/>
-          <p:cNvCxnSpPr>
-            <a:stCxn id="578" idx="2"/>
-            <a:endCxn id="632" idx="0"/>
-          </p:cNvCxnSpPr>
-          <p:nvPr/>
-        </p:nvCxnSpPr>
-        <p:spPr>
-          <a:xfrm>
-            <a:off x="1486663" y="3690675"/>
-            <a:ext cx="2751300" cy="611700"/>
-          </a:xfrm>
-          <a:prstGeom prst="straightConnector1">
-            <a:avLst/>
-          </a:prstGeom>
-          <a:noFill/>
-          <a:ln w="9525" cap="flat" cmpd="sng">
-            <a:solidFill>
-              <a:schemeClr val="dk2"/>
-            </a:solidFill>
-            <a:prstDash val="solid"/>
-            <a:round/>
-            <a:headEnd type="none" w="med" len="med"/>
-            <a:tailEnd type="triangle" w="med" len="med"/>
-          </a:ln>
-        </p:spPr>
-      </p:cxnSp>
-      <p:cxnSp>
-        <p:nvCxnSpPr>
-          <p:cNvPr id="650" name="Google Shape;650;p20"/>
-          <p:cNvCxnSpPr>
-            <a:stCxn id="577" idx="2"/>
-            <a:endCxn id="631" idx="0"/>
-          </p:cNvCxnSpPr>
-          <p:nvPr/>
-        </p:nvCxnSpPr>
-        <p:spPr>
-          <a:xfrm>
-            <a:off x="1158575" y="3690675"/>
-            <a:ext cx="2751300" cy="611700"/>
-          </a:xfrm>
-          <a:prstGeom prst="straightConnector1">
-            <a:avLst/>
-          </a:prstGeom>
-          <a:noFill/>
-          <a:ln w="9525" cap="flat" cmpd="sng">
-            <a:solidFill>
-              <a:schemeClr val="dk2"/>
-            </a:solidFill>
-            <a:prstDash val="solid"/>
-            <a:round/>
-            <a:headEnd type="none" w="med" len="med"/>
-            <a:tailEnd type="triangle" w="med" len="med"/>
-          </a:ln>
-        </p:spPr>
-      </p:cxnSp>
-      <p:sp>
-        <p:nvSpPr>
-          <p:cNvPr id="651" name="Google Shape;651;p20"/>
-          <p:cNvSpPr/>
-          <p:nvPr/>
-        </p:nvSpPr>
-        <p:spPr>
-          <a:xfrm>
-            <a:off x="326927" y="4293441"/>
-            <a:ext cx="309600" cy="326400"/>
-          </a:xfrm>
-          <a:prstGeom prst="rect">
-            <a:avLst/>
-          </a:prstGeom>
-          <a:solidFill>
-            <a:schemeClr val="lt2"/>
-          </a:solidFill>
-          <a:ln w="9525" cap="flat" cmpd="sng">
-            <a:solidFill>
-              <a:schemeClr val="dk2"/>
-            </a:solidFill>
-            <a:prstDash val="solid"/>
-            <a:round/>
-            <a:headEnd type="none" w="sm" len="sm"/>
-            <a:tailEnd type="none" w="sm" len="sm"/>
-          </a:ln>
-        </p:spPr>
-        <p:txBody>
-          <a:bodyPr spcFirstLastPara="1" wrap="square" lIns="91425" tIns="91425" rIns="91425" bIns="91425" anchor="ctr" anchorCtr="0">
-            <a:noAutofit/>
-          </a:bodyPr>
-          <a:lstStyle/>
-          <a:p>
-            <a:pPr marL="0" lvl="0" indent="0" algn="ctr" rtl="0">
-              <a:spcBef>
-                <a:spcPts val="0"/>
-              </a:spcBef>
-              <a:spcAft>
-                <a:spcPts val="0"/>
-              </a:spcAft>
-              <a:buNone/>
-            </a:pPr>
-            <a:r>
-              <a:rPr lang="en"/>
-              <a:t>0</a:t>
-            </a:r>
-            <a:endParaRPr/>
-          </a:p>
-        </p:txBody>
-      </p:sp>
-      <p:cxnSp>
-        <p:nvCxnSpPr>
-          <p:cNvPr id="652" name="Google Shape;652;p20"/>
-          <p:cNvCxnSpPr>
-            <a:stCxn id="651" idx="3"/>
-            <a:endCxn id="641" idx="1"/>
-          </p:cNvCxnSpPr>
-          <p:nvPr/>
-        </p:nvCxnSpPr>
-        <p:spPr>
-          <a:xfrm>
-            <a:off x="636527" y="4456641"/>
-            <a:ext cx="349800" cy="8700"/>
-          </a:xfrm>
-          <a:prstGeom prst="straightConnector1">
-            <a:avLst/>
           </a:prstGeom>
           <a:noFill/>
           <a:ln w="9525" cap="flat" cmpd="sng">

--- a/format-encodings/slide_presentations/.hidden/bitwise-operations.pptx
+++ b/format-encodings/slide_presentations/.hidden/bitwise-operations.pptx
@@ -5,28 +5,27 @@
     <p:sldMasterId id="2147483659" r:id="rId1"/>
   </p:sldMasterIdLst>
   <p:notesMasterIdLst>
-    <p:notesMasterId r:id="rId11"/>
+    <p:notesMasterId r:id="rId10"/>
   </p:notesMasterIdLst>
   <p:sldIdLst>
-    <p:sldId id="264" r:id="rId2"/>
+    <p:sldId id="256" r:id="rId2"/>
     <p:sldId id="257" r:id="rId3"/>
     <p:sldId id="258" r:id="rId4"/>
     <p:sldId id="259" r:id="rId5"/>
-    <p:sldId id="256" r:id="rId6"/>
-    <p:sldId id="263" r:id="rId7"/>
-    <p:sldId id="260" r:id="rId8"/>
-    <p:sldId id="261" r:id="rId9"/>
-    <p:sldId id="262" r:id="rId10"/>
+    <p:sldId id="263" r:id="rId6"/>
+    <p:sldId id="260" r:id="rId7"/>
+    <p:sldId id="261" r:id="rId8"/>
+    <p:sldId id="262" r:id="rId9"/>
   </p:sldIdLst>
   <p:sldSz cx="9144000" cy="5143500" type="screen16x9"/>
   <p:notesSz cx="6858000" cy="9144000"/>
   <p:embeddedFontLst>
     <p:embeddedFont>
       <p:font typeface="Source Code Pro" panose="020B0509030403020204" pitchFamily="49" charset="0"/>
-      <p:regular r:id="rId12"/>
-      <p:bold r:id="rId13"/>
-      <p:italic r:id="rId14"/>
-      <p:boldItalic r:id="rId15"/>
+      <p:regular r:id="rId11"/>
+      <p:bold r:id="rId12"/>
+      <p:italic r:id="rId13"/>
+      <p:boldItalic r:id="rId14"/>
     </p:embeddedFont>
   </p:embeddedFontLst>
   <p:defaultTextStyle>
@@ -723,6 +722,110 @@
   <p:cSld>
     <p:spTree>
       <p:nvGrpSpPr>
+        <p:cNvPr id="1" name="Shape 50"/>
+        <p:cNvGrpSpPr/>
+        <p:nvPr/>
+      </p:nvGrpSpPr>
+      <p:grpSpPr>
+        <a:xfrm>
+          <a:off x="0" y="0"/>
+          <a:ext cx="0" cy="0"/>
+          <a:chOff x="0" y="0"/>
+          <a:chExt cx="0" cy="0"/>
+        </a:xfrm>
+      </p:grpSpPr>
+      <p:sp>
+        <p:nvSpPr>
+          <p:cNvPr id="51" name="Google Shape;51;g10e6aad98fb_0_254:notes"/>
+          <p:cNvSpPr>
+            <a:spLocks noGrp="1" noRot="1" noChangeAspect="1"/>
+          </p:cNvSpPr>
+          <p:nvPr>
+            <p:ph type="sldImg" idx="2"/>
+          </p:nvPr>
+        </p:nvSpPr>
+        <p:spPr>
+          <a:xfrm>
+            <a:off x="381000" y="685800"/>
+            <a:ext cx="6096000" cy="3429000"/>
+          </a:xfrm>
+          <a:custGeom>
+            <a:avLst/>
+            <a:gdLst/>
+            <a:ahLst/>
+            <a:cxnLst/>
+            <a:rect l="l" t="t" r="r" b="b"/>
+            <a:pathLst>
+              <a:path w="120000" h="120000" extrusionOk="0">
+                <a:moveTo>
+                  <a:pt x="0" y="0"/>
+                </a:moveTo>
+                <a:lnTo>
+                  <a:pt x="120000" y="0"/>
+                </a:lnTo>
+                <a:lnTo>
+                  <a:pt x="120000" y="120000"/>
+                </a:lnTo>
+                <a:lnTo>
+                  <a:pt x="0" y="120000"/>
+                </a:lnTo>
+                <a:close/>
+              </a:path>
+            </a:pathLst>
+          </a:custGeom>
+        </p:spPr>
+      </p:sp>
+      <p:sp>
+        <p:nvSpPr>
+          <p:cNvPr id="52" name="Google Shape;52;g10e6aad98fb_0_254:notes"/>
+          <p:cNvSpPr txBox="1">
+            <a:spLocks noGrp="1"/>
+          </p:cNvSpPr>
+          <p:nvPr>
+            <p:ph type="body" idx="1"/>
+          </p:nvPr>
+        </p:nvSpPr>
+        <p:spPr>
+          <a:xfrm>
+            <a:off x="685800" y="4343400"/>
+            <a:ext cx="5486400" cy="4114800"/>
+          </a:xfrm>
+          <a:prstGeom prst="rect">
+            <a:avLst/>
+          </a:prstGeom>
+        </p:spPr>
+        <p:txBody>
+          <a:bodyPr spcFirstLastPara="1" wrap="square" lIns="91425" tIns="91425" rIns="91425" bIns="91425" anchor="t" anchorCtr="0">
+            <a:noAutofit/>
+          </a:bodyPr>
+          <a:lstStyle/>
+          <a:p>
+            <a:pPr marL="0" lvl="0" indent="0" algn="l" rtl="0">
+              <a:spcBef>
+                <a:spcPts val="0"/>
+              </a:spcBef>
+              <a:spcAft>
+                <a:spcPts val="0"/>
+              </a:spcAft>
+              <a:buNone/>
+            </a:pPr>
+            <a:endParaRPr dirty="0"/>
+          </a:p>
+        </p:txBody>
+      </p:sp>
+    </p:spTree>
+  </p:cSld>
+  <p:clrMapOvr>
+    <a:masterClrMapping/>
+  </p:clrMapOvr>
+</p:notes>
+</file>
+
+<file path=ppt/notesSlides/notesSlide2.xml><?xml version="1.0" encoding="utf-8"?>
+<p:notes xmlns:a="http://schemas.openxmlformats.org/drawingml/2006/main" xmlns:r="http://schemas.openxmlformats.org/officeDocument/2006/relationships" xmlns:p="http://schemas.openxmlformats.org/presentationml/2006/main" showMasterSp="0" showMasterPhAnim="0">
+  <p:cSld>
+    <p:spTree>
+      <p:nvGrpSpPr>
         <p:cNvPr id="1" name="Shape 57"/>
         <p:cNvGrpSpPr/>
         <p:nvPr/>
@@ -822,7 +925,7 @@
 </p:notes>
 </file>
 
-<file path=ppt/notesSlides/notesSlide2.xml><?xml version="1.0" encoding="utf-8"?>
+<file path=ppt/notesSlides/notesSlide3.xml><?xml version="1.0" encoding="utf-8"?>
 <p:notes xmlns:a="http://schemas.openxmlformats.org/drawingml/2006/main" xmlns:r="http://schemas.openxmlformats.org/officeDocument/2006/relationships" xmlns:p="http://schemas.openxmlformats.org/presentationml/2006/main" showMasterSp="0" showMasterPhAnim="0">
   <p:cSld>
     <p:spTree>
@@ -926,7 +1029,7 @@
 </p:notes>
 </file>
 
-<file path=ppt/notesSlides/notesSlide3.xml><?xml version="1.0" encoding="utf-8"?>
+<file path=ppt/notesSlides/notesSlide4.xml><?xml version="1.0" encoding="utf-8"?>
 <p:notes xmlns:a="http://schemas.openxmlformats.org/drawingml/2006/main" xmlns:r="http://schemas.openxmlformats.org/officeDocument/2006/relationships" xmlns:p="http://schemas.openxmlformats.org/presentationml/2006/main" showMasterSp="0" showMasterPhAnim="0">
   <p:cSld>
     <p:spTree>
@@ -1019,110 +1122,6 @@
               <a:buNone/>
             </a:pPr>
             <a:endParaRPr/>
-          </a:p>
-        </p:txBody>
-      </p:sp>
-    </p:spTree>
-  </p:cSld>
-  <p:clrMapOvr>
-    <a:masterClrMapping/>
-  </p:clrMapOvr>
-</p:notes>
-</file>
-
-<file path=ppt/notesSlides/notesSlide4.xml><?xml version="1.0" encoding="utf-8"?>
-<p:notes xmlns:a="http://schemas.openxmlformats.org/drawingml/2006/main" xmlns:r="http://schemas.openxmlformats.org/officeDocument/2006/relationships" xmlns:p="http://schemas.openxmlformats.org/presentationml/2006/main" showMasterSp="0" showMasterPhAnim="0">
-  <p:cSld>
-    <p:spTree>
-      <p:nvGrpSpPr>
-        <p:cNvPr id="1" name="Shape 50"/>
-        <p:cNvGrpSpPr/>
-        <p:nvPr/>
-      </p:nvGrpSpPr>
-      <p:grpSpPr>
-        <a:xfrm>
-          <a:off x="0" y="0"/>
-          <a:ext cx="0" cy="0"/>
-          <a:chOff x="0" y="0"/>
-          <a:chExt cx="0" cy="0"/>
-        </a:xfrm>
-      </p:grpSpPr>
-      <p:sp>
-        <p:nvSpPr>
-          <p:cNvPr id="51" name="Google Shape;51;g10e6aad98fb_0_254:notes"/>
-          <p:cNvSpPr>
-            <a:spLocks noGrp="1" noRot="1" noChangeAspect="1"/>
-          </p:cNvSpPr>
-          <p:nvPr>
-            <p:ph type="sldImg" idx="2"/>
-          </p:nvPr>
-        </p:nvSpPr>
-        <p:spPr>
-          <a:xfrm>
-            <a:off x="381000" y="685800"/>
-            <a:ext cx="6096000" cy="3429000"/>
-          </a:xfrm>
-          <a:custGeom>
-            <a:avLst/>
-            <a:gdLst/>
-            <a:ahLst/>
-            <a:cxnLst/>
-            <a:rect l="l" t="t" r="r" b="b"/>
-            <a:pathLst>
-              <a:path w="120000" h="120000" extrusionOk="0">
-                <a:moveTo>
-                  <a:pt x="0" y="0"/>
-                </a:moveTo>
-                <a:lnTo>
-                  <a:pt x="120000" y="0"/>
-                </a:lnTo>
-                <a:lnTo>
-                  <a:pt x="120000" y="120000"/>
-                </a:lnTo>
-                <a:lnTo>
-                  <a:pt x="0" y="120000"/>
-                </a:lnTo>
-                <a:close/>
-              </a:path>
-            </a:pathLst>
-          </a:custGeom>
-        </p:spPr>
-      </p:sp>
-      <p:sp>
-        <p:nvSpPr>
-          <p:cNvPr id="52" name="Google Shape;52;g10e6aad98fb_0_254:notes"/>
-          <p:cNvSpPr txBox="1">
-            <a:spLocks noGrp="1"/>
-          </p:cNvSpPr>
-          <p:nvPr>
-            <p:ph type="body" idx="1"/>
-          </p:nvPr>
-        </p:nvSpPr>
-        <p:spPr>
-          <a:xfrm>
-            <a:off x="685800" y="4343400"/>
-            <a:ext cx="5486400" cy="4114800"/>
-          </a:xfrm>
-          <a:prstGeom prst="rect">
-            <a:avLst/>
-          </a:prstGeom>
-        </p:spPr>
-        <p:txBody>
-          <a:bodyPr spcFirstLastPara="1" wrap="square" lIns="91425" tIns="91425" rIns="91425" bIns="91425" anchor="t" anchorCtr="0">
-            <a:noAutofit/>
-          </a:bodyPr>
-          <a:lstStyle/>
-          <a:p>
-            <a:pPr marL="0" lvl="0" indent="0" algn="l" rtl="0">
-              <a:spcBef>
-                <a:spcPts val="0"/>
-              </a:spcBef>
-              <a:spcAft>
-                <a:spcPts val="0"/>
-              </a:spcAft>
-              <a:buNone/>
-            </a:pPr>
-            <a:endParaRPr dirty="0"/>
           </a:p>
         </p:txBody>
       </p:sp>
@@ -6304,7 +6303,7 @@
   <p:cSld>
     <p:spTree>
       <p:nvGrpSpPr>
-        <p:cNvPr id="1" name=""/>
+        <p:cNvPr id="1" name="Shape 53"/>
         <p:cNvGrpSpPr/>
         <p:nvPr/>
       </p:nvGrpSpPr>
@@ -6318,79 +6317,50 @@
       </p:grpSpPr>
       <p:sp>
         <p:nvSpPr>
-          <p:cNvPr id="2" name="Title 1">
-            <a:extLst>
-              <a:ext uri="{FF2B5EF4-FFF2-40B4-BE49-F238E27FC236}">
-                <a16:creationId xmlns:a16="http://schemas.microsoft.com/office/drawing/2014/main" id="{DB4A1163-CB45-4D52-1B05-762E3965A2C0}"/>
-              </a:ext>
-            </a:extLst>
-          </p:cNvPr>
-          <p:cNvSpPr>
+          <p:cNvPr id="54" name="Google Shape;54;p13"/>
+          <p:cNvSpPr txBox="1">
             <a:spLocks noGrp="1"/>
           </p:cNvSpPr>
           <p:nvPr>
             <p:ph type="title"/>
           </p:nvPr>
         </p:nvSpPr>
-        <p:spPr/>
+        <p:spPr>
+          <a:xfrm>
+            <a:off x="311700" y="445025"/>
+            <a:ext cx="8520600" cy="572700"/>
+          </a:xfrm>
+          <a:prstGeom prst="rect">
+            <a:avLst/>
+          </a:prstGeom>
+        </p:spPr>
         <p:txBody>
-          <a:bodyPr>
+          <a:bodyPr spcFirstLastPara="1" wrap="square" lIns="91425" tIns="91425" rIns="91425" bIns="91425" anchor="t" anchorCtr="0">
             <a:normAutofit fontScale="90000"/>
           </a:bodyPr>
           <a:lstStyle/>
           <a:p>
+            <a:pPr marL="0" lvl="0" indent="0" algn="l" rtl="0">
+              <a:spcBef>
+                <a:spcPts val="0"/>
+              </a:spcBef>
+              <a:spcAft>
+                <a:spcPts val="0"/>
+              </a:spcAft>
+              <a:buNone/>
+            </a:pPr>
             <a:r>
-              <a:rPr lang="en-US" dirty="0">
-                <a:solidFill>
-                  <a:srgbClr val="000000"/>
-                </a:solidFill>
-                <a:effectLst/>
-                <a:latin typeface="Menlo" panose="020B0609030804020204" pitchFamily="49" charset="0"/>
-              </a:rPr>
-              <a:t>Good </a:t>
+              <a:rPr lang="en"/>
+              <a:t>Bitwise Operations</a:t>
             </a:r>
-            <a:r>
-              <a:rPr lang="en-US" dirty="0" err="1">
-                <a:solidFill>
-                  <a:srgbClr val="000000"/>
-                </a:solidFill>
-                <a:effectLst/>
-                <a:latin typeface="Menlo" panose="020B0609030804020204" pitchFamily="49" charset="0"/>
-              </a:rPr>
-              <a:t>Minnrog</a:t>
-            </a:r>
-            <a:br>
-              <a:rPr lang="en-US" dirty="0">
-                <a:solidFill>
-                  <a:srgbClr val="000000"/>
-                </a:solidFill>
-                <a:latin typeface="Menlo" panose="020B0609030804020204" pitchFamily="49" charset="0"/>
-              </a:rPr>
-            </a:br>
-            <a:r>
-              <a:rPr lang="en-US" dirty="0">
-                <a:solidFill>
-                  <a:srgbClr val="000000"/>
-                </a:solidFill>
-                <a:effectLst/>
-                <a:latin typeface="Menlo" panose="020B0609030804020204" pitchFamily="49" charset="0"/>
-              </a:rPr>
-              <a:t>Cmp21o2</a:t>
-            </a:r>
-            <a:endParaRPr lang="en-US" dirty="0"/>
+            <a:endParaRPr/>
           </a:p>
         </p:txBody>
       </p:sp>
       <p:sp>
         <p:nvSpPr>
-          <p:cNvPr id="3" name="Text Placeholder 2">
-            <a:extLst>
-              <a:ext uri="{FF2B5EF4-FFF2-40B4-BE49-F238E27FC236}">
-                <a16:creationId xmlns:a16="http://schemas.microsoft.com/office/drawing/2014/main" id="{68EAE658-1158-4D45-37CF-84CE85AE90EB}"/>
-              </a:ext>
-            </a:extLst>
-          </p:cNvPr>
-          <p:cNvSpPr>
+          <p:cNvPr id="55" name="Google Shape;55;p13"/>
+          <p:cNvSpPr txBox="1">
             <a:spLocks noGrp="1"/>
           </p:cNvSpPr>
           <p:nvPr>
@@ -6399,299 +6369,603 @@
         </p:nvSpPr>
         <p:spPr>
           <a:xfrm>
-            <a:off x="311700" y="3348668"/>
-            <a:ext cx="8520600" cy="3416400"/>
-          </a:xfrm>
-        </p:spPr>
-        <p:txBody>
-          <a:bodyPr/>
-          <a:lstStyle/>
-          <a:p>
-            <a:pPr marL="114300" indent="0">
-              <a:buNone/>
-            </a:pPr>
-            <a:r>
-              <a:rPr lang="en-US" dirty="0" err="1">
-                <a:solidFill>
-                  <a:srgbClr val="000000"/>
-                </a:solidFill>
-                <a:effectLst/>
-                <a:latin typeface="Menlo" panose="020B0609030804020204" pitchFamily="49" charset="0"/>
-              </a:rPr>
-              <a:t>Tod'ays</a:t>
-            </a:r>
-            <a:r>
-              <a:rPr lang="en-US" dirty="0">
-                <a:solidFill>
-                  <a:srgbClr val="000000"/>
-                </a:solidFill>
-                <a:effectLst/>
-                <a:latin typeface="Menlo" panose="020B0609030804020204" pitchFamily="49" charset="0"/>
-              </a:rPr>
-              <a:t> </a:t>
-            </a:r>
-            <a:r>
-              <a:rPr lang="en-US" dirty="0" err="1">
-                <a:solidFill>
-                  <a:srgbClr val="000000"/>
-                </a:solidFill>
-                <a:effectLst/>
-                <a:latin typeface="Menlo" panose="020B0609030804020204" pitchFamily="49" charset="0"/>
-              </a:rPr>
-              <a:t>lurctee</a:t>
-            </a:r>
-            <a:r>
-              <a:rPr lang="en-US" dirty="0">
-                <a:solidFill>
-                  <a:srgbClr val="000000"/>
-                </a:solidFill>
-                <a:effectLst/>
-                <a:latin typeface="Menlo" panose="020B0609030804020204" pitchFamily="49" charset="0"/>
-              </a:rPr>
-              <a:t> is all </a:t>
-            </a:r>
-            <a:r>
-              <a:rPr lang="en-US" dirty="0" err="1">
-                <a:solidFill>
-                  <a:srgbClr val="000000"/>
-                </a:solidFill>
-                <a:effectLst/>
-                <a:latin typeface="Menlo" panose="020B0609030804020204" pitchFamily="49" charset="0"/>
-              </a:rPr>
-              <a:t>aoubt</a:t>
-            </a:r>
-            <a:r>
-              <a:rPr lang="en-US" dirty="0">
-                <a:solidFill>
-                  <a:srgbClr val="000000"/>
-                </a:solidFill>
-                <a:effectLst/>
-                <a:latin typeface="Menlo" panose="020B0609030804020204" pitchFamily="49" charset="0"/>
-              </a:rPr>
-              <a:t> </a:t>
-            </a:r>
-            <a:r>
-              <a:rPr lang="en-US" dirty="0" err="1">
-                <a:solidFill>
-                  <a:srgbClr val="000000"/>
-                </a:solidFill>
-                <a:effectLst/>
-                <a:latin typeface="Menlo" panose="020B0609030804020204" pitchFamily="49" charset="0"/>
-              </a:rPr>
-              <a:t>bwiitse</a:t>
-            </a:r>
-            <a:r>
-              <a:rPr lang="en-US" dirty="0">
-                <a:solidFill>
-                  <a:srgbClr val="000000"/>
-                </a:solidFill>
-                <a:effectLst/>
-                <a:latin typeface="Menlo" panose="020B0609030804020204" pitchFamily="49" charset="0"/>
-              </a:rPr>
-              <a:t> </a:t>
-            </a:r>
-            <a:r>
-              <a:rPr lang="en-US" dirty="0" err="1">
-                <a:solidFill>
-                  <a:srgbClr val="000000"/>
-                </a:solidFill>
-                <a:effectLst/>
-                <a:latin typeface="Menlo" panose="020B0609030804020204" pitchFamily="49" charset="0"/>
-              </a:rPr>
-              <a:t>oaoirpetns</a:t>
-            </a:r>
-            <a:r>
-              <a:rPr lang="en-US" dirty="0">
-                <a:solidFill>
-                  <a:srgbClr val="000000"/>
-                </a:solidFill>
-                <a:effectLst/>
-                <a:latin typeface="Menlo" panose="020B0609030804020204" pitchFamily="49" charset="0"/>
-              </a:rPr>
-              <a:t>. But borfee we start this </a:t>
-            </a:r>
-            <a:r>
-              <a:rPr lang="en-US" dirty="0" err="1">
-                <a:solidFill>
-                  <a:srgbClr val="000000"/>
-                </a:solidFill>
-                <a:effectLst/>
-                <a:latin typeface="Menlo" panose="020B0609030804020204" pitchFamily="49" charset="0"/>
-              </a:rPr>
-              <a:t>ltecrue</a:t>
-            </a:r>
-            <a:r>
-              <a:rPr lang="en-US" dirty="0">
-                <a:solidFill>
-                  <a:srgbClr val="000000"/>
-                </a:solidFill>
-                <a:effectLst/>
-                <a:latin typeface="Menlo" panose="020B0609030804020204" pitchFamily="49" charset="0"/>
-              </a:rPr>
-              <a:t> </a:t>
-            </a:r>
-            <a:r>
-              <a:rPr lang="en-US" dirty="0" err="1">
-                <a:solidFill>
-                  <a:srgbClr val="000000"/>
-                </a:solidFill>
-                <a:effectLst/>
-                <a:latin typeface="Menlo" panose="020B0609030804020204" pitchFamily="49" charset="0"/>
-              </a:rPr>
-              <a:t>cdsieonr</a:t>
-            </a:r>
-            <a:r>
-              <a:rPr lang="en-US" dirty="0">
-                <a:solidFill>
-                  <a:srgbClr val="000000"/>
-                </a:solidFill>
-                <a:effectLst/>
-                <a:latin typeface="Menlo" panose="020B0609030804020204" pitchFamily="49" charset="0"/>
-              </a:rPr>
-              <a:t> the </a:t>
-            </a:r>
-            <a:r>
-              <a:rPr lang="en-US" dirty="0" err="1">
-                <a:solidFill>
-                  <a:srgbClr val="000000"/>
-                </a:solidFill>
-                <a:effectLst/>
-                <a:latin typeface="Menlo" panose="020B0609030804020204" pitchFamily="49" charset="0"/>
-              </a:rPr>
-              <a:t>flnoowlig</a:t>
-            </a:r>
-            <a:r>
-              <a:rPr lang="en-US" dirty="0">
-                <a:solidFill>
-                  <a:srgbClr val="000000"/>
-                </a:solidFill>
-                <a:effectLst/>
-                <a:latin typeface="Menlo" panose="020B0609030804020204" pitchFamily="49" charset="0"/>
-              </a:rPr>
-              <a:t> </a:t>
-            </a:r>
-            <a:r>
-              <a:rPr lang="en-US" dirty="0" err="1">
-                <a:solidFill>
-                  <a:srgbClr val="000000"/>
-                </a:solidFill>
-                <a:effectLst/>
-                <a:latin typeface="Menlo" panose="020B0609030804020204" pitchFamily="49" charset="0"/>
-              </a:rPr>
-              <a:t>craoton</a:t>
-            </a:r>
-            <a:r>
-              <a:rPr lang="en-US" dirty="0">
-                <a:solidFill>
-                  <a:srgbClr val="000000"/>
-                </a:solidFill>
-                <a:effectLst/>
-                <a:latin typeface="Menlo" panose="020B0609030804020204" pitchFamily="49" charset="0"/>
-              </a:rPr>
-              <a:t>. </a:t>
-            </a:r>
-            <a:r>
-              <a:rPr lang="en-US" dirty="0" err="1">
-                <a:solidFill>
-                  <a:srgbClr val="000000"/>
-                </a:solidFill>
-                <a:effectLst/>
-                <a:latin typeface="Menlo" panose="020B0609030804020204" pitchFamily="49" charset="0"/>
-              </a:rPr>
-              <a:t>Waht</a:t>
-            </a:r>
-            <a:r>
-              <a:rPr lang="en-US" dirty="0">
-                <a:solidFill>
-                  <a:srgbClr val="000000"/>
-                </a:solidFill>
-                <a:effectLst/>
-                <a:latin typeface="Menlo" panose="020B0609030804020204" pitchFamily="49" charset="0"/>
-              </a:rPr>
-              <a:t> </a:t>
-            </a:r>
-            <a:r>
-              <a:rPr lang="en-US" dirty="0" err="1">
-                <a:solidFill>
-                  <a:srgbClr val="000000"/>
-                </a:solidFill>
-                <a:effectLst/>
-                <a:latin typeface="Menlo" panose="020B0609030804020204" pitchFamily="49" charset="0"/>
-              </a:rPr>
-              <a:t>mesgase</a:t>
-            </a:r>
-            <a:r>
-              <a:rPr lang="en-US" dirty="0">
-                <a:solidFill>
-                  <a:srgbClr val="000000"/>
-                </a:solidFill>
-                <a:effectLst/>
-                <a:latin typeface="Menlo" panose="020B0609030804020204" pitchFamily="49" charset="0"/>
-              </a:rPr>
-              <a:t> do you </a:t>
-            </a:r>
-            <a:r>
-              <a:rPr lang="en-US" dirty="0" err="1">
-                <a:solidFill>
-                  <a:srgbClr val="000000"/>
-                </a:solidFill>
-                <a:effectLst/>
-                <a:latin typeface="Menlo" panose="020B0609030804020204" pitchFamily="49" charset="0"/>
-              </a:rPr>
-              <a:t>recveie</a:t>
-            </a:r>
-            <a:r>
-              <a:rPr lang="en-US" dirty="0">
-                <a:solidFill>
-                  <a:srgbClr val="000000"/>
-                </a:solidFill>
-                <a:effectLst/>
-                <a:latin typeface="Menlo" panose="020B0609030804020204" pitchFamily="49" charset="0"/>
-              </a:rPr>
-              <a:t> form it? </a:t>
-            </a:r>
-          </a:p>
-          <a:p>
-            <a:endParaRPr lang="en-US" dirty="0"/>
-          </a:p>
-        </p:txBody>
-      </p:sp>
-      <p:pic>
-        <p:nvPicPr>
-          <p:cNvPr id="4" name="Picture 3">
-            <a:extLst>
-              <a:ext uri="{FF2B5EF4-FFF2-40B4-BE49-F238E27FC236}">
-                <a16:creationId xmlns:a16="http://schemas.microsoft.com/office/drawing/2014/main" id="{D2B3673C-3C9E-17C5-1E45-D3809AFC348D}"/>
-              </a:ext>
-            </a:extLst>
-          </p:cNvPr>
-          <p:cNvPicPr>
-            <a:picLocks noChangeAspect="1"/>
-          </p:cNvPicPr>
-          <p:nvPr/>
-        </p:nvPicPr>
-        <p:blipFill>
-          <a:blip r:embed="rId2"/>
-          <a:stretch>
-            <a:fillRect/>
-          </a:stretch>
-        </p:blipFill>
-        <p:spPr>
-          <a:xfrm>
-            <a:off x="4278086" y="219529"/>
-            <a:ext cx="4865914" cy="3036691"/>
+            <a:off x="311700" y="1152475"/>
+            <a:ext cx="8832300" cy="3416400"/>
           </a:xfrm>
           <a:prstGeom prst="rect">
             <a:avLst/>
           </a:prstGeom>
         </p:spPr>
-      </p:pic>
+        <p:txBody>
+          <a:bodyPr spcFirstLastPara="1" wrap="square" lIns="91425" tIns="91425" rIns="91425" bIns="91425" anchor="t" anchorCtr="0">
+            <a:normAutofit fontScale="85000" lnSpcReduction="20000"/>
+          </a:bodyPr>
+          <a:lstStyle/>
+          <a:p>
+            <a:pPr marL="457200" lvl="0" indent="-325755" algn="l" rtl="0">
+              <a:spcBef>
+                <a:spcPts val="0"/>
+              </a:spcBef>
+              <a:spcAft>
+                <a:spcPts val="0"/>
+              </a:spcAft>
+              <a:buSzPct val="100000"/>
+              <a:buChar char="●"/>
+            </a:pPr>
+            <a:r>
+              <a:rPr lang="en" dirty="0"/>
+              <a:t>Bitwise operations in high-level languages are applied to integers</a:t>
+            </a:r>
+            <a:endParaRPr dirty="0"/>
+          </a:p>
+          <a:p>
+            <a:pPr marL="457200" lvl="0" indent="-325755" algn="l" rtl="0">
+              <a:spcBef>
+                <a:spcPts val="0"/>
+              </a:spcBef>
+              <a:spcAft>
+                <a:spcPts val="0"/>
+              </a:spcAft>
+              <a:buSzPct val="100000"/>
+              <a:buChar char="●"/>
+            </a:pPr>
+            <a:r>
+              <a:rPr lang="en" dirty="0"/>
+              <a:t>Java has three primary sizes for signed integers</a:t>
+            </a:r>
+            <a:endParaRPr dirty="0"/>
+          </a:p>
+          <a:p>
+            <a:pPr marL="457200" lvl="0" indent="-325755" algn="l" rtl="0">
+              <a:spcBef>
+                <a:spcPts val="0"/>
+              </a:spcBef>
+              <a:spcAft>
+                <a:spcPts val="0"/>
+              </a:spcAft>
+              <a:buSzPct val="100000"/>
+              <a:buChar char="●"/>
+            </a:pPr>
+            <a:r>
+              <a:rPr lang="en" dirty="0"/>
+              <a:t>Two types of Bitwise Operations</a:t>
+            </a:r>
+            <a:endParaRPr dirty="0"/>
+          </a:p>
+          <a:p>
+            <a:pPr marL="914400" lvl="1" indent="-304165" algn="l" rtl="0">
+              <a:spcBef>
+                <a:spcPts val="0"/>
+              </a:spcBef>
+              <a:spcAft>
+                <a:spcPts val="0"/>
+              </a:spcAft>
+              <a:buSzPct val="100000"/>
+              <a:buChar char="○"/>
+            </a:pPr>
+            <a:r>
+              <a:rPr lang="en" dirty="0"/>
+              <a:t>Boolean based operations</a:t>
+            </a:r>
+            <a:endParaRPr dirty="0"/>
+          </a:p>
+          <a:p>
+            <a:pPr marL="914400" lvl="1" indent="-304165" algn="l" rtl="0">
+              <a:spcBef>
+                <a:spcPts val="0"/>
+              </a:spcBef>
+              <a:spcAft>
+                <a:spcPts val="0"/>
+              </a:spcAft>
+              <a:buSzPct val="100000"/>
+              <a:buChar char="○"/>
+            </a:pPr>
+            <a:r>
+              <a:rPr lang="en" dirty="0"/>
+              <a:t>Shift-based operations</a:t>
+            </a:r>
+            <a:endParaRPr dirty="0"/>
+          </a:p>
+          <a:p>
+            <a:pPr marL="457200" lvl="0" indent="-325755" algn="l" rtl="0">
+              <a:spcBef>
+                <a:spcPts val="0"/>
+              </a:spcBef>
+              <a:spcAft>
+                <a:spcPts val="0"/>
+              </a:spcAft>
+              <a:buSzPct val="100000"/>
+              <a:buChar char="●"/>
+            </a:pPr>
+            <a:r>
+              <a:rPr lang="en" dirty="0"/>
+              <a:t>Boolean-based Operations:</a:t>
+            </a:r>
+            <a:endParaRPr dirty="0"/>
+          </a:p>
+          <a:p>
+            <a:pPr marL="914400" lvl="1" indent="-304165" algn="l" rtl="0">
+              <a:spcBef>
+                <a:spcPts val="0"/>
+              </a:spcBef>
+              <a:spcAft>
+                <a:spcPts val="0"/>
+              </a:spcAft>
+              <a:buSzPct val="100000"/>
+              <a:buChar char="○"/>
+            </a:pPr>
+            <a:r>
+              <a:rPr lang="en" dirty="0"/>
+              <a:t>Complement: 	</a:t>
+            </a:r>
+            <a:r>
+              <a:rPr lang="en" dirty="0">
+                <a:latin typeface="Source Code Pro"/>
+                <a:ea typeface="Source Code Pro"/>
+                <a:cs typeface="Source Code Pro"/>
+                <a:sym typeface="Source Code Pro"/>
+              </a:rPr>
+              <a:t>s1 = ~ t1;	nor $s1, $t1, $zero	# s1 = ~ ( t1 | 0 )</a:t>
+            </a:r>
+            <a:r>
+              <a:rPr lang="en" dirty="0"/>
+              <a:t>	</a:t>
+            </a:r>
+            <a:endParaRPr dirty="0"/>
+          </a:p>
+          <a:p>
+            <a:pPr marL="914400" lvl="1" indent="-304165" algn="l" rtl="0">
+              <a:spcBef>
+                <a:spcPts val="0"/>
+              </a:spcBef>
+              <a:spcAft>
+                <a:spcPts val="0"/>
+              </a:spcAft>
+              <a:buSzPct val="100000"/>
+              <a:buChar char="○"/>
+            </a:pPr>
+            <a:r>
+              <a:rPr lang="en" dirty="0"/>
+              <a:t>And: 		</a:t>
+            </a:r>
+            <a:r>
+              <a:rPr lang="en" dirty="0">
+                <a:latin typeface="Source Code Pro"/>
+                <a:ea typeface="Source Code Pro"/>
+                <a:cs typeface="Source Code Pro"/>
+                <a:sym typeface="Source Code Pro"/>
+              </a:rPr>
+              <a:t>s1 = t1 &amp; t2;	and $s1, $t1, $t2</a:t>
+            </a:r>
+            <a:endParaRPr dirty="0">
+              <a:latin typeface="Source Code Pro"/>
+              <a:ea typeface="Source Code Pro"/>
+              <a:cs typeface="Source Code Pro"/>
+              <a:sym typeface="Source Code Pro"/>
+            </a:endParaRPr>
+          </a:p>
+          <a:p>
+            <a:pPr marL="914400" lvl="1" indent="-304165" algn="l" rtl="0">
+              <a:spcBef>
+                <a:spcPts val="0"/>
+              </a:spcBef>
+              <a:spcAft>
+                <a:spcPts val="0"/>
+              </a:spcAft>
+              <a:buSzPct val="100000"/>
+              <a:buChar char="○"/>
+            </a:pPr>
+            <a:r>
+              <a:rPr lang="en" dirty="0"/>
+              <a:t>Or: 		</a:t>
+            </a:r>
+            <a:r>
+              <a:rPr lang="en" dirty="0">
+                <a:latin typeface="Source Code Pro"/>
+                <a:ea typeface="Source Code Pro"/>
+                <a:cs typeface="Source Code Pro"/>
+                <a:sym typeface="Source Code Pro"/>
+              </a:rPr>
+              <a:t>s1 = t1 | t2;	or $s1, $t1, $t2</a:t>
+            </a:r>
+            <a:endParaRPr dirty="0">
+              <a:latin typeface="Source Code Pro"/>
+              <a:ea typeface="Source Code Pro"/>
+              <a:cs typeface="Source Code Pro"/>
+              <a:sym typeface="Source Code Pro"/>
+            </a:endParaRPr>
+          </a:p>
+          <a:p>
+            <a:pPr marL="914400" lvl="1" indent="-304165" algn="l" rtl="0">
+              <a:spcBef>
+                <a:spcPts val="0"/>
+              </a:spcBef>
+              <a:spcAft>
+                <a:spcPts val="0"/>
+              </a:spcAft>
+              <a:buSzPct val="100000"/>
+              <a:buChar char="○"/>
+            </a:pPr>
+            <a:r>
+              <a:rPr lang="en" dirty="0" err="1"/>
+              <a:t>Xor</a:t>
+            </a:r>
+            <a:r>
+              <a:rPr lang="en" dirty="0"/>
+              <a:t>: 		</a:t>
+            </a:r>
+            <a:r>
+              <a:rPr lang="en" dirty="0">
+                <a:latin typeface="Source Code Pro"/>
+                <a:ea typeface="Source Code Pro"/>
+                <a:cs typeface="Source Code Pro"/>
+                <a:sym typeface="Source Code Pro"/>
+              </a:rPr>
+              <a:t>s1 = t1 ^ t2;	</a:t>
+            </a:r>
+            <a:r>
+              <a:rPr lang="en" dirty="0" err="1">
+                <a:latin typeface="Source Code Pro"/>
+                <a:ea typeface="Source Code Pro"/>
+                <a:cs typeface="Source Code Pro"/>
+                <a:sym typeface="Source Code Pro"/>
+              </a:rPr>
+              <a:t>xor</a:t>
+            </a:r>
+            <a:r>
+              <a:rPr lang="en" dirty="0">
+                <a:latin typeface="Source Code Pro"/>
+                <a:ea typeface="Source Code Pro"/>
+                <a:cs typeface="Source Code Pro"/>
+                <a:sym typeface="Source Code Pro"/>
+              </a:rPr>
+              <a:t> $s1, $t1, $t2</a:t>
+            </a:r>
+            <a:br>
+              <a:rPr lang="en" dirty="0">
+                <a:latin typeface="Source Code Pro"/>
+                <a:ea typeface="Source Code Pro"/>
+                <a:cs typeface="Source Code Pro"/>
+                <a:sym typeface="Source Code Pro"/>
+              </a:rPr>
+            </a:br>
+            <a:endParaRPr dirty="0">
+              <a:latin typeface="Source Code Pro"/>
+              <a:ea typeface="Source Code Pro"/>
+              <a:cs typeface="Source Code Pro"/>
+              <a:sym typeface="Source Code Pro"/>
+            </a:endParaRPr>
+          </a:p>
+          <a:p>
+            <a:pPr marL="457200" lvl="0" indent="-325755" algn="l" rtl="0">
+              <a:spcBef>
+                <a:spcPts val="0"/>
+              </a:spcBef>
+              <a:spcAft>
+                <a:spcPts val="0"/>
+              </a:spcAft>
+              <a:buSzPct val="100000"/>
+              <a:buChar char="●"/>
+            </a:pPr>
+            <a:r>
+              <a:rPr lang="en" dirty="0"/>
+              <a:t>Shift-based Operations:</a:t>
+            </a:r>
+            <a:endParaRPr dirty="0"/>
+          </a:p>
+          <a:p>
+            <a:pPr marL="914400" lvl="1" indent="-304165" algn="l" rtl="0">
+              <a:spcBef>
+                <a:spcPts val="0"/>
+              </a:spcBef>
+              <a:spcAft>
+                <a:spcPts val="0"/>
+              </a:spcAft>
+              <a:buSzPct val="100000"/>
+              <a:buChar char="○"/>
+            </a:pPr>
+            <a:r>
+              <a:rPr lang="en" strike="sngStrike" dirty="0"/>
+              <a:t>Un/Signed</a:t>
+            </a:r>
+            <a:r>
+              <a:rPr lang="en" dirty="0"/>
+              <a:t> Left Shift	</a:t>
+            </a:r>
+            <a:r>
+              <a:rPr lang="en" dirty="0">
+                <a:latin typeface="Source Code Pro"/>
+                <a:ea typeface="Source Code Pro"/>
+                <a:cs typeface="Source Code Pro"/>
+                <a:sym typeface="Source Code Pro"/>
+              </a:rPr>
+              <a:t>s1 = t1 &lt;&lt; 2;	</a:t>
+            </a:r>
+            <a:r>
+              <a:rPr lang="en" dirty="0" err="1">
+                <a:latin typeface="Source Code Pro"/>
+                <a:ea typeface="Source Code Pro"/>
+                <a:cs typeface="Source Code Pro"/>
+                <a:sym typeface="Source Code Pro"/>
+              </a:rPr>
+              <a:t>sll</a:t>
+            </a:r>
+            <a:r>
+              <a:rPr lang="en" dirty="0">
+                <a:latin typeface="Source Code Pro"/>
+                <a:ea typeface="Source Code Pro"/>
+                <a:cs typeface="Source Code Pro"/>
+                <a:sym typeface="Source Code Pro"/>
+              </a:rPr>
+              <a:t> $s1, $t1, 2	# Shift Left Logical</a:t>
+            </a:r>
+          </a:p>
+          <a:p>
+            <a:pPr lvl="1" indent="-304165">
+              <a:buSzPct val="100000"/>
+            </a:pPr>
+            <a:r>
+              <a:rPr lang="en-US" dirty="0"/>
+              <a:t>Unsigned Right Shift	</a:t>
+            </a:r>
+            <a:r>
+              <a:rPr lang="en-US" dirty="0">
+                <a:latin typeface="Source Code Pro"/>
+                <a:ea typeface="Source Code Pro"/>
+                <a:cs typeface="Source Code Pro"/>
+                <a:sym typeface="Source Code Pro"/>
+              </a:rPr>
+              <a:t>s1 = t1 &gt;&gt;&gt; 2;	</a:t>
+            </a:r>
+            <a:r>
+              <a:rPr lang="en-US" dirty="0" err="1">
+                <a:latin typeface="Source Code Pro"/>
+                <a:ea typeface="Source Code Pro"/>
+                <a:cs typeface="Source Code Pro"/>
+                <a:sym typeface="Source Code Pro"/>
+              </a:rPr>
+              <a:t>srl</a:t>
+            </a:r>
+            <a:r>
+              <a:rPr lang="en-US" dirty="0">
+                <a:latin typeface="Source Code Pro"/>
+                <a:ea typeface="Source Code Pro"/>
+                <a:cs typeface="Source Code Pro"/>
+                <a:sym typeface="Source Code Pro"/>
+              </a:rPr>
+              <a:t> $s1, $t1, 2	# Shift Right Logical</a:t>
+            </a:r>
+            <a:br>
+              <a:rPr lang="en-US" dirty="0">
+                <a:latin typeface="Source Code Pro"/>
+                <a:ea typeface="Source Code Pro"/>
+                <a:cs typeface="Source Code Pro"/>
+                <a:sym typeface="Source Code Pro"/>
+              </a:rPr>
+            </a:br>
+            <a:r>
+              <a:rPr lang="en-US" dirty="0">
+                <a:latin typeface="Source Code Pro"/>
+                <a:ea typeface="Source Code Pro"/>
+                <a:cs typeface="Source Code Pro"/>
+                <a:sym typeface="Source Code Pro"/>
+              </a:rPr>
+              <a:t> </a:t>
+            </a:r>
+            <a:endParaRPr dirty="0">
+              <a:latin typeface="Source Code Pro"/>
+              <a:ea typeface="Source Code Pro"/>
+              <a:cs typeface="Source Code Pro"/>
+              <a:sym typeface="Source Code Pro"/>
+            </a:endParaRPr>
+          </a:p>
+          <a:p>
+            <a:pPr marL="914400" lvl="1" indent="-304165" algn="l" rtl="0">
+              <a:spcBef>
+                <a:spcPts val="0"/>
+              </a:spcBef>
+              <a:spcAft>
+                <a:spcPts val="0"/>
+              </a:spcAft>
+              <a:buSzPct val="100000"/>
+              <a:buChar char="○"/>
+            </a:pPr>
+            <a:r>
+              <a:rPr lang="en" dirty="0"/>
+              <a:t>Signed Right Shift	</a:t>
+            </a:r>
+            <a:r>
+              <a:rPr lang="en" dirty="0">
+                <a:latin typeface="Source Code Pro"/>
+                <a:ea typeface="Source Code Pro"/>
+                <a:cs typeface="Source Code Pro"/>
+                <a:sym typeface="Source Code Pro"/>
+              </a:rPr>
+              <a:t>s1 = t1 &gt;&gt; 2;	</a:t>
+            </a:r>
+            <a:r>
+              <a:rPr lang="en" dirty="0" err="1">
+                <a:latin typeface="Source Code Pro"/>
+                <a:ea typeface="Source Code Pro"/>
+                <a:cs typeface="Source Code Pro"/>
+                <a:sym typeface="Source Code Pro"/>
+              </a:rPr>
+              <a:t>sra</a:t>
+            </a:r>
+            <a:r>
+              <a:rPr lang="en" dirty="0">
+                <a:latin typeface="Source Code Pro"/>
+                <a:ea typeface="Source Code Pro"/>
+                <a:cs typeface="Source Code Pro"/>
+                <a:sym typeface="Source Code Pro"/>
+              </a:rPr>
+              <a:t> $s1, $t1, 2	# Shift Right Arithmetic</a:t>
+            </a:r>
+            <a:endParaRPr dirty="0">
+              <a:latin typeface="Source Code Pro"/>
+              <a:ea typeface="Source Code Pro"/>
+              <a:cs typeface="Source Code Pro"/>
+              <a:sym typeface="Source Code Pro"/>
+            </a:endParaRPr>
+          </a:p>
+          <a:p>
+            <a:pPr marL="914400" lvl="1" indent="-304165" algn="l" rtl="0">
+              <a:spcBef>
+                <a:spcPts val="0"/>
+              </a:spcBef>
+              <a:spcAft>
+                <a:spcPts val="0"/>
+              </a:spcAft>
+              <a:buSzPct val="100000"/>
+              <a:buFont typeface="Source Code Pro"/>
+              <a:buChar char="○"/>
+            </a:pPr>
+            <a:r>
+              <a:rPr lang="en" strike="sngStrike" dirty="0"/>
+              <a:t>Unsigned Left Shift	</a:t>
+            </a:r>
+            <a:r>
+              <a:rPr lang="en" strike="sngStrike" dirty="0">
+                <a:latin typeface="Source Code Pro"/>
+                <a:ea typeface="Source Code Pro"/>
+                <a:cs typeface="Source Code Pro"/>
+                <a:sym typeface="Source Code Pro"/>
+              </a:rPr>
+              <a:t>s1 = t1 &lt;&lt;&lt; t2;</a:t>
+            </a:r>
+            <a:endParaRPr dirty="0">
+              <a:latin typeface="Source Code Pro"/>
+              <a:ea typeface="Source Code Pro"/>
+              <a:cs typeface="Source Code Pro"/>
+              <a:sym typeface="Source Code Pro"/>
+            </a:endParaRPr>
+          </a:p>
+        </p:txBody>
+      </p:sp>
+      <p:sp>
+        <p:nvSpPr>
+          <p:cNvPr id="56" name="Google Shape;56;p13"/>
+          <p:cNvSpPr txBox="1"/>
+          <p:nvPr/>
+        </p:nvSpPr>
+        <p:spPr>
+          <a:xfrm>
+            <a:off x="5009223" y="1430094"/>
+            <a:ext cx="3645300" cy="821733"/>
+          </a:xfrm>
+          <a:prstGeom prst="rect">
+            <a:avLst/>
+          </a:prstGeom>
+          <a:noFill/>
+          <a:ln>
+            <a:noFill/>
+          </a:ln>
+        </p:spPr>
+        <p:txBody>
+          <a:bodyPr spcFirstLastPara="1" wrap="square" lIns="91425" tIns="91425" rIns="91425" bIns="91425" anchor="t" anchorCtr="0">
+            <a:spAutoFit/>
+          </a:bodyPr>
+          <a:lstStyle/>
+          <a:p>
+            <a:pPr marL="457200" lvl="0" indent="-304800" algn="l" rtl="0">
+              <a:lnSpc>
+                <a:spcPct val="115000"/>
+              </a:lnSpc>
+              <a:spcBef>
+                <a:spcPts val="0"/>
+              </a:spcBef>
+              <a:spcAft>
+                <a:spcPts val="0"/>
+              </a:spcAft>
+              <a:buClr>
+                <a:schemeClr val="dk2"/>
+              </a:buClr>
+              <a:buSzPts val="1200"/>
+              <a:buChar char="●"/>
+            </a:pPr>
+            <a:r>
+              <a:rPr lang="en" sz="1200" dirty="0">
+                <a:solidFill>
+                  <a:schemeClr val="dk2"/>
+                </a:solidFill>
+              </a:rPr>
+              <a:t>short (16 bit chunks)</a:t>
+            </a:r>
+            <a:endParaRPr sz="1200" dirty="0">
+              <a:solidFill>
+                <a:schemeClr val="dk2"/>
+              </a:solidFill>
+              <a:latin typeface="Source Code Pro"/>
+              <a:ea typeface="Source Code Pro"/>
+              <a:cs typeface="Source Code Pro"/>
+              <a:sym typeface="Source Code Pro"/>
+            </a:endParaRPr>
+          </a:p>
+          <a:p>
+            <a:pPr marL="457200" lvl="0" indent="-304800" algn="l" rtl="0">
+              <a:lnSpc>
+                <a:spcPct val="115000"/>
+              </a:lnSpc>
+              <a:spcBef>
+                <a:spcPts val="0"/>
+              </a:spcBef>
+              <a:spcAft>
+                <a:spcPts val="0"/>
+              </a:spcAft>
+              <a:buClr>
+                <a:schemeClr val="dk2"/>
+              </a:buClr>
+              <a:buSzPts val="1200"/>
+              <a:buChar char="●"/>
+            </a:pPr>
+            <a:r>
+              <a:rPr lang="en" sz="1200" dirty="0">
+                <a:solidFill>
+                  <a:schemeClr val="dk2"/>
+                </a:solidFill>
+              </a:rPr>
+              <a:t>int (32 bit chunks)</a:t>
+            </a:r>
+            <a:endParaRPr sz="1200" dirty="0">
+              <a:solidFill>
+                <a:schemeClr val="dk2"/>
+              </a:solidFill>
+              <a:latin typeface="Source Code Pro"/>
+              <a:ea typeface="Source Code Pro"/>
+              <a:cs typeface="Source Code Pro"/>
+              <a:sym typeface="Source Code Pro"/>
+            </a:endParaRPr>
+          </a:p>
+          <a:p>
+            <a:pPr marL="457200" lvl="0" indent="-304800" algn="l" rtl="0">
+              <a:lnSpc>
+                <a:spcPct val="115000"/>
+              </a:lnSpc>
+              <a:spcBef>
+                <a:spcPts val="0"/>
+              </a:spcBef>
+              <a:spcAft>
+                <a:spcPts val="0"/>
+              </a:spcAft>
+              <a:buClr>
+                <a:schemeClr val="dk2"/>
+              </a:buClr>
+              <a:buSzPts val="1200"/>
+              <a:buChar char="●"/>
+            </a:pPr>
+            <a:r>
+              <a:rPr lang="en" sz="1200" dirty="0">
+                <a:solidFill>
+                  <a:schemeClr val="dk2"/>
+                </a:solidFill>
+              </a:rPr>
+              <a:t>long (64 bit chunks)</a:t>
+            </a:r>
+            <a:endParaRPr sz="1200" dirty="0"/>
+          </a:p>
+        </p:txBody>
+      </p:sp>
     </p:spTree>
-    <p:extLst>
-      <p:ext uri="{BB962C8B-B14F-4D97-AF65-F5344CB8AC3E}">
-        <p14:creationId xmlns:p14="http://schemas.microsoft.com/office/powerpoint/2010/main" val="3874443333"/>
-      </p:ext>
-    </p:extLst>
   </p:cSld>
   <p:clrMapOvr>
     <a:masterClrMapping/>
@@ -16428,681 +16702,6 @@
   <p:cSld>
     <p:spTree>
       <p:nvGrpSpPr>
-        <p:cNvPr id="1" name="Shape 53"/>
-        <p:cNvGrpSpPr/>
-        <p:nvPr/>
-      </p:nvGrpSpPr>
-      <p:grpSpPr>
-        <a:xfrm>
-          <a:off x="0" y="0"/>
-          <a:ext cx="0" cy="0"/>
-          <a:chOff x="0" y="0"/>
-          <a:chExt cx="0" cy="0"/>
-        </a:xfrm>
-      </p:grpSpPr>
-      <p:sp>
-        <p:nvSpPr>
-          <p:cNvPr id="54" name="Google Shape;54;p13"/>
-          <p:cNvSpPr txBox="1">
-            <a:spLocks noGrp="1"/>
-          </p:cNvSpPr>
-          <p:nvPr>
-            <p:ph type="title"/>
-          </p:nvPr>
-        </p:nvSpPr>
-        <p:spPr>
-          <a:xfrm>
-            <a:off x="311700" y="445025"/>
-            <a:ext cx="8520600" cy="572700"/>
-          </a:xfrm>
-          <a:prstGeom prst="rect">
-            <a:avLst/>
-          </a:prstGeom>
-        </p:spPr>
-        <p:txBody>
-          <a:bodyPr spcFirstLastPara="1" wrap="square" lIns="91425" tIns="91425" rIns="91425" bIns="91425" anchor="t" anchorCtr="0">
-            <a:normAutofit fontScale="90000"/>
-          </a:bodyPr>
-          <a:lstStyle/>
-          <a:p>
-            <a:pPr marL="0" lvl="0" indent="0" algn="l" rtl="0">
-              <a:spcBef>
-                <a:spcPts val="0"/>
-              </a:spcBef>
-              <a:spcAft>
-                <a:spcPts val="0"/>
-              </a:spcAft>
-              <a:buNone/>
-            </a:pPr>
-            <a:r>
-              <a:rPr lang="en"/>
-              <a:t>Bitwise Operations</a:t>
-            </a:r>
-            <a:endParaRPr/>
-          </a:p>
-        </p:txBody>
-      </p:sp>
-      <p:sp>
-        <p:nvSpPr>
-          <p:cNvPr id="55" name="Google Shape;55;p13"/>
-          <p:cNvSpPr txBox="1">
-            <a:spLocks noGrp="1"/>
-          </p:cNvSpPr>
-          <p:nvPr>
-            <p:ph type="body" idx="1"/>
-          </p:nvPr>
-        </p:nvSpPr>
-        <p:spPr>
-          <a:xfrm>
-            <a:off x="311700" y="1152475"/>
-            <a:ext cx="8832300" cy="3416400"/>
-          </a:xfrm>
-          <a:prstGeom prst="rect">
-            <a:avLst/>
-          </a:prstGeom>
-        </p:spPr>
-        <p:txBody>
-          <a:bodyPr spcFirstLastPara="1" wrap="square" lIns="91425" tIns="91425" rIns="91425" bIns="91425" anchor="t" anchorCtr="0">
-            <a:normAutofit fontScale="85000" lnSpcReduction="20000"/>
-          </a:bodyPr>
-          <a:lstStyle/>
-          <a:p>
-            <a:pPr marL="457200" lvl="0" indent="-325755" algn="l" rtl="0">
-              <a:spcBef>
-                <a:spcPts val="0"/>
-              </a:spcBef>
-              <a:spcAft>
-                <a:spcPts val="0"/>
-              </a:spcAft>
-              <a:buSzPct val="100000"/>
-              <a:buChar char="●"/>
-            </a:pPr>
-            <a:r>
-              <a:rPr lang="en" dirty="0"/>
-              <a:t>Bitwise operations in high-level languages are applied to integers</a:t>
-            </a:r>
-            <a:endParaRPr dirty="0"/>
-          </a:p>
-          <a:p>
-            <a:pPr marL="457200" lvl="0" indent="-325755" algn="l" rtl="0">
-              <a:spcBef>
-                <a:spcPts val="0"/>
-              </a:spcBef>
-              <a:spcAft>
-                <a:spcPts val="0"/>
-              </a:spcAft>
-              <a:buSzPct val="100000"/>
-              <a:buChar char="●"/>
-            </a:pPr>
-            <a:r>
-              <a:rPr lang="en" dirty="0"/>
-              <a:t>Java has three primary sizes for signed integers</a:t>
-            </a:r>
-            <a:endParaRPr dirty="0"/>
-          </a:p>
-          <a:p>
-            <a:pPr marL="457200" lvl="0" indent="-325755" algn="l" rtl="0">
-              <a:spcBef>
-                <a:spcPts val="0"/>
-              </a:spcBef>
-              <a:spcAft>
-                <a:spcPts val="0"/>
-              </a:spcAft>
-              <a:buSzPct val="100000"/>
-              <a:buChar char="●"/>
-            </a:pPr>
-            <a:r>
-              <a:rPr lang="en" dirty="0"/>
-              <a:t>Two types of Bitwise Operations</a:t>
-            </a:r>
-            <a:endParaRPr dirty="0"/>
-          </a:p>
-          <a:p>
-            <a:pPr marL="914400" lvl="1" indent="-304165" algn="l" rtl="0">
-              <a:spcBef>
-                <a:spcPts val="0"/>
-              </a:spcBef>
-              <a:spcAft>
-                <a:spcPts val="0"/>
-              </a:spcAft>
-              <a:buSzPct val="100000"/>
-              <a:buChar char="○"/>
-            </a:pPr>
-            <a:r>
-              <a:rPr lang="en" dirty="0"/>
-              <a:t>Boolean based operations</a:t>
-            </a:r>
-            <a:endParaRPr dirty="0"/>
-          </a:p>
-          <a:p>
-            <a:pPr marL="914400" lvl="1" indent="-304165" algn="l" rtl="0">
-              <a:spcBef>
-                <a:spcPts val="0"/>
-              </a:spcBef>
-              <a:spcAft>
-                <a:spcPts val="0"/>
-              </a:spcAft>
-              <a:buSzPct val="100000"/>
-              <a:buChar char="○"/>
-            </a:pPr>
-            <a:r>
-              <a:rPr lang="en" dirty="0"/>
-              <a:t>Shift-based operations</a:t>
-            </a:r>
-            <a:endParaRPr dirty="0"/>
-          </a:p>
-          <a:p>
-            <a:pPr marL="457200" lvl="0" indent="-325755" algn="l" rtl="0">
-              <a:spcBef>
-                <a:spcPts val="0"/>
-              </a:spcBef>
-              <a:spcAft>
-                <a:spcPts val="0"/>
-              </a:spcAft>
-              <a:buSzPct val="100000"/>
-              <a:buChar char="●"/>
-            </a:pPr>
-            <a:r>
-              <a:rPr lang="en" dirty="0"/>
-              <a:t>Boolean-based Operations:</a:t>
-            </a:r>
-            <a:endParaRPr dirty="0"/>
-          </a:p>
-          <a:p>
-            <a:pPr marL="914400" lvl="1" indent="-304165" algn="l" rtl="0">
-              <a:spcBef>
-                <a:spcPts val="0"/>
-              </a:spcBef>
-              <a:spcAft>
-                <a:spcPts val="0"/>
-              </a:spcAft>
-              <a:buSzPct val="100000"/>
-              <a:buChar char="○"/>
-            </a:pPr>
-            <a:r>
-              <a:rPr lang="en" dirty="0"/>
-              <a:t>Complement: 	</a:t>
-            </a:r>
-            <a:r>
-              <a:rPr lang="en" dirty="0">
-                <a:latin typeface="Source Code Pro"/>
-                <a:ea typeface="Source Code Pro"/>
-                <a:cs typeface="Source Code Pro"/>
-                <a:sym typeface="Source Code Pro"/>
-              </a:rPr>
-              <a:t>s1 = ~ t1;	nor $s1, $t1, $zero	# s1 = ~ ( t1 | 0 )</a:t>
-            </a:r>
-            <a:r>
-              <a:rPr lang="en" dirty="0"/>
-              <a:t>	</a:t>
-            </a:r>
-            <a:endParaRPr dirty="0"/>
-          </a:p>
-          <a:p>
-            <a:pPr marL="914400" lvl="1" indent="-304165" algn="l" rtl="0">
-              <a:spcBef>
-                <a:spcPts val="0"/>
-              </a:spcBef>
-              <a:spcAft>
-                <a:spcPts val="0"/>
-              </a:spcAft>
-              <a:buSzPct val="100000"/>
-              <a:buChar char="○"/>
-            </a:pPr>
-            <a:r>
-              <a:rPr lang="en" dirty="0"/>
-              <a:t>And: 		</a:t>
-            </a:r>
-            <a:r>
-              <a:rPr lang="en" dirty="0">
-                <a:latin typeface="Source Code Pro"/>
-                <a:ea typeface="Source Code Pro"/>
-                <a:cs typeface="Source Code Pro"/>
-                <a:sym typeface="Source Code Pro"/>
-              </a:rPr>
-              <a:t>s1 = t1 &amp; t2;	and $s1, $t1, $t2</a:t>
-            </a:r>
-            <a:endParaRPr dirty="0">
-              <a:latin typeface="Source Code Pro"/>
-              <a:ea typeface="Source Code Pro"/>
-              <a:cs typeface="Source Code Pro"/>
-              <a:sym typeface="Source Code Pro"/>
-            </a:endParaRPr>
-          </a:p>
-          <a:p>
-            <a:pPr marL="914400" lvl="1" indent="-304165" algn="l" rtl="0">
-              <a:spcBef>
-                <a:spcPts val="0"/>
-              </a:spcBef>
-              <a:spcAft>
-                <a:spcPts val="0"/>
-              </a:spcAft>
-              <a:buSzPct val="100000"/>
-              <a:buChar char="○"/>
-            </a:pPr>
-            <a:r>
-              <a:rPr lang="en" dirty="0"/>
-              <a:t>Or: 		</a:t>
-            </a:r>
-            <a:r>
-              <a:rPr lang="en" dirty="0">
-                <a:latin typeface="Source Code Pro"/>
-                <a:ea typeface="Source Code Pro"/>
-                <a:cs typeface="Source Code Pro"/>
-                <a:sym typeface="Source Code Pro"/>
-              </a:rPr>
-              <a:t>s1 = t1 | t2;	or $s1, $t1, $t2</a:t>
-            </a:r>
-            <a:endParaRPr dirty="0">
-              <a:latin typeface="Source Code Pro"/>
-              <a:ea typeface="Source Code Pro"/>
-              <a:cs typeface="Source Code Pro"/>
-              <a:sym typeface="Source Code Pro"/>
-            </a:endParaRPr>
-          </a:p>
-          <a:p>
-            <a:pPr marL="914400" lvl="1" indent="-304165" algn="l" rtl="0">
-              <a:spcBef>
-                <a:spcPts val="0"/>
-              </a:spcBef>
-              <a:spcAft>
-                <a:spcPts val="0"/>
-              </a:spcAft>
-              <a:buSzPct val="100000"/>
-              <a:buChar char="○"/>
-            </a:pPr>
-            <a:r>
-              <a:rPr lang="en" dirty="0" err="1"/>
-              <a:t>Xor</a:t>
-            </a:r>
-            <a:r>
-              <a:rPr lang="en" dirty="0"/>
-              <a:t>: 		</a:t>
-            </a:r>
-            <a:r>
-              <a:rPr lang="en" dirty="0">
-                <a:latin typeface="Source Code Pro"/>
-                <a:ea typeface="Source Code Pro"/>
-                <a:cs typeface="Source Code Pro"/>
-                <a:sym typeface="Source Code Pro"/>
-              </a:rPr>
-              <a:t>s1 = t1 ^ t2;	</a:t>
-            </a:r>
-            <a:r>
-              <a:rPr lang="en" dirty="0" err="1">
-                <a:latin typeface="Source Code Pro"/>
-                <a:ea typeface="Source Code Pro"/>
-                <a:cs typeface="Source Code Pro"/>
-                <a:sym typeface="Source Code Pro"/>
-              </a:rPr>
-              <a:t>xor</a:t>
-            </a:r>
-            <a:r>
-              <a:rPr lang="en" dirty="0">
-                <a:latin typeface="Source Code Pro"/>
-                <a:ea typeface="Source Code Pro"/>
-                <a:cs typeface="Source Code Pro"/>
-                <a:sym typeface="Source Code Pro"/>
-              </a:rPr>
-              <a:t> $s1, $t1, $t2</a:t>
-            </a:r>
-            <a:br>
-              <a:rPr lang="en" dirty="0">
-                <a:latin typeface="Source Code Pro"/>
-                <a:ea typeface="Source Code Pro"/>
-                <a:cs typeface="Source Code Pro"/>
-                <a:sym typeface="Source Code Pro"/>
-              </a:rPr>
-            </a:br>
-            <a:endParaRPr dirty="0">
-              <a:latin typeface="Source Code Pro"/>
-              <a:ea typeface="Source Code Pro"/>
-              <a:cs typeface="Source Code Pro"/>
-              <a:sym typeface="Source Code Pro"/>
-            </a:endParaRPr>
-          </a:p>
-          <a:p>
-            <a:pPr marL="457200" lvl="0" indent="-325755" algn="l" rtl="0">
-              <a:spcBef>
-                <a:spcPts val="0"/>
-              </a:spcBef>
-              <a:spcAft>
-                <a:spcPts val="0"/>
-              </a:spcAft>
-              <a:buSzPct val="100000"/>
-              <a:buChar char="●"/>
-            </a:pPr>
-            <a:r>
-              <a:rPr lang="en" dirty="0"/>
-              <a:t>Shift-based Operations:</a:t>
-            </a:r>
-            <a:endParaRPr dirty="0"/>
-          </a:p>
-          <a:p>
-            <a:pPr marL="914400" lvl="1" indent="-304165" algn="l" rtl="0">
-              <a:spcBef>
-                <a:spcPts val="0"/>
-              </a:spcBef>
-              <a:spcAft>
-                <a:spcPts val="0"/>
-              </a:spcAft>
-              <a:buSzPct val="100000"/>
-              <a:buChar char="○"/>
-            </a:pPr>
-            <a:r>
-              <a:rPr lang="en" strike="sngStrike" dirty="0"/>
-              <a:t>Un/Signed</a:t>
-            </a:r>
-            <a:r>
-              <a:rPr lang="en" dirty="0"/>
-              <a:t> Left Shift	</a:t>
-            </a:r>
-            <a:r>
-              <a:rPr lang="en" dirty="0">
-                <a:latin typeface="Source Code Pro"/>
-                <a:ea typeface="Source Code Pro"/>
-                <a:cs typeface="Source Code Pro"/>
-                <a:sym typeface="Source Code Pro"/>
-              </a:rPr>
-              <a:t>s1 = t1 &lt;&lt; 2;	</a:t>
-            </a:r>
-            <a:r>
-              <a:rPr lang="en" dirty="0" err="1">
-                <a:latin typeface="Source Code Pro"/>
-                <a:ea typeface="Source Code Pro"/>
-                <a:cs typeface="Source Code Pro"/>
-                <a:sym typeface="Source Code Pro"/>
-              </a:rPr>
-              <a:t>sll</a:t>
-            </a:r>
-            <a:r>
-              <a:rPr lang="en" dirty="0">
-                <a:latin typeface="Source Code Pro"/>
-                <a:ea typeface="Source Code Pro"/>
-                <a:cs typeface="Source Code Pro"/>
-                <a:sym typeface="Source Code Pro"/>
-              </a:rPr>
-              <a:t> $s1, $t1, 2	# Shift Left Logical</a:t>
-            </a:r>
-          </a:p>
-          <a:p>
-            <a:pPr lvl="1" indent="-304165">
-              <a:buSzPct val="100000"/>
-            </a:pPr>
-            <a:r>
-              <a:rPr lang="en-US" dirty="0"/>
-              <a:t>Unsigned Right Shift	</a:t>
-            </a:r>
-            <a:r>
-              <a:rPr lang="en-US" dirty="0">
-                <a:latin typeface="Source Code Pro"/>
-                <a:ea typeface="Source Code Pro"/>
-                <a:cs typeface="Source Code Pro"/>
-                <a:sym typeface="Source Code Pro"/>
-              </a:rPr>
-              <a:t>s1 = t1 &gt;&gt;&gt; 2;	</a:t>
-            </a:r>
-            <a:r>
-              <a:rPr lang="en-US" dirty="0" err="1">
-                <a:latin typeface="Source Code Pro"/>
-                <a:ea typeface="Source Code Pro"/>
-                <a:cs typeface="Source Code Pro"/>
-                <a:sym typeface="Source Code Pro"/>
-              </a:rPr>
-              <a:t>srl</a:t>
-            </a:r>
-            <a:r>
-              <a:rPr lang="en-US" dirty="0">
-                <a:latin typeface="Source Code Pro"/>
-                <a:ea typeface="Source Code Pro"/>
-                <a:cs typeface="Source Code Pro"/>
-                <a:sym typeface="Source Code Pro"/>
-              </a:rPr>
-              <a:t> $s1, $t1, 2	# Shift Right Logical</a:t>
-            </a:r>
-            <a:br>
-              <a:rPr lang="en-US" dirty="0">
-                <a:latin typeface="Source Code Pro"/>
-                <a:ea typeface="Source Code Pro"/>
-                <a:cs typeface="Source Code Pro"/>
-                <a:sym typeface="Source Code Pro"/>
-              </a:rPr>
-            </a:br>
-            <a:r>
-              <a:rPr lang="en-US" dirty="0">
-                <a:latin typeface="Source Code Pro"/>
-                <a:ea typeface="Source Code Pro"/>
-                <a:cs typeface="Source Code Pro"/>
-                <a:sym typeface="Source Code Pro"/>
-              </a:rPr>
-              <a:t> </a:t>
-            </a:r>
-            <a:endParaRPr dirty="0">
-              <a:latin typeface="Source Code Pro"/>
-              <a:ea typeface="Source Code Pro"/>
-              <a:cs typeface="Source Code Pro"/>
-              <a:sym typeface="Source Code Pro"/>
-            </a:endParaRPr>
-          </a:p>
-          <a:p>
-            <a:pPr marL="914400" lvl="1" indent="-304165" algn="l" rtl="0">
-              <a:spcBef>
-                <a:spcPts val="0"/>
-              </a:spcBef>
-              <a:spcAft>
-                <a:spcPts val="0"/>
-              </a:spcAft>
-              <a:buSzPct val="100000"/>
-              <a:buChar char="○"/>
-            </a:pPr>
-            <a:r>
-              <a:rPr lang="en" dirty="0"/>
-              <a:t>Signed Right Shift	</a:t>
-            </a:r>
-            <a:r>
-              <a:rPr lang="en" dirty="0">
-                <a:latin typeface="Source Code Pro"/>
-                <a:ea typeface="Source Code Pro"/>
-                <a:cs typeface="Source Code Pro"/>
-                <a:sym typeface="Source Code Pro"/>
-              </a:rPr>
-              <a:t>s1 = t1 &gt;&gt; 2;	</a:t>
-            </a:r>
-            <a:r>
-              <a:rPr lang="en" dirty="0" err="1">
-                <a:latin typeface="Source Code Pro"/>
-                <a:ea typeface="Source Code Pro"/>
-                <a:cs typeface="Source Code Pro"/>
-                <a:sym typeface="Source Code Pro"/>
-              </a:rPr>
-              <a:t>sra</a:t>
-            </a:r>
-            <a:r>
-              <a:rPr lang="en" dirty="0">
-                <a:latin typeface="Source Code Pro"/>
-                <a:ea typeface="Source Code Pro"/>
-                <a:cs typeface="Source Code Pro"/>
-                <a:sym typeface="Source Code Pro"/>
-              </a:rPr>
-              <a:t> $s1, $t1, 2	# Shift Right Arithmetic</a:t>
-            </a:r>
-            <a:endParaRPr dirty="0">
-              <a:latin typeface="Source Code Pro"/>
-              <a:ea typeface="Source Code Pro"/>
-              <a:cs typeface="Source Code Pro"/>
-              <a:sym typeface="Source Code Pro"/>
-            </a:endParaRPr>
-          </a:p>
-          <a:p>
-            <a:pPr marL="914400" lvl="1" indent="-304165" algn="l" rtl="0">
-              <a:spcBef>
-                <a:spcPts val="0"/>
-              </a:spcBef>
-              <a:spcAft>
-                <a:spcPts val="0"/>
-              </a:spcAft>
-              <a:buSzPct val="100000"/>
-              <a:buFont typeface="Source Code Pro"/>
-              <a:buChar char="○"/>
-            </a:pPr>
-            <a:r>
-              <a:rPr lang="en" strike="sngStrike" dirty="0"/>
-              <a:t>Unsigned Left Shift	</a:t>
-            </a:r>
-            <a:r>
-              <a:rPr lang="en" strike="sngStrike" dirty="0">
-                <a:latin typeface="Source Code Pro"/>
-                <a:ea typeface="Source Code Pro"/>
-                <a:cs typeface="Source Code Pro"/>
-                <a:sym typeface="Source Code Pro"/>
-              </a:rPr>
-              <a:t>s1 = t1 &lt;&lt;&lt; t2;</a:t>
-            </a:r>
-            <a:endParaRPr dirty="0">
-              <a:latin typeface="Source Code Pro"/>
-              <a:ea typeface="Source Code Pro"/>
-              <a:cs typeface="Source Code Pro"/>
-              <a:sym typeface="Source Code Pro"/>
-            </a:endParaRPr>
-          </a:p>
-        </p:txBody>
-      </p:sp>
-      <p:sp>
-        <p:nvSpPr>
-          <p:cNvPr id="56" name="Google Shape;56;p13"/>
-          <p:cNvSpPr txBox="1"/>
-          <p:nvPr/>
-        </p:nvSpPr>
-        <p:spPr>
-          <a:xfrm>
-            <a:off x="5009223" y="1430094"/>
-            <a:ext cx="3645300" cy="821733"/>
-          </a:xfrm>
-          <a:prstGeom prst="rect">
-            <a:avLst/>
-          </a:prstGeom>
-          <a:noFill/>
-          <a:ln>
-            <a:noFill/>
-          </a:ln>
-        </p:spPr>
-        <p:txBody>
-          <a:bodyPr spcFirstLastPara="1" wrap="square" lIns="91425" tIns="91425" rIns="91425" bIns="91425" anchor="t" anchorCtr="0">
-            <a:spAutoFit/>
-          </a:bodyPr>
-          <a:lstStyle/>
-          <a:p>
-            <a:pPr marL="457200" lvl="0" indent="-304800" algn="l" rtl="0">
-              <a:lnSpc>
-                <a:spcPct val="115000"/>
-              </a:lnSpc>
-              <a:spcBef>
-                <a:spcPts val="0"/>
-              </a:spcBef>
-              <a:spcAft>
-                <a:spcPts val="0"/>
-              </a:spcAft>
-              <a:buClr>
-                <a:schemeClr val="dk2"/>
-              </a:buClr>
-              <a:buSzPts val="1200"/>
-              <a:buChar char="●"/>
-            </a:pPr>
-            <a:r>
-              <a:rPr lang="en" sz="1200" dirty="0">
-                <a:solidFill>
-                  <a:schemeClr val="dk2"/>
-                </a:solidFill>
-              </a:rPr>
-              <a:t>short (16 bit chunks)</a:t>
-            </a:r>
-            <a:endParaRPr sz="1200" dirty="0">
-              <a:solidFill>
-                <a:schemeClr val="dk2"/>
-              </a:solidFill>
-              <a:latin typeface="Source Code Pro"/>
-              <a:ea typeface="Source Code Pro"/>
-              <a:cs typeface="Source Code Pro"/>
-              <a:sym typeface="Source Code Pro"/>
-            </a:endParaRPr>
-          </a:p>
-          <a:p>
-            <a:pPr marL="457200" lvl="0" indent="-304800" algn="l" rtl="0">
-              <a:lnSpc>
-                <a:spcPct val="115000"/>
-              </a:lnSpc>
-              <a:spcBef>
-                <a:spcPts val="0"/>
-              </a:spcBef>
-              <a:spcAft>
-                <a:spcPts val="0"/>
-              </a:spcAft>
-              <a:buClr>
-                <a:schemeClr val="dk2"/>
-              </a:buClr>
-              <a:buSzPts val="1200"/>
-              <a:buChar char="●"/>
-            </a:pPr>
-            <a:r>
-              <a:rPr lang="en" sz="1200" dirty="0">
-                <a:solidFill>
-                  <a:schemeClr val="dk2"/>
-                </a:solidFill>
-              </a:rPr>
-              <a:t>int (32 bit chunks)</a:t>
-            </a:r>
-            <a:endParaRPr sz="1200" dirty="0">
-              <a:solidFill>
-                <a:schemeClr val="dk2"/>
-              </a:solidFill>
-              <a:latin typeface="Source Code Pro"/>
-              <a:ea typeface="Source Code Pro"/>
-              <a:cs typeface="Source Code Pro"/>
-              <a:sym typeface="Source Code Pro"/>
-            </a:endParaRPr>
-          </a:p>
-          <a:p>
-            <a:pPr marL="457200" lvl="0" indent="-304800" algn="l" rtl="0">
-              <a:lnSpc>
-                <a:spcPct val="115000"/>
-              </a:lnSpc>
-              <a:spcBef>
-                <a:spcPts val="0"/>
-              </a:spcBef>
-              <a:spcAft>
-                <a:spcPts val="0"/>
-              </a:spcAft>
-              <a:buClr>
-                <a:schemeClr val="dk2"/>
-              </a:buClr>
-              <a:buSzPts val="1200"/>
-              <a:buChar char="●"/>
-            </a:pPr>
-            <a:r>
-              <a:rPr lang="en" sz="1200" dirty="0">
-                <a:solidFill>
-                  <a:schemeClr val="dk2"/>
-                </a:solidFill>
-              </a:rPr>
-              <a:t>long (64 bit chunks)</a:t>
-            </a:r>
-            <a:endParaRPr sz="1200" dirty="0"/>
-          </a:p>
-        </p:txBody>
-      </p:sp>
-    </p:spTree>
-  </p:cSld>
-  <p:clrMapOvr>
-    <a:masterClrMapping/>
-  </p:clrMapOvr>
-</p:sld>
-</file>
-
-<file path=ppt/slides/slide6.xml><?xml version="1.0" encoding="utf-8"?>
-<p:sld xmlns:a="http://schemas.openxmlformats.org/drawingml/2006/main" xmlns:r="http://schemas.openxmlformats.org/officeDocument/2006/relationships" xmlns:p="http://schemas.openxmlformats.org/presentationml/2006/main">
-  <p:cSld>
-    <p:spTree>
-      <p:nvGrpSpPr>
         <p:cNvPr id="1" name="Shape 536"/>
         <p:cNvGrpSpPr/>
         <p:nvPr/>
@@ -21784,7 +21383,7 @@
 </p:sld>
 </file>
 
-<file path=ppt/slides/slide7.xml><?xml version="1.0" encoding="utf-8"?>
+<file path=ppt/slides/slide6.xml><?xml version="1.0" encoding="utf-8"?>
 <p:sld xmlns:a="http://schemas.openxmlformats.org/drawingml/2006/main" xmlns:r="http://schemas.openxmlformats.org/officeDocument/2006/relationships" xmlns:p="http://schemas.openxmlformats.org/presentationml/2006/main">
   <p:cSld>
     <p:spTree>
@@ -25217,7 +24816,7 @@
 </p:sld>
 </file>
 
-<file path=ppt/slides/slide8.xml><?xml version="1.0" encoding="utf-8"?>
+<file path=ppt/slides/slide7.xml><?xml version="1.0" encoding="utf-8"?>
 <p:sld xmlns:a="http://schemas.openxmlformats.org/drawingml/2006/main" xmlns:r="http://schemas.openxmlformats.org/officeDocument/2006/relationships" xmlns:p="http://schemas.openxmlformats.org/presentationml/2006/main">
   <p:cSld>
     <p:spTree>
@@ -28654,7 +28253,7 @@
 </p:sld>
 </file>
 
-<file path=ppt/slides/slide9.xml><?xml version="1.0" encoding="utf-8"?>
+<file path=ppt/slides/slide8.xml><?xml version="1.0" encoding="utf-8"?>
 <p:sld xmlns:a="http://schemas.openxmlformats.org/drawingml/2006/main" xmlns:r="http://schemas.openxmlformats.org/officeDocument/2006/relationships" xmlns:p="http://schemas.openxmlformats.org/presentationml/2006/main">
   <p:cSld>
     <p:spTree>
